--- a/féléveselőadás_szakdoga.pptx
+++ b/féléveselőadás_szakdoga.pptx
@@ -334,7 +334,7 @@
     </p:spTree>
     <p:extLst>
       <p:ext uri="{BB962C8B-B14F-4D97-AF65-F5344CB8AC3E}">
-        <p14:creationId xmlns:p14="http://schemas.microsoft.com/office/powerpoint/2010/main" xmlns="" val="395616724"/>
+        <p14:creationId xmlns:p14="http://schemas.microsoft.com/office/powerpoint/2010/main" val="395616724"/>
       </p:ext>
     </p:extLst>
   </p:cSld>
@@ -532,7 +532,7 @@
     </p:spTree>
     <p:extLst>
       <p:ext uri="{BB962C8B-B14F-4D97-AF65-F5344CB8AC3E}">
-        <p14:creationId xmlns:p14="http://schemas.microsoft.com/office/powerpoint/2010/main" xmlns="" val="4203514095"/>
+        <p14:creationId xmlns:p14="http://schemas.microsoft.com/office/powerpoint/2010/main" val="4203514095"/>
       </p:ext>
     </p:extLst>
   </p:cSld>
@@ -672,7 +672,7 @@
     </p:spTree>
     <p:extLst>
       <p:ext uri="{BB962C8B-B14F-4D97-AF65-F5344CB8AC3E}">
-        <p14:creationId xmlns:p14="http://schemas.microsoft.com/office/powerpoint/2010/main" xmlns="" val="3197196270"/>
+        <p14:creationId xmlns:p14="http://schemas.microsoft.com/office/powerpoint/2010/main" val="3197196270"/>
       </p:ext>
     </p:extLst>
   </p:cSld>
@@ -752,13 +752,7 @@
               <a:rPr lang="hu-HU" sz="2000" b="0" strike="noStrike" spc="-1" dirty="0" smtClean="0">
                 <a:latin typeface="Arial"/>
               </a:rPr>
-              <a:t>Oszlopok</a:t>
-            </a:r>
-            <a:r>
-              <a:rPr lang="hu-HU" sz="2000" b="0" strike="noStrike" spc="-1" dirty="0" smtClean="0">
-                <a:latin typeface="Arial"/>
-              </a:rPr>
-              <a:t>:</a:t>
+              <a:t>Oszlopok:</a:t>
             </a:r>
           </a:p>
           <a:p>
@@ -874,7 +868,7 @@
     </p:spTree>
     <p:extLst>
       <p:ext uri="{BB962C8B-B14F-4D97-AF65-F5344CB8AC3E}">
-        <p14:creationId xmlns:p14="http://schemas.microsoft.com/office/powerpoint/2010/main" xmlns="" val="150739120"/>
+        <p14:creationId xmlns:p14="http://schemas.microsoft.com/office/powerpoint/2010/main" val="150739120"/>
       </p:ext>
     </p:extLst>
   </p:cSld>
@@ -1073,7 +1067,7 @@
     </p:spTree>
     <p:extLst>
       <p:ext uri="{BB962C8B-B14F-4D97-AF65-F5344CB8AC3E}">
-        <p14:creationId xmlns:p14="http://schemas.microsoft.com/office/powerpoint/2010/main" xmlns="" val="4024243761"/>
+        <p14:creationId xmlns:p14="http://schemas.microsoft.com/office/powerpoint/2010/main" val="4024243761"/>
       </p:ext>
     </p:extLst>
   </p:cSld>
@@ -1195,7 +1189,7 @@
     </p:spTree>
     <p:extLst>
       <p:ext uri="{BB962C8B-B14F-4D97-AF65-F5344CB8AC3E}">
-        <p14:creationId xmlns:p14="http://schemas.microsoft.com/office/powerpoint/2010/main" xmlns="" val="2717472747"/>
+        <p14:creationId xmlns:p14="http://schemas.microsoft.com/office/powerpoint/2010/main" val="2717472747"/>
       </p:ext>
     </p:extLst>
   </p:cSld>
@@ -1303,7 +1297,7 @@
     </p:spTree>
     <p:extLst>
       <p:ext uri="{BB962C8B-B14F-4D97-AF65-F5344CB8AC3E}">
-        <p14:creationId xmlns:p14="http://schemas.microsoft.com/office/powerpoint/2010/main" xmlns="" val="792337623"/>
+        <p14:creationId xmlns:p14="http://schemas.microsoft.com/office/powerpoint/2010/main" val="792337623"/>
       </p:ext>
     </p:extLst>
   </p:cSld>
@@ -1411,7 +1405,7 @@
     </p:spTree>
     <p:extLst>
       <p:ext uri="{BB962C8B-B14F-4D97-AF65-F5344CB8AC3E}">
-        <p14:creationId xmlns:p14="http://schemas.microsoft.com/office/powerpoint/2010/main" xmlns="" val="2012507214"/>
+        <p14:creationId xmlns:p14="http://schemas.microsoft.com/office/powerpoint/2010/main" val="2012507214"/>
       </p:ext>
     </p:extLst>
   </p:cSld>
@@ -1695,7 +1689,7 @@
     </p:spTree>
     <p:extLst>
       <p:ext uri="{BB962C8B-B14F-4D97-AF65-F5344CB8AC3E}">
-        <p14:creationId xmlns:p14="http://schemas.microsoft.com/office/powerpoint/2010/main" xmlns="" val="2445696731"/>
+        <p14:creationId xmlns:p14="http://schemas.microsoft.com/office/powerpoint/2010/main" val="2445696731"/>
       </p:ext>
     </p:extLst>
   </p:cSld>
@@ -1834,7 +1828,7 @@
     </p:spTree>
     <p:extLst>
       <p:ext uri="{BB962C8B-B14F-4D97-AF65-F5344CB8AC3E}">
-        <p14:creationId xmlns:p14="http://schemas.microsoft.com/office/powerpoint/2010/main" xmlns="" val="1600161801"/>
+        <p14:creationId xmlns:p14="http://schemas.microsoft.com/office/powerpoint/2010/main" val="1600161801"/>
       </p:ext>
     </p:extLst>
   </p:cSld>
@@ -2137,7 +2131,7 @@
     </p:spTree>
     <p:extLst>
       <p:ext uri="{BB962C8B-B14F-4D97-AF65-F5344CB8AC3E}">
-        <p14:creationId xmlns:p14="http://schemas.microsoft.com/office/powerpoint/2010/main" xmlns="" val="2280382218"/>
+        <p14:creationId xmlns:p14="http://schemas.microsoft.com/office/powerpoint/2010/main" val="2280382218"/>
       </p:ext>
     </p:extLst>
   </p:cSld>
@@ -2540,7 +2534,7 @@
     </p:spTree>
     <p:extLst>
       <p:ext uri="{BB962C8B-B14F-4D97-AF65-F5344CB8AC3E}">
-        <p14:creationId xmlns:p14="http://schemas.microsoft.com/office/powerpoint/2010/main" xmlns="" val="3309449519"/>
+        <p14:creationId xmlns:p14="http://schemas.microsoft.com/office/powerpoint/2010/main" val="3309449519"/>
       </p:ext>
     </p:extLst>
   </p:cSld>
@@ -2688,7 +2682,7 @@
     </p:spTree>
     <p:extLst>
       <p:ext uri="{BB962C8B-B14F-4D97-AF65-F5344CB8AC3E}">
-        <p14:creationId xmlns:p14="http://schemas.microsoft.com/office/powerpoint/2010/main" xmlns="" val="238051440"/>
+        <p14:creationId xmlns:p14="http://schemas.microsoft.com/office/powerpoint/2010/main" val="238051440"/>
       </p:ext>
     </p:extLst>
   </p:cSld>
@@ -2936,7 +2930,7 @@
     </p:spTree>
     <p:extLst>
       <p:ext uri="{BB962C8B-B14F-4D97-AF65-F5344CB8AC3E}">
-        <p14:creationId xmlns:p14="http://schemas.microsoft.com/office/powerpoint/2010/main" xmlns="" val="4009064402"/>
+        <p14:creationId xmlns:p14="http://schemas.microsoft.com/office/powerpoint/2010/main" val="4009064402"/>
       </p:ext>
     </p:extLst>
   </p:cSld>
@@ -3091,7 +3085,7 @@
     </p:spTree>
     <p:extLst>
       <p:ext uri="{BB962C8B-B14F-4D97-AF65-F5344CB8AC3E}">
-        <p14:creationId xmlns:p14="http://schemas.microsoft.com/office/powerpoint/2010/main" xmlns="" val="235572622"/>
+        <p14:creationId xmlns:p14="http://schemas.microsoft.com/office/powerpoint/2010/main" val="235572622"/>
       </p:ext>
     </p:extLst>
   </p:cSld>
@@ -3255,7 +3249,7 @@
     </p:spTree>
     <p:extLst>
       <p:ext uri="{BB962C8B-B14F-4D97-AF65-F5344CB8AC3E}">
-        <p14:creationId xmlns:p14="http://schemas.microsoft.com/office/powerpoint/2010/main" xmlns="" val="880426060"/>
+        <p14:creationId xmlns:p14="http://schemas.microsoft.com/office/powerpoint/2010/main" val="880426060"/>
       </p:ext>
     </p:extLst>
   </p:cSld>
@@ -7993,7 +7987,7 @@
                   <a:spcPct val="100000"/>
                 </a:lnSpc>
               </a:pPr>
-              <a:t>2017. 11. 23.</a:t>
+              <a:t>2017. 11. 27.</a:t>
             </a:fld>
             <a:endParaRPr lang="hu-HU" sz="1200" b="0" strike="noStrike" spc="-1">
               <a:latin typeface="Times New Roman"/>
@@ -8562,7 +8556,7 @@
                   <a:spcPct val="100000"/>
                 </a:lnSpc>
               </a:pPr>
-              <a:t>2017. 11. 23.</a:t>
+              <a:t>2017. 11. 27.</a:t>
             </a:fld>
             <a:endParaRPr lang="hu-HU" sz="1200" b="0" strike="noStrike" spc="-1">
               <a:latin typeface="Times New Roman"/>
@@ -8807,7 +8801,7 @@
                   <a:spcPct val="100000"/>
                 </a:lnSpc>
               </a:pPr>
-              <a:t>2017. 11. 23.</a:t>
+              <a:t>2017. 11. 27.</a:t>
             </a:fld>
             <a:endParaRPr lang="hu-HU" sz="1200" b="0" strike="noStrike" spc="-1">
               <a:latin typeface="Times New Roman"/>
@@ -10167,11 +10161,7 @@
           <a:p>
             <a:r>
               <a:rPr lang="hu-HU" sz="3200" dirty="0" smtClean="0"/>
-              <a:t>Miután megtudtuk melyik sorban kezdődnek a </a:t>
-            </a:r>
-            <a:r>
-              <a:rPr lang="hu-HU" sz="3200" dirty="0" smtClean="0"/>
-              <a:t>tranzakciók:</a:t>
+              <a:t>Miután megtudtuk melyik sorban kezdődnek a tranzakciók:</a:t>
             </a:r>
             <a:endParaRPr lang="hu-HU" dirty="0"/>
           </a:p>
@@ -10202,13 +10192,8 @@
             </a:pPr>
             <a:r>
               <a:rPr lang="hu-HU" sz="2400" dirty="0" smtClean="0"/>
-              <a:t>Miután minden oszlopot sikeresen megtaláltunk, elkezdjük a tranzakciók kezdősorától kiolvasni az adatokat az imént elmentett oszlopok celláiból</a:t>
-            </a:r>
-            <a:r>
-              <a:rPr lang="hu-HU" sz="2400" dirty="0" smtClean="0"/>
-              <a:t>.</a:t>
-            </a:r>
-            <a:endParaRPr lang="hu-HU" sz="2400" dirty="0" smtClean="0"/>
+              <a:t>Miután minden oszlopot sikeresen megtaláltunk, elkezdjük a tranzakciók kezdősorától kiolvasni az adatokat az imént elmentett oszlopok celláiból.</a:t>
+            </a:r>
           </a:p>
         </p:txBody>
       </p:sp>
@@ -11091,11 +11076,7 @@
           <a:p>
             <a:r>
               <a:rPr lang="hu-HU" sz="3200" dirty="0" smtClean="0"/>
-              <a:t>Sikeresen </a:t>
-            </a:r>
-            <a:r>
-              <a:rPr lang="hu-HU" sz="3200" dirty="0" smtClean="0"/>
-              <a:t>tesztelt bankok:</a:t>
+              <a:t>Sikeresen tesztelt bankok:</a:t>
             </a:r>
           </a:p>
           <a:p>
@@ -11335,7 +11316,7 @@
         </p:blipFill>
         <p:spPr>
           <a:xfrm>
-            <a:off x="1475656" y="2636912"/>
+            <a:off x="1691680" y="2541592"/>
             <a:ext cx="1525872" cy="360000"/>
           </a:xfrm>
           <a:prstGeom prst="rect">
@@ -11359,7 +11340,7 @@
         </p:blipFill>
         <p:spPr>
           <a:xfrm>
-            <a:off x="3491880" y="3140968"/>
+            <a:off x="3548061" y="3164470"/>
             <a:ext cx="729114" cy="720000"/>
           </a:xfrm>
           <a:prstGeom prst="rect">
@@ -11383,7 +11364,7 @@
         </p:blipFill>
         <p:spPr>
           <a:xfrm>
-            <a:off x="323528" y="3212976"/>
+            <a:off x="279589" y="3200320"/>
             <a:ext cx="1412091" cy="720000"/>
           </a:xfrm>
           <a:prstGeom prst="rect">
@@ -11431,7 +11412,7 @@
         </p:blipFill>
         <p:spPr>
           <a:xfrm>
-            <a:off x="3275856" y="2204864"/>
+            <a:off x="3445807" y="2181592"/>
             <a:ext cx="1080000" cy="1080000"/>
           </a:xfrm>
           <a:prstGeom prst="rect">
@@ -11517,7 +11498,7 @@
           <a:bodyPr/>
           <a:lstStyle/>
           <a:p>
-            <a:pPr marL="343080" indent="-342720">
+            <a:pPr marL="457560" indent="-457200">
               <a:lnSpc>
                 <a:spcPct val="100000"/>
               </a:lnSpc>
@@ -11527,21 +11508,27 @@
               <a:buClr>
                 <a:srgbClr val="000000"/>
               </a:buClr>
-              <a:buFont typeface="Arial"/>
+              <a:buFont typeface="Arial" pitchFamily="34" charset="0"/>
               <a:buChar char="•"/>
             </a:pPr>
             <a:r>
-              <a:rPr lang="hu-HU" sz="3200" b="0" strike="noStrike" spc="-1" dirty="0">
+              <a:rPr lang="hu-HU" sz="3200" spc="-1" dirty="0" smtClean="0">
                 <a:solidFill>
                   <a:srgbClr val="000000"/>
                 </a:solidFill>
                 <a:latin typeface="Calibri"/>
               </a:rPr>
-              <a:t>Tőzsdei vásárlás/eladás importálása</a:t>
-            </a:r>
-          </a:p>
-          <a:p>
-            <a:pPr marL="343080" indent="-342720">
+              <a:t>Több bankon való tesztelés</a:t>
+            </a:r>
+            <a:endParaRPr lang="hu-HU" sz="3200" spc="-1" dirty="0">
+              <a:solidFill>
+                <a:srgbClr val="000000"/>
+              </a:solidFill>
+              <a:latin typeface="Calibri"/>
+            </a:endParaRPr>
+          </a:p>
+          <a:p>
+            <a:pPr marL="457560" indent="-457200">
               <a:lnSpc>
                 <a:spcPct val="100000"/>
               </a:lnSpc>
@@ -11551,7 +11538,7 @@
               <a:buClr>
                 <a:srgbClr val="000000"/>
               </a:buClr>
-              <a:buFont typeface="Arial"/>
+              <a:buFont typeface="Arial" pitchFamily="34" charset="0"/>
               <a:buChar char="•"/>
             </a:pPr>
             <a:r>
@@ -11561,17 +11548,29 @@
                 </a:solidFill>
                 <a:latin typeface="Calibri"/>
               </a:rPr>
-              <a:t>Felhasználók részvényei nyereség/veszteség</a:t>
-            </a:r>
-            <a:endParaRPr lang="hu-HU" sz="3200" b="0" strike="noStrike" spc="-1" dirty="0">
-              <a:solidFill>
-                <a:srgbClr val="000000"/>
-              </a:solidFill>
-              <a:latin typeface="Calibri"/>
-            </a:endParaRPr>
-          </a:p>
-          <a:p>
-            <a:pPr marL="343080" indent="-342720">
+              <a:t>Tőzsdei </a:t>
+            </a:r>
+            <a:r>
+              <a:rPr lang="hu-HU" sz="3200" b="0" strike="noStrike" spc="-1" dirty="0">
+                <a:solidFill>
+                  <a:srgbClr val="000000"/>
+                </a:solidFill>
+                <a:latin typeface="Calibri"/>
+              </a:rPr>
+              <a:t>vásárlás/eladás </a:t>
+            </a:r>
+            <a:r>
+              <a:rPr lang="hu-HU" sz="3200" b="0" strike="noStrike" spc="-1" dirty="0" smtClean="0">
+                <a:solidFill>
+                  <a:srgbClr val="000000"/>
+                </a:solidFill>
+                <a:latin typeface="Calibri"/>
+              </a:rPr>
+              <a:t>importálása</a:t>
+            </a:r>
+          </a:p>
+          <a:p>
+            <a:pPr marL="457560" indent="-457200">
               <a:lnSpc>
                 <a:spcPct val="100000"/>
               </a:lnSpc>
@@ -11581,7 +11580,31 @@
               <a:buClr>
                 <a:srgbClr val="000000"/>
               </a:buClr>
-              <a:buFont typeface="Arial"/>
+              <a:buFont typeface="Arial" pitchFamily="34" charset="0"/>
+              <a:buChar char="•"/>
+            </a:pPr>
+            <a:r>
+              <a:rPr lang="hu-HU" sz="3200" b="0" strike="noStrike" spc="-1" dirty="0" smtClean="0">
+                <a:solidFill>
+                  <a:srgbClr val="000000"/>
+                </a:solidFill>
+                <a:latin typeface="Calibri"/>
+              </a:rPr>
+              <a:t>Felhasználók részvényei nyereség/veszteség</a:t>
+            </a:r>
+          </a:p>
+          <a:p>
+            <a:pPr marL="457560" indent="-457200">
+              <a:lnSpc>
+                <a:spcPct val="100000"/>
+              </a:lnSpc>
+              <a:spcBef>
+                <a:spcPts val="641"/>
+              </a:spcBef>
+              <a:buClr>
+                <a:srgbClr val="000000"/>
+              </a:buClr>
+              <a:buFont typeface="Arial" pitchFamily="34" charset="0"/>
               <a:buChar char="•"/>
             </a:pPr>
             <a:r>
@@ -11591,7 +11614,16 @@
                 </a:solidFill>
                 <a:latin typeface="Calibri"/>
               </a:rPr>
-              <a:t>Jelenlegi árfolyamok megjelenítése</a:t>
+              <a:t>Jelenlegi </a:t>
+            </a:r>
+            <a:r>
+              <a:rPr lang="hu-HU" sz="3200" spc="-1" dirty="0" smtClean="0">
+                <a:solidFill>
+                  <a:srgbClr val="000000"/>
+                </a:solidFill>
+                <a:latin typeface="Calibri"/>
+              </a:rPr>
+              <a:t>árfolyamok megjelenítése</a:t>
             </a:r>
             <a:endParaRPr lang="hu-HU" sz="3200" b="0" strike="noStrike" spc="-1" dirty="0">
               <a:solidFill>
@@ -12717,7 +12749,7 @@
         </p:nvSpPr>
         <p:spPr>
           <a:xfrm>
-            <a:off x="6732240" y="1700808"/>
+            <a:off x="6905095" y="1628976"/>
             <a:ext cx="723327" cy="576064"/>
           </a:xfrm>
           <a:prstGeom prst="rightArrow">
@@ -12751,7 +12783,7 @@
       </p:sp>
       <p:pic>
         <p:nvPicPr>
-          <p:cNvPr id="76" name="Kép 75" descr="1-min-icon-slate.png"/>
+          <p:cNvPr id="78" name="Kép 77" descr="54f5d2505831e6f994b666d0f872bf18_vectorise-logo-facebook-like-facebook-clipart-like_284-234.png"/>
           <p:cNvPicPr>
             <a:picLocks noChangeAspect="1"/>
           </p:cNvPicPr>
@@ -12765,8 +12797,8 @@
         </p:blipFill>
         <p:spPr>
           <a:xfrm>
-            <a:off x="7668344" y="1412776"/>
-            <a:ext cx="1014986" cy="1014986"/>
+            <a:off x="7833231" y="188640"/>
+            <a:ext cx="1310769" cy="1080000"/>
           </a:xfrm>
           <a:prstGeom prst="rect">
             <a:avLst/>
@@ -12775,7 +12807,7 @@
       </p:pic>
       <p:pic>
         <p:nvPicPr>
-          <p:cNvPr id="78" name="Kép 77" descr="54f5d2505831e6f994b666d0f872bf18_vectorise-logo-facebook-like-facebook-clipart-like_284-234.png"/>
+          <p:cNvPr id="79" name="Kép 78" descr="letöltés (1).png"/>
           <p:cNvPicPr>
             <a:picLocks noChangeAspect="1"/>
           </p:cNvPicPr>
@@ -12789,30 +12821,6 @@
         </p:blipFill>
         <p:spPr>
           <a:xfrm>
-            <a:off x="7833231" y="188640"/>
-            <a:ext cx="1310769" cy="1080000"/>
-          </a:xfrm>
-          <a:prstGeom prst="rect">
-            <a:avLst/>
-          </a:prstGeom>
-        </p:spPr>
-      </p:pic>
-      <p:pic>
-        <p:nvPicPr>
-          <p:cNvPr id="79" name="Kép 78" descr="letöltés (1).png"/>
-          <p:cNvPicPr>
-            <a:picLocks noChangeAspect="1"/>
-          </p:cNvPicPr>
-          <p:nvPr/>
-        </p:nvPicPr>
-        <p:blipFill>
-          <a:blip r:embed="rId9" cstate="print"/>
-          <a:stretch>
-            <a:fillRect/>
-          </a:stretch>
-        </p:blipFill>
-        <p:spPr>
-          <a:xfrm>
             <a:off x="0" y="4365104"/>
             <a:ext cx="2142857" cy="2142857"/>
           </a:xfrm>
@@ -12830,7 +12838,7 @@
         <p:spPr>
           <a:xfrm>
             <a:off x="0" y="3429000"/>
-            <a:ext cx="9396536" cy="72008"/>
+            <a:ext cx="9210176" cy="107928"/>
           </a:xfrm>
           <a:prstGeom prst="line">
             <a:avLst/>
@@ -13009,7 +13017,7 @@
           <p:nvPr/>
         </p:nvPicPr>
         <p:blipFill>
-          <a:blip r:embed="rId10" cstate="print"/>
+          <a:blip r:embed="rId9" cstate="print"/>
           <a:stretch>
             <a:fillRect/>
           </a:stretch>
@@ -13177,7 +13185,7 @@
           <p:nvPr/>
         </p:nvPicPr>
         <p:blipFill>
-          <a:blip r:embed="rId11" cstate="print"/>
+          <a:blip r:embed="rId10" cstate="print"/>
           <a:stretch>
             <a:fillRect/>
           </a:stretch>
@@ -13201,7 +13209,7 @@
           <p:nvPr/>
         </p:nvPicPr>
         <p:blipFill>
-          <a:blip r:embed="rId11" cstate="print"/>
+          <a:blip r:embed="rId10" cstate="print"/>
           <a:stretch>
             <a:fillRect/>
           </a:stretch>
@@ -13225,7 +13233,7 @@
           <p:nvPr/>
         </p:nvPicPr>
         <p:blipFill>
-          <a:blip r:embed="rId11" cstate="print"/>
+          <a:blip r:embed="rId10" cstate="print"/>
           <a:stretch>
             <a:fillRect/>
           </a:stretch>
@@ -13248,7 +13256,7 @@
         </p:nvSpPr>
         <p:spPr>
           <a:xfrm rot="19406043">
-            <a:off x="6375690" y="5391364"/>
+            <a:off x="7123872" y="5247180"/>
             <a:ext cx="976469" cy="576064"/>
           </a:xfrm>
           <a:prstGeom prst="rightArrow">
@@ -13289,15 +13297,165 @@
           <p:nvPr/>
         </p:nvPicPr>
         <p:blipFill>
-          <a:blip r:embed="rId12" cstate="print"/>
+          <a:blip r:embed="rId11" cstate="print"/>
           <a:stretch>
             <a:fillRect/>
           </a:stretch>
         </p:blipFill>
         <p:spPr>
           <a:xfrm>
-            <a:off x="6599751" y="3789040"/>
+            <a:off x="6665927" y="3501008"/>
             <a:ext cx="2544249" cy="1440000"/>
+          </a:xfrm>
+          <a:prstGeom prst="rect">
+            <a:avLst/>
+          </a:prstGeom>
+        </p:spPr>
+      </p:pic>
+      <p:pic>
+        <p:nvPicPr>
+          <p:cNvPr id="3" name="Kép 2"/>
+          <p:cNvPicPr>
+            <a:picLocks noChangeAspect="1"/>
+          </p:cNvPicPr>
+          <p:nvPr/>
+        </p:nvPicPr>
+        <p:blipFill>
+          <a:blip r:embed="rId12" cstate="print">
+            <a:extLst>
+              <a:ext uri="{28A0092B-C50C-407E-A947-70E740481C1C}">
+                <a14:useLocalDpi xmlns:a14="http://schemas.microsoft.com/office/drawing/2010/main" val="0"/>
+              </a:ext>
+            </a:extLst>
+          </a:blip>
+          <a:stretch>
+            <a:fillRect/>
+          </a:stretch>
+        </p:blipFill>
+        <p:spPr>
+          <a:xfrm>
+            <a:off x="6015199" y="4592057"/>
+            <a:ext cx="307231" cy="307231"/>
+          </a:xfrm>
+          <a:prstGeom prst="rect">
+            <a:avLst/>
+          </a:prstGeom>
+        </p:spPr>
+      </p:pic>
+      <p:pic>
+        <p:nvPicPr>
+          <p:cNvPr id="34" name="Kép 33"/>
+          <p:cNvPicPr>
+            <a:picLocks noChangeAspect="1"/>
+          </p:cNvPicPr>
+          <p:nvPr/>
+        </p:nvPicPr>
+        <p:blipFill>
+          <a:blip r:embed="rId12" cstate="print">
+            <a:extLst>
+              <a:ext uri="{28A0092B-C50C-407E-A947-70E740481C1C}">
+                <a14:useLocalDpi xmlns:a14="http://schemas.microsoft.com/office/drawing/2010/main" val="0"/>
+              </a:ext>
+            </a:extLst>
+          </a:blip>
+          <a:stretch>
+            <a:fillRect/>
+          </a:stretch>
+        </p:blipFill>
+        <p:spPr>
+          <a:xfrm>
+            <a:off x="6055326" y="5409160"/>
+            <a:ext cx="307231" cy="307231"/>
+          </a:xfrm>
+          <a:prstGeom prst="rect">
+            <a:avLst/>
+          </a:prstGeom>
+        </p:spPr>
+      </p:pic>
+      <p:pic>
+        <p:nvPicPr>
+          <p:cNvPr id="35" name="Kép 34"/>
+          <p:cNvPicPr>
+            <a:picLocks noChangeAspect="1"/>
+          </p:cNvPicPr>
+          <p:nvPr/>
+        </p:nvPicPr>
+        <p:blipFill>
+          <a:blip r:embed="rId12" cstate="print">
+            <a:extLst>
+              <a:ext uri="{28A0092B-C50C-407E-A947-70E740481C1C}">
+                <a14:useLocalDpi xmlns:a14="http://schemas.microsoft.com/office/drawing/2010/main" val="0"/>
+              </a:ext>
+            </a:extLst>
+          </a:blip>
+          <a:stretch>
+            <a:fillRect/>
+          </a:stretch>
+        </p:blipFill>
+        <p:spPr>
+          <a:xfrm>
+            <a:off x="6055326" y="6057104"/>
+            <a:ext cx="307231" cy="307231"/>
+          </a:xfrm>
+          <a:prstGeom prst="rect">
+            <a:avLst/>
+          </a:prstGeom>
+        </p:spPr>
+      </p:pic>
+      <p:pic>
+        <p:nvPicPr>
+          <p:cNvPr id="36" name="Kép 35"/>
+          <p:cNvPicPr>
+            <a:picLocks noChangeAspect="1"/>
+          </p:cNvPicPr>
+          <p:nvPr/>
+        </p:nvPicPr>
+        <p:blipFill>
+          <a:blip r:embed="rId12" cstate="print">
+            <a:extLst>
+              <a:ext uri="{28A0092B-C50C-407E-A947-70E740481C1C}">
+                <a14:useLocalDpi xmlns:a14="http://schemas.microsoft.com/office/drawing/2010/main" val="0"/>
+              </a:ext>
+            </a:extLst>
+          </a:blip>
+          <a:stretch>
+            <a:fillRect/>
+          </a:stretch>
+        </p:blipFill>
+        <p:spPr>
+          <a:xfrm>
+            <a:off x="6138793" y="1181688"/>
+            <a:ext cx="307231" cy="307231"/>
+          </a:xfrm>
+          <a:prstGeom prst="rect">
+            <a:avLst/>
+          </a:prstGeom>
+        </p:spPr>
+      </p:pic>
+      <p:pic>
+        <p:nvPicPr>
+          <p:cNvPr id="2" name="Kép 1"/>
+          <p:cNvPicPr>
+            <a:picLocks noChangeAspect="1"/>
+          </p:cNvPicPr>
+          <p:nvPr/>
+        </p:nvPicPr>
+        <p:blipFill>
+          <a:blip r:embed="rId13" cstate="print">
+            <a:extLst>
+              <a:ext uri="{28A0092B-C50C-407E-A947-70E740481C1C}">
+                <a14:useLocalDpi xmlns:a14="http://schemas.microsoft.com/office/drawing/2010/main" val="0"/>
+              </a:ext>
+            </a:extLst>
+          </a:blip>
+          <a:stretch>
+            <a:fillRect/>
+          </a:stretch>
+        </p:blipFill>
+        <p:spPr>
+          <a:xfrm>
+            <a:off x="7643597" y="1322119"/>
+            <a:ext cx="1299450" cy="1080000"/>
           </a:xfrm>
           <a:prstGeom prst="rect">
             <a:avLst/>
@@ -13315,9 +13473,1874 @@
   <p:timing>
     <p:tnLst>
       <p:par>
-        <p:cTn id="1" dur="indefinite" restart="never" nodeType="tmRoot"/>
+        <p:cTn id="1" dur="indefinite" restart="never" nodeType="tmRoot">
+          <p:childTnLst>
+            <p:seq concurrent="1" nextAc="seek">
+              <p:cTn id="2" dur="indefinite" nodeType="mainSeq">
+                <p:childTnLst>
+                  <p:par>
+                    <p:cTn id="3" fill="hold">
+                      <p:stCondLst>
+                        <p:cond delay="indefinite"/>
+                      </p:stCondLst>
+                      <p:childTnLst>
+                        <p:par>
+                          <p:cTn id="4" fill="hold">
+                            <p:stCondLst>
+                              <p:cond delay="0"/>
+                            </p:stCondLst>
+                            <p:childTnLst>
+                              <p:par>
+                                <p:cTn id="5" presetID="22" presetClass="entr" presetSubtype="4" fill="hold" grpId="0" nodeType="clickEffect">
+                                  <p:stCondLst>
+                                    <p:cond delay="0"/>
+                                  </p:stCondLst>
+                                  <p:childTnLst>
+                                    <p:set>
+                                      <p:cBhvr>
+                                        <p:cTn id="6" dur="1" fill="hold">
+                                          <p:stCondLst>
+                                            <p:cond delay="0"/>
+                                          </p:stCondLst>
+                                        </p:cTn>
+                                        <p:tgtEl>
+                                          <p:spTgt spid="71"/>
+                                        </p:tgtEl>
+                                        <p:attrNameLst>
+                                          <p:attrName>style.visibility</p:attrName>
+                                        </p:attrNameLst>
+                                      </p:cBhvr>
+                                      <p:to>
+                                        <p:strVal val="visible"/>
+                                      </p:to>
+                                    </p:set>
+                                    <p:animEffect transition="in" filter="wipe(down)">
+                                      <p:cBhvr>
+                                        <p:cTn id="7" dur="500"/>
+                                        <p:tgtEl>
+                                          <p:spTgt spid="71"/>
+                                        </p:tgtEl>
+                                      </p:cBhvr>
+                                    </p:animEffect>
+                                  </p:childTnLst>
+                                </p:cTn>
+                              </p:par>
+                              <p:par>
+                                <p:cTn id="8" presetID="22" presetClass="entr" presetSubtype="4" fill="hold" nodeType="withEffect">
+                                  <p:stCondLst>
+                                    <p:cond delay="0"/>
+                                  </p:stCondLst>
+                                  <p:childTnLst>
+                                    <p:set>
+                                      <p:cBhvr>
+                                        <p:cTn id="9" dur="1" fill="hold">
+                                          <p:stCondLst>
+                                            <p:cond delay="0"/>
+                                          </p:stCondLst>
+                                        </p:cTn>
+                                        <p:tgtEl>
+                                          <p:spTgt spid="72"/>
+                                        </p:tgtEl>
+                                        <p:attrNameLst>
+                                          <p:attrName>style.visibility</p:attrName>
+                                        </p:attrNameLst>
+                                      </p:cBhvr>
+                                      <p:to>
+                                        <p:strVal val="visible"/>
+                                      </p:to>
+                                    </p:set>
+                                    <p:animEffect transition="in" filter="wipe(down)">
+                                      <p:cBhvr>
+                                        <p:cTn id="10" dur="500"/>
+                                        <p:tgtEl>
+                                          <p:spTgt spid="72"/>
+                                        </p:tgtEl>
+                                      </p:cBhvr>
+                                    </p:animEffect>
+                                  </p:childTnLst>
+                                </p:cTn>
+                              </p:par>
+                            </p:childTnLst>
+                          </p:cTn>
+                        </p:par>
+                      </p:childTnLst>
+                    </p:cTn>
+                  </p:par>
+                  <p:par>
+                    <p:cTn id="11" fill="hold">
+                      <p:stCondLst>
+                        <p:cond delay="indefinite"/>
+                      </p:stCondLst>
+                      <p:childTnLst>
+                        <p:par>
+                          <p:cTn id="12" fill="hold">
+                            <p:stCondLst>
+                              <p:cond delay="0"/>
+                            </p:stCondLst>
+                            <p:childTnLst>
+                              <p:par>
+                                <p:cTn id="13" presetID="16" presetClass="entr" presetSubtype="21" fill="hold" nodeType="clickEffect">
+                                  <p:stCondLst>
+                                    <p:cond delay="0"/>
+                                  </p:stCondLst>
+                                  <p:childTnLst>
+                                    <p:set>
+                                      <p:cBhvr>
+                                        <p:cTn id="14" dur="1" fill="hold">
+                                          <p:stCondLst>
+                                            <p:cond delay="0"/>
+                                          </p:stCondLst>
+                                        </p:cTn>
+                                        <p:tgtEl>
+                                          <p:spTgt spid="73"/>
+                                        </p:tgtEl>
+                                        <p:attrNameLst>
+                                          <p:attrName>style.visibility</p:attrName>
+                                        </p:attrNameLst>
+                                      </p:cBhvr>
+                                      <p:to>
+                                        <p:strVal val="visible"/>
+                                      </p:to>
+                                    </p:set>
+                                    <p:animEffect transition="in" filter="barn(inVertical)">
+                                      <p:cBhvr>
+                                        <p:cTn id="15" dur="500"/>
+                                        <p:tgtEl>
+                                          <p:spTgt spid="73"/>
+                                        </p:tgtEl>
+                                      </p:cBhvr>
+                                    </p:animEffect>
+                                  </p:childTnLst>
+                                </p:cTn>
+                              </p:par>
+                              <p:par>
+                                <p:cTn id="16" presetID="16" presetClass="entr" presetSubtype="21" fill="hold" grpId="0" nodeType="withEffect">
+                                  <p:stCondLst>
+                                    <p:cond delay="0"/>
+                                  </p:stCondLst>
+                                  <p:childTnLst>
+                                    <p:set>
+                                      <p:cBhvr>
+                                        <p:cTn id="17" dur="1" fill="hold">
+                                          <p:stCondLst>
+                                            <p:cond delay="0"/>
+                                          </p:stCondLst>
+                                        </p:cTn>
+                                        <p:tgtEl>
+                                          <p:spTgt spid="74"/>
+                                        </p:tgtEl>
+                                        <p:attrNameLst>
+                                          <p:attrName>style.visibility</p:attrName>
+                                        </p:attrNameLst>
+                                      </p:cBhvr>
+                                      <p:to>
+                                        <p:strVal val="visible"/>
+                                      </p:to>
+                                    </p:set>
+                                    <p:animEffect transition="in" filter="barn(inVertical)">
+                                      <p:cBhvr>
+                                        <p:cTn id="18" dur="500"/>
+                                        <p:tgtEl>
+                                          <p:spTgt spid="74"/>
+                                        </p:tgtEl>
+                                      </p:cBhvr>
+                                    </p:animEffect>
+                                  </p:childTnLst>
+                                </p:cTn>
+                              </p:par>
+                              <p:par>
+                                <p:cTn id="19" presetID="16" presetClass="entr" presetSubtype="21" fill="hold" nodeType="withEffect">
+                                  <p:stCondLst>
+                                    <p:cond delay="0"/>
+                                  </p:stCondLst>
+                                  <p:childTnLst>
+                                    <p:set>
+                                      <p:cBhvr>
+                                        <p:cTn id="20" dur="1" fill="hold">
+                                          <p:stCondLst>
+                                            <p:cond delay="0"/>
+                                          </p:stCondLst>
+                                        </p:cTn>
+                                        <p:tgtEl>
+                                          <p:spTgt spid="36"/>
+                                        </p:tgtEl>
+                                        <p:attrNameLst>
+                                          <p:attrName>style.visibility</p:attrName>
+                                        </p:attrNameLst>
+                                      </p:cBhvr>
+                                      <p:to>
+                                        <p:strVal val="visible"/>
+                                      </p:to>
+                                    </p:set>
+                                    <p:animEffect transition="in" filter="barn(inVertical)">
+                                      <p:cBhvr>
+                                        <p:cTn id="21" dur="500"/>
+                                        <p:tgtEl>
+                                          <p:spTgt spid="36"/>
+                                        </p:tgtEl>
+                                      </p:cBhvr>
+                                    </p:animEffect>
+                                  </p:childTnLst>
+                                </p:cTn>
+                              </p:par>
+                              <p:par>
+                                <p:cTn id="22" presetID="2" presetClass="entr" presetSubtype="4" fill="hold" nodeType="withEffect">
+                                  <p:stCondLst>
+                                    <p:cond delay="0"/>
+                                  </p:stCondLst>
+                                  <p:childTnLst>
+                                    <p:set>
+                                      <p:cBhvr>
+                                        <p:cTn id="23" dur="1" fill="hold">
+                                          <p:stCondLst>
+                                            <p:cond delay="0"/>
+                                          </p:stCondLst>
+                                        </p:cTn>
+                                        <p:tgtEl>
+                                          <p:spTgt spid="2"/>
+                                        </p:tgtEl>
+                                        <p:attrNameLst>
+                                          <p:attrName>style.visibility</p:attrName>
+                                        </p:attrNameLst>
+                                      </p:cBhvr>
+                                      <p:to>
+                                        <p:strVal val="visible"/>
+                                      </p:to>
+                                    </p:set>
+                                    <p:anim calcmode="lin" valueType="num">
+                                      <p:cBhvr additive="base">
+                                        <p:cTn id="24" dur="500" fill="hold"/>
+                                        <p:tgtEl>
+                                          <p:spTgt spid="2"/>
+                                        </p:tgtEl>
+                                        <p:attrNameLst>
+                                          <p:attrName>ppt_x</p:attrName>
+                                        </p:attrNameLst>
+                                      </p:cBhvr>
+                                      <p:tavLst>
+                                        <p:tav tm="0">
+                                          <p:val>
+                                            <p:strVal val="#ppt_x"/>
+                                          </p:val>
+                                        </p:tav>
+                                        <p:tav tm="100000">
+                                          <p:val>
+                                            <p:strVal val="#ppt_x"/>
+                                          </p:val>
+                                        </p:tav>
+                                      </p:tavLst>
+                                    </p:anim>
+                                    <p:anim calcmode="lin" valueType="num">
+                                      <p:cBhvr additive="base">
+                                        <p:cTn id="25" dur="500" fill="hold"/>
+                                        <p:tgtEl>
+                                          <p:spTgt spid="2"/>
+                                        </p:tgtEl>
+                                        <p:attrNameLst>
+                                          <p:attrName>ppt_y</p:attrName>
+                                        </p:attrNameLst>
+                                      </p:cBhvr>
+                                      <p:tavLst>
+                                        <p:tav tm="0">
+                                          <p:val>
+                                            <p:strVal val="1+#ppt_h/2"/>
+                                          </p:val>
+                                        </p:tav>
+                                        <p:tav tm="100000">
+                                          <p:val>
+                                            <p:strVal val="#ppt_y"/>
+                                          </p:val>
+                                        </p:tav>
+                                      </p:tavLst>
+                                    </p:anim>
+                                  </p:childTnLst>
+                                </p:cTn>
+                              </p:par>
+                              <p:par>
+                                <p:cTn id="26" presetID="16" presetClass="entr" presetSubtype="21" fill="hold" nodeType="withEffect">
+                                  <p:stCondLst>
+                                    <p:cond delay="0"/>
+                                  </p:stCondLst>
+                                  <p:childTnLst>
+                                    <p:set>
+                                      <p:cBhvr>
+                                        <p:cTn id="27" dur="1" fill="hold">
+                                          <p:stCondLst>
+                                            <p:cond delay="0"/>
+                                          </p:stCondLst>
+                                        </p:cTn>
+                                        <p:tgtEl>
+                                          <p:spTgt spid="78"/>
+                                        </p:tgtEl>
+                                        <p:attrNameLst>
+                                          <p:attrName>style.visibility</p:attrName>
+                                        </p:attrNameLst>
+                                      </p:cBhvr>
+                                      <p:to>
+                                        <p:strVal val="visible"/>
+                                      </p:to>
+                                    </p:set>
+                                    <p:animEffect transition="in" filter="barn(inVertical)">
+                                      <p:cBhvr>
+                                        <p:cTn id="28" dur="500"/>
+                                        <p:tgtEl>
+                                          <p:spTgt spid="78"/>
+                                        </p:tgtEl>
+                                      </p:cBhvr>
+                                    </p:animEffect>
+                                  </p:childTnLst>
+                                </p:cTn>
+                              </p:par>
+                            </p:childTnLst>
+                          </p:cTn>
+                        </p:par>
+                      </p:childTnLst>
+                    </p:cTn>
+                  </p:par>
+                  <p:par>
+                    <p:cTn id="29" fill="hold">
+                      <p:stCondLst>
+                        <p:cond delay="indefinite"/>
+                      </p:stCondLst>
+                      <p:childTnLst>
+                        <p:par>
+                          <p:cTn id="30" fill="hold">
+                            <p:stCondLst>
+                              <p:cond delay="0"/>
+                            </p:stCondLst>
+                            <p:childTnLst>
+                              <p:par>
+                                <p:cTn id="31" presetID="42" presetClass="entr" presetSubtype="0" fill="hold" nodeType="clickEffect">
+                                  <p:stCondLst>
+                                    <p:cond delay="0"/>
+                                  </p:stCondLst>
+                                  <p:childTnLst>
+                                    <p:set>
+                                      <p:cBhvr>
+                                        <p:cTn id="32" dur="1" fill="hold">
+                                          <p:stCondLst>
+                                            <p:cond delay="0"/>
+                                          </p:stCondLst>
+                                        </p:cTn>
+                                        <p:tgtEl>
+                                          <p:spTgt spid="79"/>
+                                        </p:tgtEl>
+                                        <p:attrNameLst>
+                                          <p:attrName>style.visibility</p:attrName>
+                                        </p:attrNameLst>
+                                      </p:cBhvr>
+                                      <p:to>
+                                        <p:strVal val="visible"/>
+                                      </p:to>
+                                    </p:set>
+                                    <p:animEffect transition="in" filter="fade">
+                                      <p:cBhvr>
+                                        <p:cTn id="33" dur="1000"/>
+                                        <p:tgtEl>
+                                          <p:spTgt spid="79"/>
+                                        </p:tgtEl>
+                                      </p:cBhvr>
+                                    </p:animEffect>
+                                    <p:anim calcmode="lin" valueType="num">
+                                      <p:cBhvr>
+                                        <p:cTn id="34" dur="1000" fill="hold"/>
+                                        <p:tgtEl>
+                                          <p:spTgt spid="79"/>
+                                        </p:tgtEl>
+                                        <p:attrNameLst>
+                                          <p:attrName>ppt_x</p:attrName>
+                                        </p:attrNameLst>
+                                      </p:cBhvr>
+                                      <p:tavLst>
+                                        <p:tav tm="0">
+                                          <p:val>
+                                            <p:strVal val="#ppt_x"/>
+                                          </p:val>
+                                        </p:tav>
+                                        <p:tav tm="100000">
+                                          <p:val>
+                                            <p:strVal val="#ppt_x"/>
+                                          </p:val>
+                                        </p:tav>
+                                      </p:tavLst>
+                                    </p:anim>
+                                    <p:anim calcmode="lin" valueType="num">
+                                      <p:cBhvr>
+                                        <p:cTn id="35" dur="1000" fill="hold"/>
+                                        <p:tgtEl>
+                                          <p:spTgt spid="79"/>
+                                        </p:tgtEl>
+                                        <p:attrNameLst>
+                                          <p:attrName>ppt_y</p:attrName>
+                                        </p:attrNameLst>
+                                      </p:cBhvr>
+                                      <p:tavLst>
+                                        <p:tav tm="0">
+                                          <p:val>
+                                            <p:strVal val="#ppt_y+.1"/>
+                                          </p:val>
+                                        </p:tav>
+                                        <p:tav tm="100000">
+                                          <p:val>
+                                            <p:strVal val="#ppt_y"/>
+                                          </p:val>
+                                        </p:tav>
+                                      </p:tavLst>
+                                    </p:anim>
+                                  </p:childTnLst>
+                                </p:cTn>
+                              </p:par>
+                              <p:par>
+                                <p:cTn id="36" presetID="42" presetClass="entr" presetSubtype="0" fill="hold" grpId="0" nodeType="withEffect">
+                                  <p:stCondLst>
+                                    <p:cond delay="0"/>
+                                  </p:stCondLst>
+                                  <p:childTnLst>
+                                    <p:set>
+                                      <p:cBhvr>
+                                        <p:cTn id="37" dur="1" fill="hold">
+                                          <p:stCondLst>
+                                            <p:cond delay="0"/>
+                                          </p:stCondLst>
+                                        </p:cTn>
+                                        <p:tgtEl>
+                                          <p:spTgt spid="82"/>
+                                        </p:tgtEl>
+                                        <p:attrNameLst>
+                                          <p:attrName>style.visibility</p:attrName>
+                                        </p:attrNameLst>
+                                      </p:cBhvr>
+                                      <p:to>
+                                        <p:strVal val="visible"/>
+                                      </p:to>
+                                    </p:set>
+                                    <p:animEffect transition="in" filter="fade">
+                                      <p:cBhvr>
+                                        <p:cTn id="38" dur="1000"/>
+                                        <p:tgtEl>
+                                          <p:spTgt spid="82"/>
+                                        </p:tgtEl>
+                                      </p:cBhvr>
+                                    </p:animEffect>
+                                    <p:anim calcmode="lin" valueType="num">
+                                      <p:cBhvr>
+                                        <p:cTn id="39" dur="1000" fill="hold"/>
+                                        <p:tgtEl>
+                                          <p:spTgt spid="82"/>
+                                        </p:tgtEl>
+                                        <p:attrNameLst>
+                                          <p:attrName>ppt_x</p:attrName>
+                                        </p:attrNameLst>
+                                      </p:cBhvr>
+                                      <p:tavLst>
+                                        <p:tav tm="0">
+                                          <p:val>
+                                            <p:strVal val="#ppt_x"/>
+                                          </p:val>
+                                        </p:tav>
+                                        <p:tav tm="100000">
+                                          <p:val>
+                                            <p:strVal val="#ppt_x"/>
+                                          </p:val>
+                                        </p:tav>
+                                      </p:tavLst>
+                                    </p:anim>
+                                    <p:anim calcmode="lin" valueType="num">
+                                      <p:cBhvr>
+                                        <p:cTn id="40" dur="1000" fill="hold"/>
+                                        <p:tgtEl>
+                                          <p:spTgt spid="82"/>
+                                        </p:tgtEl>
+                                        <p:attrNameLst>
+                                          <p:attrName>ppt_y</p:attrName>
+                                        </p:attrNameLst>
+                                      </p:cBhvr>
+                                      <p:tavLst>
+                                        <p:tav tm="0">
+                                          <p:val>
+                                            <p:strVal val="#ppt_y+.1"/>
+                                          </p:val>
+                                        </p:tav>
+                                        <p:tav tm="100000">
+                                          <p:val>
+                                            <p:strVal val="#ppt_y"/>
+                                          </p:val>
+                                        </p:tav>
+                                      </p:tavLst>
+                                    </p:anim>
+                                  </p:childTnLst>
+                                </p:cTn>
+                              </p:par>
+                              <p:par>
+                                <p:cTn id="41" presetID="42" presetClass="entr" presetSubtype="0" fill="hold" grpId="0" nodeType="withEffect">
+                                  <p:stCondLst>
+                                    <p:cond delay="0"/>
+                                  </p:stCondLst>
+                                  <p:childTnLst>
+                                    <p:set>
+                                      <p:cBhvr>
+                                        <p:cTn id="42" dur="1" fill="hold">
+                                          <p:stCondLst>
+                                            <p:cond delay="0"/>
+                                          </p:stCondLst>
+                                        </p:cTn>
+                                        <p:tgtEl>
+                                          <p:spTgt spid="83"/>
+                                        </p:tgtEl>
+                                        <p:attrNameLst>
+                                          <p:attrName>style.visibility</p:attrName>
+                                        </p:attrNameLst>
+                                      </p:cBhvr>
+                                      <p:to>
+                                        <p:strVal val="visible"/>
+                                      </p:to>
+                                    </p:set>
+                                    <p:animEffect transition="in" filter="fade">
+                                      <p:cBhvr>
+                                        <p:cTn id="43" dur="1000"/>
+                                        <p:tgtEl>
+                                          <p:spTgt spid="83"/>
+                                        </p:tgtEl>
+                                      </p:cBhvr>
+                                    </p:animEffect>
+                                    <p:anim calcmode="lin" valueType="num">
+                                      <p:cBhvr>
+                                        <p:cTn id="44" dur="1000" fill="hold"/>
+                                        <p:tgtEl>
+                                          <p:spTgt spid="83"/>
+                                        </p:tgtEl>
+                                        <p:attrNameLst>
+                                          <p:attrName>ppt_x</p:attrName>
+                                        </p:attrNameLst>
+                                      </p:cBhvr>
+                                      <p:tavLst>
+                                        <p:tav tm="0">
+                                          <p:val>
+                                            <p:strVal val="#ppt_x"/>
+                                          </p:val>
+                                        </p:tav>
+                                        <p:tav tm="100000">
+                                          <p:val>
+                                            <p:strVal val="#ppt_x"/>
+                                          </p:val>
+                                        </p:tav>
+                                      </p:tavLst>
+                                    </p:anim>
+                                    <p:anim calcmode="lin" valueType="num">
+                                      <p:cBhvr>
+                                        <p:cTn id="45" dur="1000" fill="hold"/>
+                                        <p:tgtEl>
+                                          <p:spTgt spid="83"/>
+                                        </p:tgtEl>
+                                        <p:attrNameLst>
+                                          <p:attrName>ppt_y</p:attrName>
+                                        </p:attrNameLst>
+                                      </p:cBhvr>
+                                      <p:tavLst>
+                                        <p:tav tm="0">
+                                          <p:val>
+                                            <p:strVal val="#ppt_y+.1"/>
+                                          </p:val>
+                                        </p:tav>
+                                        <p:tav tm="100000">
+                                          <p:val>
+                                            <p:strVal val="#ppt_y"/>
+                                          </p:val>
+                                        </p:tav>
+                                      </p:tavLst>
+                                    </p:anim>
+                                  </p:childTnLst>
+                                </p:cTn>
+                              </p:par>
+                              <p:par>
+                                <p:cTn id="46" presetID="42" presetClass="entr" presetSubtype="0" fill="hold" nodeType="withEffect">
+                                  <p:stCondLst>
+                                    <p:cond delay="0"/>
+                                  </p:stCondLst>
+                                  <p:childTnLst>
+                                    <p:set>
+                                      <p:cBhvr>
+                                        <p:cTn id="47" dur="1" fill="hold">
+                                          <p:stCondLst>
+                                            <p:cond delay="0"/>
+                                          </p:stCondLst>
+                                        </p:cTn>
+                                        <p:tgtEl>
+                                          <p:spTgt spid="84"/>
+                                        </p:tgtEl>
+                                        <p:attrNameLst>
+                                          <p:attrName>style.visibility</p:attrName>
+                                        </p:attrNameLst>
+                                      </p:cBhvr>
+                                      <p:to>
+                                        <p:strVal val="visible"/>
+                                      </p:to>
+                                    </p:set>
+                                    <p:animEffect transition="in" filter="fade">
+                                      <p:cBhvr>
+                                        <p:cTn id="48" dur="1000"/>
+                                        <p:tgtEl>
+                                          <p:spTgt spid="84"/>
+                                        </p:tgtEl>
+                                      </p:cBhvr>
+                                    </p:animEffect>
+                                    <p:anim calcmode="lin" valueType="num">
+                                      <p:cBhvr>
+                                        <p:cTn id="49" dur="1000" fill="hold"/>
+                                        <p:tgtEl>
+                                          <p:spTgt spid="84"/>
+                                        </p:tgtEl>
+                                        <p:attrNameLst>
+                                          <p:attrName>ppt_x</p:attrName>
+                                        </p:attrNameLst>
+                                      </p:cBhvr>
+                                      <p:tavLst>
+                                        <p:tav tm="0">
+                                          <p:val>
+                                            <p:strVal val="#ppt_x"/>
+                                          </p:val>
+                                        </p:tav>
+                                        <p:tav tm="100000">
+                                          <p:val>
+                                            <p:strVal val="#ppt_x"/>
+                                          </p:val>
+                                        </p:tav>
+                                      </p:tavLst>
+                                    </p:anim>
+                                    <p:anim calcmode="lin" valueType="num">
+                                      <p:cBhvr>
+                                        <p:cTn id="50" dur="1000" fill="hold"/>
+                                        <p:tgtEl>
+                                          <p:spTgt spid="84"/>
+                                        </p:tgtEl>
+                                        <p:attrNameLst>
+                                          <p:attrName>ppt_y</p:attrName>
+                                        </p:attrNameLst>
+                                      </p:cBhvr>
+                                      <p:tavLst>
+                                        <p:tav tm="0">
+                                          <p:val>
+                                            <p:strVal val="#ppt_y+.1"/>
+                                          </p:val>
+                                        </p:tav>
+                                        <p:tav tm="100000">
+                                          <p:val>
+                                            <p:strVal val="#ppt_y"/>
+                                          </p:val>
+                                        </p:tav>
+                                      </p:tavLst>
+                                    </p:anim>
+                                  </p:childTnLst>
+                                </p:cTn>
+                              </p:par>
+                              <p:par>
+                                <p:cTn id="51" presetID="42" presetClass="entr" presetSubtype="0" fill="hold" nodeType="withEffect">
+                                  <p:stCondLst>
+                                    <p:cond delay="0"/>
+                                  </p:stCondLst>
+                                  <p:childTnLst>
+                                    <p:set>
+                                      <p:cBhvr>
+                                        <p:cTn id="52" dur="1" fill="hold">
+                                          <p:stCondLst>
+                                            <p:cond delay="0"/>
+                                          </p:stCondLst>
+                                        </p:cTn>
+                                        <p:tgtEl>
+                                          <p:spTgt spid="85"/>
+                                        </p:tgtEl>
+                                        <p:attrNameLst>
+                                          <p:attrName>style.visibility</p:attrName>
+                                        </p:attrNameLst>
+                                      </p:cBhvr>
+                                      <p:to>
+                                        <p:strVal val="visible"/>
+                                      </p:to>
+                                    </p:set>
+                                    <p:animEffect transition="in" filter="fade">
+                                      <p:cBhvr>
+                                        <p:cTn id="53" dur="1000"/>
+                                        <p:tgtEl>
+                                          <p:spTgt spid="85"/>
+                                        </p:tgtEl>
+                                      </p:cBhvr>
+                                    </p:animEffect>
+                                    <p:anim calcmode="lin" valueType="num">
+                                      <p:cBhvr>
+                                        <p:cTn id="54" dur="1000" fill="hold"/>
+                                        <p:tgtEl>
+                                          <p:spTgt spid="85"/>
+                                        </p:tgtEl>
+                                        <p:attrNameLst>
+                                          <p:attrName>ppt_x</p:attrName>
+                                        </p:attrNameLst>
+                                      </p:cBhvr>
+                                      <p:tavLst>
+                                        <p:tav tm="0">
+                                          <p:val>
+                                            <p:strVal val="#ppt_x"/>
+                                          </p:val>
+                                        </p:tav>
+                                        <p:tav tm="100000">
+                                          <p:val>
+                                            <p:strVal val="#ppt_x"/>
+                                          </p:val>
+                                        </p:tav>
+                                      </p:tavLst>
+                                    </p:anim>
+                                    <p:anim calcmode="lin" valueType="num">
+                                      <p:cBhvr>
+                                        <p:cTn id="55" dur="1000" fill="hold"/>
+                                        <p:tgtEl>
+                                          <p:spTgt spid="85"/>
+                                        </p:tgtEl>
+                                        <p:attrNameLst>
+                                          <p:attrName>ppt_y</p:attrName>
+                                        </p:attrNameLst>
+                                      </p:cBhvr>
+                                      <p:tavLst>
+                                        <p:tav tm="0">
+                                          <p:val>
+                                            <p:strVal val="#ppt_y+.1"/>
+                                          </p:val>
+                                        </p:tav>
+                                        <p:tav tm="100000">
+                                          <p:val>
+                                            <p:strVal val="#ppt_y"/>
+                                          </p:val>
+                                        </p:tav>
+                                      </p:tavLst>
+                                    </p:anim>
+                                  </p:childTnLst>
+                                </p:cTn>
+                              </p:par>
+                              <p:par>
+                                <p:cTn id="56" presetID="42" presetClass="entr" presetSubtype="0" fill="hold" grpId="0" nodeType="withEffect">
+                                  <p:stCondLst>
+                                    <p:cond delay="0"/>
+                                  </p:stCondLst>
+                                  <p:childTnLst>
+                                    <p:set>
+                                      <p:cBhvr>
+                                        <p:cTn id="57" dur="1" fill="hold">
+                                          <p:stCondLst>
+                                            <p:cond delay="0"/>
+                                          </p:stCondLst>
+                                        </p:cTn>
+                                        <p:tgtEl>
+                                          <p:spTgt spid="86"/>
+                                        </p:tgtEl>
+                                        <p:attrNameLst>
+                                          <p:attrName>style.visibility</p:attrName>
+                                        </p:attrNameLst>
+                                      </p:cBhvr>
+                                      <p:to>
+                                        <p:strVal val="visible"/>
+                                      </p:to>
+                                    </p:set>
+                                    <p:animEffect transition="in" filter="fade">
+                                      <p:cBhvr>
+                                        <p:cTn id="58" dur="1000"/>
+                                        <p:tgtEl>
+                                          <p:spTgt spid="86"/>
+                                        </p:tgtEl>
+                                      </p:cBhvr>
+                                    </p:animEffect>
+                                    <p:anim calcmode="lin" valueType="num">
+                                      <p:cBhvr>
+                                        <p:cTn id="59" dur="1000" fill="hold"/>
+                                        <p:tgtEl>
+                                          <p:spTgt spid="86"/>
+                                        </p:tgtEl>
+                                        <p:attrNameLst>
+                                          <p:attrName>ppt_x</p:attrName>
+                                        </p:attrNameLst>
+                                      </p:cBhvr>
+                                      <p:tavLst>
+                                        <p:tav tm="0">
+                                          <p:val>
+                                            <p:strVal val="#ppt_x"/>
+                                          </p:val>
+                                        </p:tav>
+                                        <p:tav tm="100000">
+                                          <p:val>
+                                            <p:strVal val="#ppt_x"/>
+                                          </p:val>
+                                        </p:tav>
+                                      </p:tavLst>
+                                    </p:anim>
+                                    <p:anim calcmode="lin" valueType="num">
+                                      <p:cBhvr>
+                                        <p:cTn id="60" dur="1000" fill="hold"/>
+                                        <p:tgtEl>
+                                          <p:spTgt spid="86"/>
+                                        </p:tgtEl>
+                                        <p:attrNameLst>
+                                          <p:attrName>ppt_y</p:attrName>
+                                        </p:attrNameLst>
+                                      </p:cBhvr>
+                                      <p:tavLst>
+                                        <p:tav tm="0">
+                                          <p:val>
+                                            <p:strVal val="#ppt_y+.1"/>
+                                          </p:val>
+                                        </p:tav>
+                                        <p:tav tm="100000">
+                                          <p:val>
+                                            <p:strVal val="#ppt_y"/>
+                                          </p:val>
+                                        </p:tav>
+                                      </p:tavLst>
+                                    </p:anim>
+                                  </p:childTnLst>
+                                </p:cTn>
+                              </p:par>
+                              <p:par>
+                                <p:cTn id="61" presetID="42" presetClass="entr" presetSubtype="0" fill="hold" nodeType="withEffect">
+                                  <p:stCondLst>
+                                    <p:cond delay="0"/>
+                                  </p:stCondLst>
+                                  <p:childTnLst>
+                                    <p:set>
+                                      <p:cBhvr>
+                                        <p:cTn id="62" dur="1" fill="hold">
+                                          <p:stCondLst>
+                                            <p:cond delay="0"/>
+                                          </p:stCondLst>
+                                        </p:cTn>
+                                        <p:tgtEl>
+                                          <p:spTgt spid="91"/>
+                                        </p:tgtEl>
+                                        <p:attrNameLst>
+                                          <p:attrName>style.visibility</p:attrName>
+                                        </p:attrNameLst>
+                                      </p:cBhvr>
+                                      <p:to>
+                                        <p:strVal val="visible"/>
+                                      </p:to>
+                                    </p:set>
+                                    <p:animEffect transition="in" filter="fade">
+                                      <p:cBhvr>
+                                        <p:cTn id="63" dur="1000"/>
+                                        <p:tgtEl>
+                                          <p:spTgt spid="91"/>
+                                        </p:tgtEl>
+                                      </p:cBhvr>
+                                    </p:animEffect>
+                                    <p:anim calcmode="lin" valueType="num">
+                                      <p:cBhvr>
+                                        <p:cTn id="64" dur="1000" fill="hold"/>
+                                        <p:tgtEl>
+                                          <p:spTgt spid="91"/>
+                                        </p:tgtEl>
+                                        <p:attrNameLst>
+                                          <p:attrName>ppt_x</p:attrName>
+                                        </p:attrNameLst>
+                                      </p:cBhvr>
+                                      <p:tavLst>
+                                        <p:tav tm="0">
+                                          <p:val>
+                                            <p:strVal val="#ppt_x"/>
+                                          </p:val>
+                                        </p:tav>
+                                        <p:tav tm="100000">
+                                          <p:val>
+                                            <p:strVal val="#ppt_x"/>
+                                          </p:val>
+                                        </p:tav>
+                                      </p:tavLst>
+                                    </p:anim>
+                                    <p:anim calcmode="lin" valueType="num">
+                                      <p:cBhvr>
+                                        <p:cTn id="65" dur="1000" fill="hold"/>
+                                        <p:tgtEl>
+                                          <p:spTgt spid="91"/>
+                                        </p:tgtEl>
+                                        <p:attrNameLst>
+                                          <p:attrName>ppt_y</p:attrName>
+                                        </p:attrNameLst>
+                                      </p:cBhvr>
+                                      <p:tavLst>
+                                        <p:tav tm="0">
+                                          <p:val>
+                                            <p:strVal val="#ppt_y+.1"/>
+                                          </p:val>
+                                        </p:tav>
+                                        <p:tav tm="100000">
+                                          <p:val>
+                                            <p:strVal val="#ppt_y"/>
+                                          </p:val>
+                                        </p:tav>
+                                      </p:tavLst>
+                                    </p:anim>
+                                  </p:childTnLst>
+                                </p:cTn>
+                              </p:par>
+                              <p:par>
+                                <p:cTn id="66" presetID="42" presetClass="entr" presetSubtype="0" fill="hold" grpId="0" nodeType="withEffect">
+                                  <p:stCondLst>
+                                    <p:cond delay="0"/>
+                                  </p:stCondLst>
+                                  <p:childTnLst>
+                                    <p:set>
+                                      <p:cBhvr>
+                                        <p:cTn id="67" dur="1" fill="hold">
+                                          <p:stCondLst>
+                                            <p:cond delay="0"/>
+                                          </p:stCondLst>
+                                        </p:cTn>
+                                        <p:tgtEl>
+                                          <p:spTgt spid="88"/>
+                                        </p:tgtEl>
+                                        <p:attrNameLst>
+                                          <p:attrName>style.visibility</p:attrName>
+                                        </p:attrNameLst>
+                                      </p:cBhvr>
+                                      <p:to>
+                                        <p:strVal val="visible"/>
+                                      </p:to>
+                                    </p:set>
+                                    <p:animEffect transition="in" filter="fade">
+                                      <p:cBhvr>
+                                        <p:cTn id="68" dur="1000"/>
+                                        <p:tgtEl>
+                                          <p:spTgt spid="88"/>
+                                        </p:tgtEl>
+                                      </p:cBhvr>
+                                    </p:animEffect>
+                                    <p:anim calcmode="lin" valueType="num">
+                                      <p:cBhvr>
+                                        <p:cTn id="69" dur="1000" fill="hold"/>
+                                        <p:tgtEl>
+                                          <p:spTgt spid="88"/>
+                                        </p:tgtEl>
+                                        <p:attrNameLst>
+                                          <p:attrName>ppt_x</p:attrName>
+                                        </p:attrNameLst>
+                                      </p:cBhvr>
+                                      <p:tavLst>
+                                        <p:tav tm="0">
+                                          <p:val>
+                                            <p:strVal val="#ppt_x"/>
+                                          </p:val>
+                                        </p:tav>
+                                        <p:tav tm="100000">
+                                          <p:val>
+                                            <p:strVal val="#ppt_x"/>
+                                          </p:val>
+                                        </p:tav>
+                                      </p:tavLst>
+                                    </p:anim>
+                                    <p:anim calcmode="lin" valueType="num">
+                                      <p:cBhvr>
+                                        <p:cTn id="70" dur="1000" fill="hold"/>
+                                        <p:tgtEl>
+                                          <p:spTgt spid="88"/>
+                                        </p:tgtEl>
+                                        <p:attrNameLst>
+                                          <p:attrName>ppt_y</p:attrName>
+                                        </p:attrNameLst>
+                                      </p:cBhvr>
+                                      <p:tavLst>
+                                        <p:tav tm="0">
+                                          <p:val>
+                                            <p:strVal val="#ppt_y+.1"/>
+                                          </p:val>
+                                        </p:tav>
+                                        <p:tav tm="100000">
+                                          <p:val>
+                                            <p:strVal val="#ppt_y"/>
+                                          </p:val>
+                                        </p:tav>
+                                      </p:tavLst>
+                                    </p:anim>
+                                  </p:childTnLst>
+                                </p:cTn>
+                              </p:par>
+                              <p:par>
+                                <p:cTn id="71" presetID="42" presetClass="entr" presetSubtype="0" fill="hold" grpId="0" nodeType="withEffect">
+                                  <p:stCondLst>
+                                    <p:cond delay="0"/>
+                                  </p:stCondLst>
+                                  <p:childTnLst>
+                                    <p:set>
+                                      <p:cBhvr>
+                                        <p:cTn id="72" dur="1" fill="hold">
+                                          <p:stCondLst>
+                                            <p:cond delay="0"/>
+                                          </p:stCondLst>
+                                        </p:cTn>
+                                        <p:tgtEl>
+                                          <p:spTgt spid="89"/>
+                                        </p:tgtEl>
+                                        <p:attrNameLst>
+                                          <p:attrName>style.visibility</p:attrName>
+                                        </p:attrNameLst>
+                                      </p:cBhvr>
+                                      <p:to>
+                                        <p:strVal val="visible"/>
+                                      </p:to>
+                                    </p:set>
+                                    <p:animEffect transition="in" filter="fade">
+                                      <p:cBhvr>
+                                        <p:cTn id="73" dur="1000"/>
+                                        <p:tgtEl>
+                                          <p:spTgt spid="89"/>
+                                        </p:tgtEl>
+                                      </p:cBhvr>
+                                    </p:animEffect>
+                                    <p:anim calcmode="lin" valueType="num">
+                                      <p:cBhvr>
+                                        <p:cTn id="74" dur="1000" fill="hold"/>
+                                        <p:tgtEl>
+                                          <p:spTgt spid="89"/>
+                                        </p:tgtEl>
+                                        <p:attrNameLst>
+                                          <p:attrName>ppt_x</p:attrName>
+                                        </p:attrNameLst>
+                                      </p:cBhvr>
+                                      <p:tavLst>
+                                        <p:tav tm="0">
+                                          <p:val>
+                                            <p:strVal val="#ppt_x"/>
+                                          </p:val>
+                                        </p:tav>
+                                        <p:tav tm="100000">
+                                          <p:val>
+                                            <p:strVal val="#ppt_x"/>
+                                          </p:val>
+                                        </p:tav>
+                                      </p:tavLst>
+                                    </p:anim>
+                                    <p:anim calcmode="lin" valueType="num">
+                                      <p:cBhvr>
+                                        <p:cTn id="75" dur="1000" fill="hold"/>
+                                        <p:tgtEl>
+                                          <p:spTgt spid="89"/>
+                                        </p:tgtEl>
+                                        <p:attrNameLst>
+                                          <p:attrName>ppt_y</p:attrName>
+                                        </p:attrNameLst>
+                                      </p:cBhvr>
+                                      <p:tavLst>
+                                        <p:tav tm="0">
+                                          <p:val>
+                                            <p:strVal val="#ppt_y+.1"/>
+                                          </p:val>
+                                        </p:tav>
+                                        <p:tav tm="100000">
+                                          <p:val>
+                                            <p:strVal val="#ppt_y"/>
+                                          </p:val>
+                                        </p:tav>
+                                      </p:tavLst>
+                                    </p:anim>
+                                  </p:childTnLst>
+                                </p:cTn>
+                              </p:par>
+                              <p:par>
+                                <p:cTn id="76" presetID="42" presetClass="entr" presetSubtype="0" fill="hold" grpId="0" nodeType="withEffect">
+                                  <p:stCondLst>
+                                    <p:cond delay="0"/>
+                                  </p:stCondLst>
+                                  <p:childTnLst>
+                                    <p:set>
+                                      <p:cBhvr>
+                                        <p:cTn id="77" dur="1" fill="hold">
+                                          <p:stCondLst>
+                                            <p:cond delay="0"/>
+                                          </p:stCondLst>
+                                        </p:cTn>
+                                        <p:tgtEl>
+                                          <p:spTgt spid="90"/>
+                                        </p:tgtEl>
+                                        <p:attrNameLst>
+                                          <p:attrName>style.visibility</p:attrName>
+                                        </p:attrNameLst>
+                                      </p:cBhvr>
+                                      <p:to>
+                                        <p:strVal val="visible"/>
+                                      </p:to>
+                                    </p:set>
+                                    <p:animEffect transition="in" filter="fade">
+                                      <p:cBhvr>
+                                        <p:cTn id="78" dur="1000"/>
+                                        <p:tgtEl>
+                                          <p:spTgt spid="90"/>
+                                        </p:tgtEl>
+                                      </p:cBhvr>
+                                    </p:animEffect>
+                                    <p:anim calcmode="lin" valueType="num">
+                                      <p:cBhvr>
+                                        <p:cTn id="79" dur="1000" fill="hold"/>
+                                        <p:tgtEl>
+                                          <p:spTgt spid="90"/>
+                                        </p:tgtEl>
+                                        <p:attrNameLst>
+                                          <p:attrName>ppt_x</p:attrName>
+                                        </p:attrNameLst>
+                                      </p:cBhvr>
+                                      <p:tavLst>
+                                        <p:tav tm="0">
+                                          <p:val>
+                                            <p:strVal val="#ppt_x"/>
+                                          </p:val>
+                                        </p:tav>
+                                        <p:tav tm="100000">
+                                          <p:val>
+                                            <p:strVal val="#ppt_x"/>
+                                          </p:val>
+                                        </p:tav>
+                                      </p:tavLst>
+                                    </p:anim>
+                                    <p:anim calcmode="lin" valueType="num">
+                                      <p:cBhvr>
+                                        <p:cTn id="80" dur="1000" fill="hold"/>
+                                        <p:tgtEl>
+                                          <p:spTgt spid="90"/>
+                                        </p:tgtEl>
+                                        <p:attrNameLst>
+                                          <p:attrName>ppt_y</p:attrName>
+                                        </p:attrNameLst>
+                                      </p:cBhvr>
+                                      <p:tavLst>
+                                        <p:tav tm="0">
+                                          <p:val>
+                                            <p:strVal val="#ppt_y+.1"/>
+                                          </p:val>
+                                        </p:tav>
+                                        <p:tav tm="100000">
+                                          <p:val>
+                                            <p:strVal val="#ppt_y"/>
+                                          </p:val>
+                                        </p:tav>
+                                      </p:tavLst>
+                                    </p:anim>
+                                  </p:childTnLst>
+                                </p:cTn>
+                              </p:par>
+                            </p:childTnLst>
+                          </p:cTn>
+                        </p:par>
+                      </p:childTnLst>
+                    </p:cTn>
+                  </p:par>
+                  <p:par>
+                    <p:cTn id="81" fill="hold">
+                      <p:stCondLst>
+                        <p:cond delay="indefinite"/>
+                      </p:stCondLst>
+                      <p:childTnLst>
+                        <p:par>
+                          <p:cTn id="82" fill="hold">
+                            <p:stCondLst>
+                              <p:cond delay="0"/>
+                            </p:stCondLst>
+                            <p:childTnLst>
+                              <p:par>
+                                <p:cTn id="83" presetID="42" presetClass="entr" presetSubtype="0" fill="hold" nodeType="clickEffect">
+                                  <p:stCondLst>
+                                    <p:cond delay="0"/>
+                                  </p:stCondLst>
+                                  <p:childTnLst>
+                                    <p:set>
+                                      <p:cBhvr>
+                                        <p:cTn id="84" dur="1" fill="hold">
+                                          <p:stCondLst>
+                                            <p:cond delay="0"/>
+                                          </p:stCondLst>
+                                        </p:cTn>
+                                        <p:tgtEl>
+                                          <p:spTgt spid="92"/>
+                                        </p:tgtEl>
+                                        <p:attrNameLst>
+                                          <p:attrName>style.visibility</p:attrName>
+                                        </p:attrNameLst>
+                                      </p:cBhvr>
+                                      <p:to>
+                                        <p:strVal val="visible"/>
+                                      </p:to>
+                                    </p:set>
+                                    <p:animEffect transition="in" filter="fade">
+                                      <p:cBhvr>
+                                        <p:cTn id="85" dur="1000"/>
+                                        <p:tgtEl>
+                                          <p:spTgt spid="92"/>
+                                        </p:tgtEl>
+                                      </p:cBhvr>
+                                    </p:animEffect>
+                                    <p:anim calcmode="lin" valueType="num">
+                                      <p:cBhvr>
+                                        <p:cTn id="86" dur="1000" fill="hold"/>
+                                        <p:tgtEl>
+                                          <p:spTgt spid="92"/>
+                                        </p:tgtEl>
+                                        <p:attrNameLst>
+                                          <p:attrName>ppt_x</p:attrName>
+                                        </p:attrNameLst>
+                                      </p:cBhvr>
+                                      <p:tavLst>
+                                        <p:tav tm="0">
+                                          <p:val>
+                                            <p:strVal val="#ppt_x"/>
+                                          </p:val>
+                                        </p:tav>
+                                        <p:tav tm="100000">
+                                          <p:val>
+                                            <p:strVal val="#ppt_x"/>
+                                          </p:val>
+                                        </p:tav>
+                                      </p:tavLst>
+                                    </p:anim>
+                                    <p:anim calcmode="lin" valueType="num">
+                                      <p:cBhvr>
+                                        <p:cTn id="87" dur="1000" fill="hold"/>
+                                        <p:tgtEl>
+                                          <p:spTgt spid="92"/>
+                                        </p:tgtEl>
+                                        <p:attrNameLst>
+                                          <p:attrName>ppt_y</p:attrName>
+                                        </p:attrNameLst>
+                                      </p:cBhvr>
+                                      <p:tavLst>
+                                        <p:tav tm="0">
+                                          <p:val>
+                                            <p:strVal val="#ppt_y+.1"/>
+                                          </p:val>
+                                        </p:tav>
+                                        <p:tav tm="100000">
+                                          <p:val>
+                                            <p:strVal val="#ppt_y"/>
+                                          </p:val>
+                                        </p:tav>
+                                      </p:tavLst>
+                                    </p:anim>
+                                  </p:childTnLst>
+                                </p:cTn>
+                              </p:par>
+                              <p:par>
+                                <p:cTn id="88" presetID="42" presetClass="entr" presetSubtype="0" fill="hold" nodeType="withEffect">
+                                  <p:stCondLst>
+                                    <p:cond delay="0"/>
+                                  </p:stCondLst>
+                                  <p:childTnLst>
+                                    <p:set>
+                                      <p:cBhvr>
+                                        <p:cTn id="89" dur="1" fill="hold">
+                                          <p:stCondLst>
+                                            <p:cond delay="0"/>
+                                          </p:stCondLst>
+                                        </p:cTn>
+                                        <p:tgtEl>
+                                          <p:spTgt spid="94"/>
+                                        </p:tgtEl>
+                                        <p:attrNameLst>
+                                          <p:attrName>style.visibility</p:attrName>
+                                        </p:attrNameLst>
+                                      </p:cBhvr>
+                                      <p:to>
+                                        <p:strVal val="visible"/>
+                                      </p:to>
+                                    </p:set>
+                                    <p:animEffect transition="in" filter="fade">
+                                      <p:cBhvr>
+                                        <p:cTn id="90" dur="1000"/>
+                                        <p:tgtEl>
+                                          <p:spTgt spid="94"/>
+                                        </p:tgtEl>
+                                      </p:cBhvr>
+                                    </p:animEffect>
+                                    <p:anim calcmode="lin" valueType="num">
+                                      <p:cBhvr>
+                                        <p:cTn id="91" dur="1000" fill="hold"/>
+                                        <p:tgtEl>
+                                          <p:spTgt spid="94"/>
+                                        </p:tgtEl>
+                                        <p:attrNameLst>
+                                          <p:attrName>ppt_x</p:attrName>
+                                        </p:attrNameLst>
+                                      </p:cBhvr>
+                                      <p:tavLst>
+                                        <p:tav tm="0">
+                                          <p:val>
+                                            <p:strVal val="#ppt_x"/>
+                                          </p:val>
+                                        </p:tav>
+                                        <p:tav tm="100000">
+                                          <p:val>
+                                            <p:strVal val="#ppt_x"/>
+                                          </p:val>
+                                        </p:tav>
+                                      </p:tavLst>
+                                    </p:anim>
+                                    <p:anim calcmode="lin" valueType="num">
+                                      <p:cBhvr>
+                                        <p:cTn id="92" dur="1000" fill="hold"/>
+                                        <p:tgtEl>
+                                          <p:spTgt spid="94"/>
+                                        </p:tgtEl>
+                                        <p:attrNameLst>
+                                          <p:attrName>ppt_y</p:attrName>
+                                        </p:attrNameLst>
+                                      </p:cBhvr>
+                                      <p:tavLst>
+                                        <p:tav tm="0">
+                                          <p:val>
+                                            <p:strVal val="#ppt_y+.1"/>
+                                          </p:val>
+                                        </p:tav>
+                                        <p:tav tm="100000">
+                                          <p:val>
+                                            <p:strVal val="#ppt_y"/>
+                                          </p:val>
+                                        </p:tav>
+                                      </p:tavLst>
+                                    </p:anim>
+                                  </p:childTnLst>
+                                </p:cTn>
+                              </p:par>
+                              <p:par>
+                                <p:cTn id="93" presetID="42" presetClass="entr" presetSubtype="0" fill="hold" nodeType="withEffect">
+                                  <p:stCondLst>
+                                    <p:cond delay="0"/>
+                                  </p:stCondLst>
+                                  <p:childTnLst>
+                                    <p:set>
+                                      <p:cBhvr>
+                                        <p:cTn id="94" dur="1" fill="hold">
+                                          <p:stCondLst>
+                                            <p:cond delay="0"/>
+                                          </p:stCondLst>
+                                        </p:cTn>
+                                        <p:tgtEl>
+                                          <p:spTgt spid="93"/>
+                                        </p:tgtEl>
+                                        <p:attrNameLst>
+                                          <p:attrName>style.visibility</p:attrName>
+                                        </p:attrNameLst>
+                                      </p:cBhvr>
+                                      <p:to>
+                                        <p:strVal val="visible"/>
+                                      </p:to>
+                                    </p:set>
+                                    <p:animEffect transition="in" filter="fade">
+                                      <p:cBhvr>
+                                        <p:cTn id="95" dur="1000"/>
+                                        <p:tgtEl>
+                                          <p:spTgt spid="93"/>
+                                        </p:tgtEl>
+                                      </p:cBhvr>
+                                    </p:animEffect>
+                                    <p:anim calcmode="lin" valueType="num">
+                                      <p:cBhvr>
+                                        <p:cTn id="96" dur="1000" fill="hold"/>
+                                        <p:tgtEl>
+                                          <p:spTgt spid="93"/>
+                                        </p:tgtEl>
+                                        <p:attrNameLst>
+                                          <p:attrName>ppt_x</p:attrName>
+                                        </p:attrNameLst>
+                                      </p:cBhvr>
+                                      <p:tavLst>
+                                        <p:tav tm="0">
+                                          <p:val>
+                                            <p:strVal val="#ppt_x"/>
+                                          </p:val>
+                                        </p:tav>
+                                        <p:tav tm="100000">
+                                          <p:val>
+                                            <p:strVal val="#ppt_x"/>
+                                          </p:val>
+                                        </p:tav>
+                                      </p:tavLst>
+                                    </p:anim>
+                                    <p:anim calcmode="lin" valueType="num">
+                                      <p:cBhvr>
+                                        <p:cTn id="97" dur="1000" fill="hold"/>
+                                        <p:tgtEl>
+                                          <p:spTgt spid="93"/>
+                                        </p:tgtEl>
+                                        <p:attrNameLst>
+                                          <p:attrName>ppt_y</p:attrName>
+                                        </p:attrNameLst>
+                                      </p:cBhvr>
+                                      <p:tavLst>
+                                        <p:tav tm="0">
+                                          <p:val>
+                                            <p:strVal val="#ppt_y+.1"/>
+                                          </p:val>
+                                        </p:tav>
+                                        <p:tav tm="100000">
+                                          <p:val>
+                                            <p:strVal val="#ppt_y"/>
+                                          </p:val>
+                                        </p:tav>
+                                      </p:tavLst>
+                                    </p:anim>
+                                  </p:childTnLst>
+                                </p:cTn>
+                              </p:par>
+                              <p:par>
+                                <p:cTn id="98" presetID="42" presetClass="entr" presetSubtype="0" fill="hold" nodeType="withEffect">
+                                  <p:stCondLst>
+                                    <p:cond delay="0"/>
+                                  </p:stCondLst>
+                                  <p:childTnLst>
+                                    <p:set>
+                                      <p:cBhvr>
+                                        <p:cTn id="99" dur="1" fill="hold">
+                                          <p:stCondLst>
+                                            <p:cond delay="0"/>
+                                          </p:stCondLst>
+                                        </p:cTn>
+                                        <p:tgtEl>
+                                          <p:spTgt spid="3"/>
+                                        </p:tgtEl>
+                                        <p:attrNameLst>
+                                          <p:attrName>style.visibility</p:attrName>
+                                        </p:attrNameLst>
+                                      </p:cBhvr>
+                                      <p:to>
+                                        <p:strVal val="visible"/>
+                                      </p:to>
+                                    </p:set>
+                                    <p:animEffect transition="in" filter="fade">
+                                      <p:cBhvr>
+                                        <p:cTn id="100" dur="1000"/>
+                                        <p:tgtEl>
+                                          <p:spTgt spid="3"/>
+                                        </p:tgtEl>
+                                      </p:cBhvr>
+                                    </p:animEffect>
+                                    <p:anim calcmode="lin" valueType="num">
+                                      <p:cBhvr>
+                                        <p:cTn id="101" dur="1000" fill="hold"/>
+                                        <p:tgtEl>
+                                          <p:spTgt spid="3"/>
+                                        </p:tgtEl>
+                                        <p:attrNameLst>
+                                          <p:attrName>ppt_x</p:attrName>
+                                        </p:attrNameLst>
+                                      </p:cBhvr>
+                                      <p:tavLst>
+                                        <p:tav tm="0">
+                                          <p:val>
+                                            <p:strVal val="#ppt_x"/>
+                                          </p:val>
+                                        </p:tav>
+                                        <p:tav tm="100000">
+                                          <p:val>
+                                            <p:strVal val="#ppt_x"/>
+                                          </p:val>
+                                        </p:tav>
+                                      </p:tavLst>
+                                    </p:anim>
+                                    <p:anim calcmode="lin" valueType="num">
+                                      <p:cBhvr>
+                                        <p:cTn id="102" dur="1000" fill="hold"/>
+                                        <p:tgtEl>
+                                          <p:spTgt spid="3"/>
+                                        </p:tgtEl>
+                                        <p:attrNameLst>
+                                          <p:attrName>ppt_y</p:attrName>
+                                        </p:attrNameLst>
+                                      </p:cBhvr>
+                                      <p:tavLst>
+                                        <p:tav tm="0">
+                                          <p:val>
+                                            <p:strVal val="#ppt_y+.1"/>
+                                          </p:val>
+                                        </p:tav>
+                                        <p:tav tm="100000">
+                                          <p:val>
+                                            <p:strVal val="#ppt_y"/>
+                                          </p:val>
+                                        </p:tav>
+                                      </p:tavLst>
+                                    </p:anim>
+                                  </p:childTnLst>
+                                </p:cTn>
+                              </p:par>
+                              <p:par>
+                                <p:cTn id="103" presetID="42" presetClass="entr" presetSubtype="0" fill="hold" nodeType="withEffect">
+                                  <p:stCondLst>
+                                    <p:cond delay="0"/>
+                                  </p:stCondLst>
+                                  <p:childTnLst>
+                                    <p:set>
+                                      <p:cBhvr>
+                                        <p:cTn id="104" dur="1" fill="hold">
+                                          <p:stCondLst>
+                                            <p:cond delay="0"/>
+                                          </p:stCondLst>
+                                        </p:cTn>
+                                        <p:tgtEl>
+                                          <p:spTgt spid="34"/>
+                                        </p:tgtEl>
+                                        <p:attrNameLst>
+                                          <p:attrName>style.visibility</p:attrName>
+                                        </p:attrNameLst>
+                                      </p:cBhvr>
+                                      <p:to>
+                                        <p:strVal val="visible"/>
+                                      </p:to>
+                                    </p:set>
+                                    <p:animEffect transition="in" filter="fade">
+                                      <p:cBhvr>
+                                        <p:cTn id="105" dur="1000"/>
+                                        <p:tgtEl>
+                                          <p:spTgt spid="34"/>
+                                        </p:tgtEl>
+                                      </p:cBhvr>
+                                    </p:animEffect>
+                                    <p:anim calcmode="lin" valueType="num">
+                                      <p:cBhvr>
+                                        <p:cTn id="106" dur="1000" fill="hold"/>
+                                        <p:tgtEl>
+                                          <p:spTgt spid="34"/>
+                                        </p:tgtEl>
+                                        <p:attrNameLst>
+                                          <p:attrName>ppt_x</p:attrName>
+                                        </p:attrNameLst>
+                                      </p:cBhvr>
+                                      <p:tavLst>
+                                        <p:tav tm="0">
+                                          <p:val>
+                                            <p:strVal val="#ppt_x"/>
+                                          </p:val>
+                                        </p:tav>
+                                        <p:tav tm="100000">
+                                          <p:val>
+                                            <p:strVal val="#ppt_x"/>
+                                          </p:val>
+                                        </p:tav>
+                                      </p:tavLst>
+                                    </p:anim>
+                                    <p:anim calcmode="lin" valueType="num">
+                                      <p:cBhvr>
+                                        <p:cTn id="107" dur="1000" fill="hold"/>
+                                        <p:tgtEl>
+                                          <p:spTgt spid="34"/>
+                                        </p:tgtEl>
+                                        <p:attrNameLst>
+                                          <p:attrName>ppt_y</p:attrName>
+                                        </p:attrNameLst>
+                                      </p:cBhvr>
+                                      <p:tavLst>
+                                        <p:tav tm="0">
+                                          <p:val>
+                                            <p:strVal val="#ppt_y+.1"/>
+                                          </p:val>
+                                        </p:tav>
+                                        <p:tav tm="100000">
+                                          <p:val>
+                                            <p:strVal val="#ppt_y"/>
+                                          </p:val>
+                                        </p:tav>
+                                      </p:tavLst>
+                                    </p:anim>
+                                  </p:childTnLst>
+                                </p:cTn>
+                              </p:par>
+                              <p:par>
+                                <p:cTn id="108" presetID="42" presetClass="entr" presetSubtype="0" fill="hold" nodeType="withEffect">
+                                  <p:stCondLst>
+                                    <p:cond delay="0"/>
+                                  </p:stCondLst>
+                                  <p:childTnLst>
+                                    <p:set>
+                                      <p:cBhvr>
+                                        <p:cTn id="109" dur="1" fill="hold">
+                                          <p:stCondLst>
+                                            <p:cond delay="0"/>
+                                          </p:stCondLst>
+                                        </p:cTn>
+                                        <p:tgtEl>
+                                          <p:spTgt spid="35"/>
+                                        </p:tgtEl>
+                                        <p:attrNameLst>
+                                          <p:attrName>style.visibility</p:attrName>
+                                        </p:attrNameLst>
+                                      </p:cBhvr>
+                                      <p:to>
+                                        <p:strVal val="visible"/>
+                                      </p:to>
+                                    </p:set>
+                                    <p:animEffect transition="in" filter="fade">
+                                      <p:cBhvr>
+                                        <p:cTn id="110" dur="1000"/>
+                                        <p:tgtEl>
+                                          <p:spTgt spid="35"/>
+                                        </p:tgtEl>
+                                      </p:cBhvr>
+                                    </p:animEffect>
+                                    <p:anim calcmode="lin" valueType="num">
+                                      <p:cBhvr>
+                                        <p:cTn id="111" dur="1000" fill="hold"/>
+                                        <p:tgtEl>
+                                          <p:spTgt spid="35"/>
+                                        </p:tgtEl>
+                                        <p:attrNameLst>
+                                          <p:attrName>ppt_x</p:attrName>
+                                        </p:attrNameLst>
+                                      </p:cBhvr>
+                                      <p:tavLst>
+                                        <p:tav tm="0">
+                                          <p:val>
+                                            <p:strVal val="#ppt_x"/>
+                                          </p:val>
+                                        </p:tav>
+                                        <p:tav tm="100000">
+                                          <p:val>
+                                            <p:strVal val="#ppt_x"/>
+                                          </p:val>
+                                        </p:tav>
+                                      </p:tavLst>
+                                    </p:anim>
+                                    <p:anim calcmode="lin" valueType="num">
+                                      <p:cBhvr>
+                                        <p:cTn id="112" dur="1000" fill="hold"/>
+                                        <p:tgtEl>
+                                          <p:spTgt spid="35"/>
+                                        </p:tgtEl>
+                                        <p:attrNameLst>
+                                          <p:attrName>ppt_y</p:attrName>
+                                        </p:attrNameLst>
+                                      </p:cBhvr>
+                                      <p:tavLst>
+                                        <p:tav tm="0">
+                                          <p:val>
+                                            <p:strVal val="#ppt_y+.1"/>
+                                          </p:val>
+                                        </p:tav>
+                                        <p:tav tm="100000">
+                                          <p:val>
+                                            <p:strVal val="#ppt_y"/>
+                                          </p:val>
+                                        </p:tav>
+                                      </p:tavLst>
+                                    </p:anim>
+                                  </p:childTnLst>
+                                </p:cTn>
+                              </p:par>
+                            </p:childTnLst>
+                          </p:cTn>
+                        </p:par>
+                      </p:childTnLst>
+                    </p:cTn>
+                  </p:par>
+                  <p:par>
+                    <p:cTn id="113" fill="hold">
+                      <p:stCondLst>
+                        <p:cond delay="indefinite"/>
+                      </p:stCondLst>
+                      <p:childTnLst>
+                        <p:par>
+                          <p:cTn id="114" fill="hold">
+                            <p:stCondLst>
+                              <p:cond delay="0"/>
+                            </p:stCondLst>
+                            <p:childTnLst>
+                              <p:par>
+                                <p:cTn id="115" presetID="42" presetClass="entr" presetSubtype="0" fill="hold" grpId="0" nodeType="clickEffect">
+                                  <p:stCondLst>
+                                    <p:cond delay="0"/>
+                                  </p:stCondLst>
+                                  <p:childTnLst>
+                                    <p:set>
+                                      <p:cBhvr>
+                                        <p:cTn id="116" dur="1" fill="hold">
+                                          <p:stCondLst>
+                                            <p:cond delay="0"/>
+                                          </p:stCondLst>
+                                        </p:cTn>
+                                        <p:tgtEl>
+                                          <p:spTgt spid="95"/>
+                                        </p:tgtEl>
+                                        <p:attrNameLst>
+                                          <p:attrName>style.visibility</p:attrName>
+                                        </p:attrNameLst>
+                                      </p:cBhvr>
+                                      <p:to>
+                                        <p:strVal val="visible"/>
+                                      </p:to>
+                                    </p:set>
+                                    <p:animEffect transition="in" filter="fade">
+                                      <p:cBhvr>
+                                        <p:cTn id="117" dur="1000"/>
+                                        <p:tgtEl>
+                                          <p:spTgt spid="95"/>
+                                        </p:tgtEl>
+                                      </p:cBhvr>
+                                    </p:animEffect>
+                                    <p:anim calcmode="lin" valueType="num">
+                                      <p:cBhvr>
+                                        <p:cTn id="118" dur="1000" fill="hold"/>
+                                        <p:tgtEl>
+                                          <p:spTgt spid="95"/>
+                                        </p:tgtEl>
+                                        <p:attrNameLst>
+                                          <p:attrName>ppt_x</p:attrName>
+                                        </p:attrNameLst>
+                                      </p:cBhvr>
+                                      <p:tavLst>
+                                        <p:tav tm="0">
+                                          <p:val>
+                                            <p:strVal val="#ppt_x"/>
+                                          </p:val>
+                                        </p:tav>
+                                        <p:tav tm="100000">
+                                          <p:val>
+                                            <p:strVal val="#ppt_x"/>
+                                          </p:val>
+                                        </p:tav>
+                                      </p:tavLst>
+                                    </p:anim>
+                                    <p:anim calcmode="lin" valueType="num">
+                                      <p:cBhvr>
+                                        <p:cTn id="119" dur="1000" fill="hold"/>
+                                        <p:tgtEl>
+                                          <p:spTgt spid="95"/>
+                                        </p:tgtEl>
+                                        <p:attrNameLst>
+                                          <p:attrName>ppt_y</p:attrName>
+                                        </p:attrNameLst>
+                                      </p:cBhvr>
+                                      <p:tavLst>
+                                        <p:tav tm="0">
+                                          <p:val>
+                                            <p:strVal val="#ppt_y+.1"/>
+                                          </p:val>
+                                        </p:tav>
+                                        <p:tav tm="100000">
+                                          <p:val>
+                                            <p:strVal val="#ppt_y"/>
+                                          </p:val>
+                                        </p:tav>
+                                      </p:tavLst>
+                                    </p:anim>
+                                  </p:childTnLst>
+                                </p:cTn>
+                              </p:par>
+                              <p:par>
+                                <p:cTn id="120" presetID="42" presetClass="entr" presetSubtype="0" fill="hold" nodeType="withEffect">
+                                  <p:stCondLst>
+                                    <p:cond delay="0"/>
+                                  </p:stCondLst>
+                                  <p:childTnLst>
+                                    <p:set>
+                                      <p:cBhvr>
+                                        <p:cTn id="121" dur="1" fill="hold">
+                                          <p:stCondLst>
+                                            <p:cond delay="0"/>
+                                          </p:stCondLst>
+                                        </p:cTn>
+                                        <p:tgtEl>
+                                          <p:spTgt spid="96"/>
+                                        </p:tgtEl>
+                                        <p:attrNameLst>
+                                          <p:attrName>style.visibility</p:attrName>
+                                        </p:attrNameLst>
+                                      </p:cBhvr>
+                                      <p:to>
+                                        <p:strVal val="visible"/>
+                                      </p:to>
+                                    </p:set>
+                                    <p:animEffect transition="in" filter="fade">
+                                      <p:cBhvr>
+                                        <p:cTn id="122" dur="1000"/>
+                                        <p:tgtEl>
+                                          <p:spTgt spid="96"/>
+                                        </p:tgtEl>
+                                      </p:cBhvr>
+                                    </p:animEffect>
+                                    <p:anim calcmode="lin" valueType="num">
+                                      <p:cBhvr>
+                                        <p:cTn id="123" dur="1000" fill="hold"/>
+                                        <p:tgtEl>
+                                          <p:spTgt spid="96"/>
+                                        </p:tgtEl>
+                                        <p:attrNameLst>
+                                          <p:attrName>ppt_x</p:attrName>
+                                        </p:attrNameLst>
+                                      </p:cBhvr>
+                                      <p:tavLst>
+                                        <p:tav tm="0">
+                                          <p:val>
+                                            <p:strVal val="#ppt_x"/>
+                                          </p:val>
+                                        </p:tav>
+                                        <p:tav tm="100000">
+                                          <p:val>
+                                            <p:strVal val="#ppt_x"/>
+                                          </p:val>
+                                        </p:tav>
+                                      </p:tavLst>
+                                    </p:anim>
+                                    <p:anim calcmode="lin" valueType="num">
+                                      <p:cBhvr>
+                                        <p:cTn id="124" dur="1000" fill="hold"/>
+                                        <p:tgtEl>
+                                          <p:spTgt spid="96"/>
+                                        </p:tgtEl>
+                                        <p:attrNameLst>
+                                          <p:attrName>ppt_y</p:attrName>
+                                        </p:attrNameLst>
+                                      </p:cBhvr>
+                                      <p:tavLst>
+                                        <p:tav tm="0">
+                                          <p:val>
+                                            <p:strVal val="#ppt_y+.1"/>
+                                          </p:val>
+                                        </p:tav>
+                                        <p:tav tm="100000">
+                                          <p:val>
+                                            <p:strVal val="#ppt_y"/>
+                                          </p:val>
+                                        </p:tav>
+                                      </p:tavLst>
+                                    </p:anim>
+                                  </p:childTnLst>
+                                </p:cTn>
+                              </p:par>
+                            </p:childTnLst>
+                          </p:cTn>
+                        </p:par>
+                      </p:childTnLst>
+                    </p:cTn>
+                  </p:par>
+                </p:childTnLst>
+              </p:cTn>
+              <p:prevCondLst>
+                <p:cond evt="onPrev" delay="0">
+                  <p:tgtEl>
+                    <p:sldTgt/>
+                  </p:tgtEl>
+                </p:cond>
+              </p:prevCondLst>
+              <p:nextCondLst>
+                <p:cond evt="onNext" delay="0">
+                  <p:tgtEl>
+                    <p:sldTgt/>
+                  </p:tgtEl>
+                </p:cond>
+              </p:nextCondLst>
+            </p:seq>
+          </p:childTnLst>
+        </p:cTn>
       </p:par>
     </p:tnLst>
+    <p:bldLst>
+      <p:bldP spid="71" grpId="0" animBg="1"/>
+      <p:bldP spid="74" grpId="0" animBg="1"/>
+      <p:bldP spid="82" grpId="0"/>
+      <p:bldP spid="83" grpId="0" animBg="1"/>
+      <p:bldP spid="86" grpId="0"/>
+      <p:bldP spid="88" grpId="0" animBg="1"/>
+      <p:bldP spid="89" grpId="0" animBg="1"/>
+      <p:bldP spid="90" grpId="0" animBg="1"/>
+      <p:bldP spid="95" grpId="0" animBg="1"/>
+    </p:bldLst>
   </p:timing>
 </p:sld>
 </file>
@@ -13610,7 +15633,129 @@
   <p:timing>
     <p:tnLst>
       <p:par>
-        <p:cTn id="1" dur="indefinite" restart="never" nodeType="tmRoot"/>
+        <p:cTn id="1" dur="indefinite" restart="never" nodeType="tmRoot">
+          <p:childTnLst>
+            <p:seq concurrent="1" nextAc="seek">
+              <p:cTn id="2" dur="indefinite" nodeType="mainSeq">
+                <p:childTnLst>
+                  <p:par>
+                    <p:cTn id="3" fill="hold">
+                      <p:stCondLst>
+                        <p:cond delay="indefinite"/>
+                      </p:stCondLst>
+                      <p:childTnLst>
+                        <p:par>
+                          <p:cTn id="4" fill="hold">
+                            <p:stCondLst>
+                              <p:cond delay="0"/>
+                            </p:stCondLst>
+                            <p:childTnLst>
+                              <p:par>
+                                <p:cTn id="5" presetID="42" presetClass="entr" presetSubtype="0" fill="hold" nodeType="clickEffect">
+                                  <p:stCondLst>
+                                    <p:cond delay="0"/>
+                                  </p:stCondLst>
+                                  <p:childTnLst>
+                                    <p:set>
+                                      <p:cBhvr>
+                                        <p:cTn id="6" dur="1" fill="hold">
+                                          <p:stCondLst>
+                                            <p:cond delay="0"/>
+                                          </p:stCondLst>
+                                        </p:cTn>
+                                        <p:tgtEl>
+                                          <p:spTgt spid="9"/>
+                                        </p:tgtEl>
+                                        <p:attrNameLst>
+                                          <p:attrName>style.visibility</p:attrName>
+                                        </p:attrNameLst>
+                                      </p:cBhvr>
+                                      <p:to>
+                                        <p:strVal val="visible"/>
+                                      </p:to>
+                                    </p:set>
+                                    <p:animEffect transition="in" filter="fade">
+                                      <p:cBhvr>
+                                        <p:cTn id="7" dur="1000"/>
+                                        <p:tgtEl>
+                                          <p:spTgt spid="9"/>
+                                        </p:tgtEl>
+                                      </p:cBhvr>
+                                    </p:animEffect>
+                                    <p:anim calcmode="lin" valueType="num">
+                                      <p:cBhvr>
+                                        <p:cTn id="8" dur="1000" fill="hold"/>
+                                        <p:tgtEl>
+                                          <p:spTgt spid="9"/>
+                                        </p:tgtEl>
+                                        <p:attrNameLst>
+                                          <p:attrName>ppt_x</p:attrName>
+                                        </p:attrNameLst>
+                                      </p:cBhvr>
+                                      <p:tavLst>
+                                        <p:tav tm="0">
+                                          <p:val>
+                                            <p:strVal val="#ppt_x"/>
+                                          </p:val>
+                                        </p:tav>
+                                        <p:tav tm="100000">
+                                          <p:val>
+                                            <p:strVal val="#ppt_x"/>
+                                          </p:val>
+                                        </p:tav>
+                                      </p:tavLst>
+                                    </p:anim>
+                                    <p:anim calcmode="lin" valueType="num">
+                                      <p:cBhvr>
+                                        <p:cTn id="9" dur="1000" fill="hold"/>
+                                        <p:tgtEl>
+                                          <p:spTgt spid="9"/>
+                                        </p:tgtEl>
+                                        <p:attrNameLst>
+                                          <p:attrName>ppt_y</p:attrName>
+                                        </p:attrNameLst>
+                                      </p:cBhvr>
+                                      <p:tavLst>
+                                        <p:tav tm="0">
+                                          <p:val>
+                                            <p:strVal val="#ppt_y+.1"/>
+                                          </p:val>
+                                        </p:tav>
+                                        <p:tav tm="100000">
+                                          <p:val>
+                                            <p:strVal val="#ppt_y"/>
+                                          </p:val>
+                                        </p:tav>
+                                      </p:tavLst>
+                                    </p:anim>
+                                  </p:childTnLst>
+                                </p:cTn>
+                              </p:par>
+                            </p:childTnLst>
+                          </p:cTn>
+                        </p:par>
+                      </p:childTnLst>
+                    </p:cTn>
+                  </p:par>
+                </p:childTnLst>
+              </p:cTn>
+              <p:prevCondLst>
+                <p:cond evt="onPrev" delay="0">
+                  <p:tgtEl>
+                    <p:sldTgt/>
+                  </p:tgtEl>
+                </p:cond>
+              </p:prevCondLst>
+              <p:nextCondLst>
+                <p:cond evt="onNext" delay="0">
+                  <p:tgtEl>
+                    <p:sldTgt/>
+                  </p:tgtEl>
+                </p:cond>
+              </p:nextCondLst>
+            </p:seq>
+          </p:childTnLst>
+        </p:cTn>
       </p:par>
     </p:tnLst>
   </p:timing>
@@ -13950,8 +16095,8 @@
       <p:par>
         <p:cTn id="1" dur="indefinite" restart="never" nodeType="tmRoot">
           <p:childTnLst>
-            <p:seq>
-              <p:cTn id="2" nodeType="mainSeq">
+            <p:seq concurrent="1" nextAc="seek">
+              <p:cTn id="2" dur="indefinite" nodeType="mainSeq">
                 <p:childTnLst>
                   <p:par>
                     <p:cTn id="3" fill="hold">
@@ -13966,7 +16111,7 @@
                             </p:stCondLst>
                             <p:childTnLst>
                               <p:par>
-                                <p:cTn id="5" presetID="2" presetClass="entr" presetSubtype="4" fill="hold" nodeType="clickEffect">
+                                <p:cTn id="5" presetID="10" presetClass="entr" presetSubtype="0" fill="hold" nodeType="clickEffect">
                                   <p:stCondLst>
                                     <p:cond delay="0"/>
                                   </p:stCondLst>
@@ -13989,52 +16134,14 @@
                                         <p:strVal val="visible"/>
                                       </p:to>
                                     </p:set>
-                                    <p:anim calcmode="lin" valueType="num">
-                                      <p:cBhvr additive="base">
-                                        <p:cTn id="7" dur="500" fill="hold"/>
+                                    <p:animEffect transition="in" filter="fade">
+                                      <p:cBhvr>
+                                        <p:cTn id="7" dur="1000"/>
                                         <p:tgtEl>
                                           <p:spTgt spid="14"/>
                                         </p:tgtEl>
-                                        <p:attrNameLst>
-                                          <p:attrName>ppt_x</p:attrName>
-                                        </p:attrNameLst>
                                       </p:cBhvr>
-                                      <p:tavLst>
-                                        <p:tav tm="0">
-                                          <p:val>
-                                            <p:strVal val="#ppt_x"/>
-                                          </p:val>
-                                        </p:tav>
-                                        <p:tav tm="100000">
-                                          <p:val>
-                                            <p:strVal val="#ppt_x"/>
-                                          </p:val>
-                                        </p:tav>
-                                      </p:tavLst>
-                                    </p:anim>
-                                    <p:anim calcmode="lin" valueType="num">
-                                      <p:cBhvr additive="base">
-                                        <p:cTn id="8" dur="500" fill="hold"/>
-                                        <p:tgtEl>
-                                          <p:spTgt spid="14"/>
-                                        </p:tgtEl>
-                                        <p:attrNameLst>
-                                          <p:attrName>ppt_y</p:attrName>
-                                        </p:attrNameLst>
-                                      </p:cBhvr>
-                                      <p:tavLst>
-                                        <p:tav tm="0">
-                                          <p:val>
-                                            <p:strVal val="1+#ppt_h/2"/>
-                                          </p:val>
-                                        </p:tav>
-                                        <p:tav tm="100000">
-                                          <p:val>
-                                            <p:strVal val="#ppt_y"/>
-                                          </p:val>
-                                        </p:tav>
-                                      </p:tavLst>
-                                    </p:anim>
+                                    </p:animEffect>
                                   </p:childTnLst>
                                 </p:cTn>
                               </p:par>
@@ -14234,12 +16341,6 @@
               </a:rPr>
               <a:t>importálása</a:t>
             </a:r>
-            <a:endParaRPr lang="hu-HU" sz="2800" b="0" strike="noStrike" spc="-1" dirty="0" smtClean="0">
-              <a:solidFill>
-                <a:srgbClr val="000000"/>
-              </a:solidFill>
-              <a:latin typeface="Calibri"/>
-            </a:endParaRPr>
           </a:p>
           <a:p>
             <a:pPr marL="457470" indent="-514350">
@@ -14279,12 +16380,6 @@
               </a:rPr>
               <a:t>importálása</a:t>
             </a:r>
-            <a:endParaRPr lang="hu-HU" sz="2800" b="0" strike="noStrike" spc="-1" dirty="0" smtClean="0">
-              <a:solidFill>
-                <a:srgbClr val="000000"/>
-              </a:solidFill>
-              <a:latin typeface="Calibri"/>
-            </a:endParaRPr>
           </a:p>
           <a:p>
             <a:pPr marL="457470" indent="-514350">
@@ -14324,12 +16419,6 @@
               </a:rPr>
               <a:t>eltárolása</a:t>
             </a:r>
-            <a:endParaRPr lang="hu-HU" sz="2800" b="0" strike="noStrike" spc="-1" dirty="0" smtClean="0">
-              <a:solidFill>
-                <a:srgbClr val="000000"/>
-              </a:solidFill>
-              <a:latin typeface="Calibri"/>
-            </a:endParaRPr>
           </a:p>
           <a:p>
             <a:pPr marL="457470" indent="-514350">
@@ -14349,32 +16438,8 @@
                 </a:solidFill>
                 <a:latin typeface="Calibri"/>
               </a:rPr>
-              <a:t>Eltárolt </a:t>
-            </a:r>
-            <a:r>
-              <a:rPr lang="hu-HU" sz="2800" b="0" strike="noStrike" spc="-1" dirty="0" smtClean="0">
-                <a:solidFill>
-                  <a:srgbClr val="000000"/>
-                </a:solidFill>
-                <a:latin typeface="Calibri"/>
-              </a:rPr>
-              <a:t>pénzügyi adatok </a:t>
-            </a:r>
-            <a:r>
-              <a:rPr lang="hu-HU" sz="2800" b="0" strike="noStrike" spc="-1" dirty="0" smtClean="0">
-                <a:solidFill>
-                  <a:srgbClr val="000000"/>
-                </a:solidFill>
-                <a:latin typeface="Calibri"/>
-              </a:rPr>
-              <a:t>megjelenítése</a:t>
-            </a:r>
-            <a:endParaRPr lang="hu-HU" sz="2800" b="0" strike="noStrike" spc="-1" dirty="0" smtClean="0">
-              <a:solidFill>
-                <a:srgbClr val="000000"/>
-              </a:solidFill>
-              <a:latin typeface="Calibri"/>
-            </a:endParaRPr>
+              <a:t>Eltárolt pénzügyi adatok megjelenítése</a:t>
+            </a:r>
           </a:p>
         </p:txBody>
       </p:sp>
@@ -14714,33 +16779,15 @@
                                   </p:childTnLst>
                                 </p:cTn>
                               </p:par>
-                            </p:childTnLst>
-                          </p:cTn>
-                        </p:par>
-                      </p:childTnLst>
-                    </p:cTn>
-                  </p:par>
-                  <p:par>
-                    <p:cTn id="13" fill="hold">
-                      <p:stCondLst>
-                        <p:cond delay="indefinite"/>
-                      </p:stCondLst>
-                      <p:childTnLst>
-                        <p:par>
-                          <p:cTn id="14" fill="hold">
-                            <p:stCondLst>
-                              <p:cond delay="0"/>
-                            </p:stCondLst>
-                            <p:childTnLst>
                               <p:par>
-                                <p:cTn id="15" presetID="22" presetClass="entr" presetSubtype="4" fill="hold" grpId="0" nodeType="clickEffect">
+                                <p:cTn id="13" presetID="22" presetClass="entr" presetSubtype="4" fill="hold" grpId="0" nodeType="withEffect">
                                   <p:stCondLst>
                                     <p:cond delay="0"/>
                                   </p:stCondLst>
                                   <p:childTnLst>
                                     <p:set>
                                       <p:cBhvr>
-                                        <p:cTn id="16" dur="1" fill="hold">
+                                        <p:cTn id="14" dur="1" fill="hold">
                                           <p:stCondLst>
                                             <p:cond delay="0"/>
                                           </p:stCondLst>
@@ -14762,7 +16809,7 @@
                                     </p:set>
                                     <p:animEffect transition="in" filter="wipe(down)">
                                       <p:cBhvr>
-                                        <p:cTn id="17" dur="500"/>
+                                        <p:cTn id="15" dur="500"/>
                                         <p:tgtEl>
                                           <p:spTgt spid="138">
                                             <p:txEl>
@@ -14775,33 +16822,15 @@
                                   </p:childTnLst>
                                 </p:cTn>
                               </p:par>
-                            </p:childTnLst>
-                          </p:cTn>
-                        </p:par>
-                      </p:childTnLst>
-                    </p:cTn>
-                  </p:par>
-                  <p:par>
-                    <p:cTn id="18" fill="hold">
-                      <p:stCondLst>
-                        <p:cond delay="indefinite"/>
-                      </p:stCondLst>
-                      <p:childTnLst>
-                        <p:par>
-                          <p:cTn id="19" fill="hold">
-                            <p:stCondLst>
-                              <p:cond delay="0"/>
-                            </p:stCondLst>
-                            <p:childTnLst>
                               <p:par>
-                                <p:cTn id="20" presetID="22" presetClass="entr" presetSubtype="4" fill="hold" grpId="0" nodeType="clickEffect">
+                                <p:cTn id="16" presetID="22" presetClass="entr" presetSubtype="4" fill="hold" grpId="0" nodeType="withEffect">
                                   <p:stCondLst>
                                     <p:cond delay="0"/>
                                   </p:stCondLst>
                                   <p:childTnLst>
                                     <p:set>
                                       <p:cBhvr>
-                                        <p:cTn id="21" dur="1" fill="hold">
+                                        <p:cTn id="17" dur="1" fill="hold">
                                           <p:stCondLst>
                                             <p:cond delay="0"/>
                                           </p:stCondLst>
@@ -14823,7 +16852,7 @@
                                     </p:set>
                                     <p:animEffect transition="in" filter="wipe(down)">
                                       <p:cBhvr>
-                                        <p:cTn id="22" dur="500"/>
+                                        <p:cTn id="18" dur="500"/>
                                         <p:tgtEl>
                                           <p:spTgt spid="138">
                                             <p:txEl>
@@ -14836,33 +16865,15 @@
                                   </p:childTnLst>
                                 </p:cTn>
                               </p:par>
-                            </p:childTnLst>
-                          </p:cTn>
-                        </p:par>
-                      </p:childTnLst>
-                    </p:cTn>
-                  </p:par>
-                  <p:par>
-                    <p:cTn id="23" fill="hold">
-                      <p:stCondLst>
-                        <p:cond delay="indefinite"/>
-                      </p:stCondLst>
-                      <p:childTnLst>
-                        <p:par>
-                          <p:cTn id="24" fill="hold">
-                            <p:stCondLst>
-                              <p:cond delay="0"/>
-                            </p:stCondLst>
-                            <p:childTnLst>
                               <p:par>
-                                <p:cTn id="25" presetID="22" presetClass="entr" presetSubtype="4" fill="hold" grpId="0" nodeType="clickEffect">
+                                <p:cTn id="19" presetID="22" presetClass="entr" presetSubtype="4" fill="hold" grpId="0" nodeType="withEffect">
                                   <p:stCondLst>
                                     <p:cond delay="0"/>
                                   </p:stCondLst>
                                   <p:childTnLst>
                                     <p:set>
                                       <p:cBhvr>
-                                        <p:cTn id="26" dur="1" fill="hold">
+                                        <p:cTn id="20" dur="1" fill="hold">
                                           <p:stCondLst>
                                             <p:cond delay="0"/>
                                           </p:stCondLst>
@@ -14884,7 +16895,7 @@
                                     </p:set>
                                     <p:animEffect transition="in" filter="wipe(down)">
                                       <p:cBhvr>
-                                        <p:cTn id="27" dur="500"/>
+                                        <p:cTn id="21" dur="500"/>
                                         <p:tgtEl>
                                           <p:spTgt spid="138">
                                             <p:txEl>
@@ -14925,7 +16936,7 @@
       </p:par>
     </p:tnLst>
     <p:bldLst>
-      <p:bldP spid="138" grpId="0" build="p"/>
+      <p:bldP spid="138" grpId="0" uiExpand="1" build="p"/>
     </p:bldLst>
   </p:timing>
 </p:sld>
@@ -15069,7 +17080,7 @@
         </p:blipFill>
         <p:spPr>
           <a:xfrm>
-            <a:off x="1979712" y="908720"/>
+            <a:off x="1979712" y="332656"/>
             <a:ext cx="5333760" cy="4285800"/>
           </a:xfrm>
           <a:prstGeom prst="rect">
@@ -15140,7 +17151,7 @@
         </p:nvSpPr>
         <p:spPr>
           <a:xfrm>
-            <a:off x="0" y="0"/>
+            <a:off x="-4064" y="0"/>
             <a:ext cx="9144000" cy="1340280"/>
           </a:xfrm>
           <a:prstGeom prst="rect">
@@ -15196,7 +17207,7 @@
         </p:blipFill>
         <p:spPr>
           <a:xfrm>
-            <a:off x="1835696" y="3356992"/>
+            <a:off x="1726772" y="4429843"/>
             <a:ext cx="5839640" cy="2162477"/>
           </a:xfrm>
           <a:prstGeom prst="rect">
@@ -15218,7 +17229,63 @@
         <p:cTn id="1" dur="indefinite" restart="never" nodeType="tmRoot">
           <p:childTnLst>
             <p:seq>
-              <p:cTn id="2" nodeType="mainSeq"/>
+              <p:cTn id="2" nodeType="mainSeq">
+                <p:childTnLst>
+                  <p:par>
+                    <p:cTn id="3" fill="hold">
+                      <p:stCondLst>
+                        <p:cond delay="indefinite"/>
+                      </p:stCondLst>
+                      <p:childTnLst>
+                        <p:par>
+                          <p:cTn id="4" fill="hold">
+                            <p:stCondLst>
+                              <p:cond delay="0"/>
+                            </p:stCondLst>
+                            <p:childTnLst>
+                              <p:par>
+                                <p:cTn id="5" presetID="22" presetClass="entr" presetSubtype="4" fill="hold" nodeType="clickEffect">
+                                  <p:stCondLst>
+                                    <p:cond delay="0"/>
+                                  </p:stCondLst>
+                                  <p:childTnLst>
+                                    <p:set>
+                                      <p:cBhvr>
+                                        <p:cTn id="6" dur="1" fill="hold">
+                                          <p:stCondLst>
+                                            <p:cond delay="0"/>
+                                          </p:stCondLst>
+                                        </p:cTn>
+                                        <p:tgtEl>
+                                          <p:spTgt spid="147"/>
+                                        </p:tgtEl>
+                                        <p:attrNameLst>
+                                          <p:attrName>style.visibility</p:attrName>
+                                        </p:attrNameLst>
+                                      </p:cBhvr>
+                                      <p:to>
+                                        <p:strVal val="visible"/>
+                                      </p:to>
+                                    </p:set>
+                                    <p:animEffect transition="in" filter="wipe(down)">
+                                      <p:cBhvr>
+                                        <p:cTn id="7" dur="500"/>
+                                        <p:tgtEl>
+                                          <p:spTgt spid="147"/>
+                                        </p:tgtEl>
+                                      </p:cBhvr>
+                                    </p:animEffect>
+                                  </p:childTnLst>
+                                </p:cTn>
+                              </p:par>
+                            </p:childTnLst>
+                          </p:cTn>
+                        </p:par>
+                      </p:childTnLst>
+                    </p:cTn>
+                  </p:par>
+                </p:childTnLst>
+              </p:cTn>
               <p:prevCondLst>
                 <p:cond evt="onPrev" delay="0">
                   <p:tgtEl>
@@ -15969,16 +18036,7 @@
                 </a:solidFill>
                 <a:latin typeface="Calibri"/>
               </a:rPr>
-              <a:t>Tranzakció </a:t>
-            </a:r>
-            <a:r>
-              <a:rPr lang="hu-HU" sz="2400" b="0" strike="noStrike" spc="-1" dirty="0" smtClean="0">
-                <a:solidFill>
-                  <a:srgbClr val="000000"/>
-                </a:solidFill>
-                <a:latin typeface="Calibri"/>
-              </a:rPr>
-              <a:t>összege</a:t>
+              <a:t>Tranzakció összege</a:t>
             </a:r>
             <a:endParaRPr lang="hu-HU" sz="2400" b="0" strike="noStrike" spc="-1" dirty="0">
               <a:solidFill>

--- a/féléveselőadás_szakdoga.pptx
+++ b/féléveselőadás_szakdoga.pptx
@@ -19,8 +19,8 @@
     <p:sldId id="281" r:id="rId10"/>
     <p:sldId id="260" r:id="rId11"/>
     <p:sldId id="266" r:id="rId12"/>
-    <p:sldId id="267" r:id="rId13"/>
-    <p:sldId id="282" r:id="rId14"/>
+    <p:sldId id="282" r:id="rId13"/>
+    <p:sldId id="267" r:id="rId14"/>
     <p:sldId id="268" r:id="rId15"/>
     <p:sldId id="280" r:id="rId16"/>
     <p:sldId id="273" r:id="rId17"/>
@@ -498,15 +498,43 @@
               <a:rPr lang="hu-HU" sz="2000" b="0" strike="noStrike" spc="-1" baseline="0" dirty="0" smtClean="0">
                 <a:latin typeface="Arial"/>
               </a:rPr>
-              <a:t>Feladat leírása – mi a cél</a:t>
-            </a:r>
+              <a:t>Személyes pénzügyi szoftverek bemutatása – példakép , összehasonlítás</a:t>
+            </a:r>
+          </a:p>
+          <a:p>
+            <a:pPr marL="0" marR="0" indent="0" algn="l" defTabSz="914400" rtl="0" eaLnBrk="1" fontAlgn="auto" latinLnBrk="0" hangingPunct="1">
+              <a:lnSpc>
+                <a:spcPct val="100000"/>
+              </a:lnSpc>
+              <a:spcBef>
+                <a:spcPts val="0"/>
+              </a:spcBef>
+              <a:spcAft>
+                <a:spcPts val="0"/>
+              </a:spcAft>
+              <a:buClrTx/>
+              <a:buSzTx/>
+              <a:buFontTx/>
+              <a:buNone/>
+              <a:tabLst/>
+              <a:defRPr/>
+            </a:pPr>
+            <a:r>
+              <a:rPr lang="hu-HU" sz="2000" b="0" strike="noStrike" spc="-1" baseline="0" dirty="0" smtClean="0">
+                <a:latin typeface="+mn-lt"/>
+              </a:rPr>
+              <a:t>Feladat leírása – mi a célunk </a:t>
+            </a:r>
+            <a:endParaRPr lang="hu-HU" sz="2000" b="0" strike="noStrike" spc="-1" baseline="0" dirty="0" smtClean="0">
+              <a:latin typeface="Arial"/>
+            </a:endParaRPr>
           </a:p>
           <a:p>
             <a:r>
               <a:rPr lang="hu-HU" sz="2000" b="0" strike="noStrike" spc="-1" baseline="0" dirty="0" smtClean="0">
                 <a:latin typeface="Arial"/>
               </a:rPr>
-              <a:t>Személyes pénzügyi szoftverek bemutatása – példakép</a:t>
+              <a:t>Feldolgozás – miket csináltam, hogyan csináltam, mivel csináltam</a:t>
             </a:r>
           </a:p>
           <a:p>
@@ -514,7 +542,7 @@
               <a:rPr lang="hu-HU" sz="2000" b="0" strike="noStrike" spc="-1" baseline="0" dirty="0" smtClean="0">
                 <a:latin typeface="Arial"/>
               </a:rPr>
-              <a:t>Hogy valósítottam meg</a:t>
+              <a:t>Összegzés – mire jutottam , miket tanultam</a:t>
             </a:r>
           </a:p>
           <a:p>
@@ -522,7 +550,7 @@
               <a:rPr lang="hu-HU" sz="2000" b="0" strike="noStrike" spc="-1" baseline="0" dirty="0" smtClean="0">
                 <a:latin typeface="Arial"/>
               </a:rPr>
-              <a:t>Eredmények &amp; jövőkép</a:t>
+              <a:t>Jövőbeli tervek </a:t>
             </a:r>
           </a:p>
         </p:txBody>
@@ -608,133 +636,93 @@
       </p:grpSpPr>
       <p:sp>
         <p:nvSpPr>
-          <p:cNvPr id="229" name="PlaceHolder 1"/>
+          <p:cNvPr id="2" name="Diakép helye 1"/>
+          <p:cNvSpPr>
+            <a:spLocks noGrp="1" noRot="1" noChangeAspect="1"/>
+          </p:cNvSpPr>
+          <p:nvPr>
+            <p:ph type="sldImg"/>
+          </p:nvPr>
+        </p:nvSpPr>
+        <p:spPr>
+          <a:xfrm>
+            <a:off x="2857500" y="514350"/>
+            <a:ext cx="3429000" cy="2571750"/>
+          </a:xfrm>
+          <a:prstGeom prst="rect">
+            <a:avLst/>
+          </a:prstGeom>
+          <a:noFill/>
+          <a:ln w="12700">
+            <a:solidFill>
+              <a:prstClr val="black"/>
+            </a:solidFill>
+          </a:ln>
+        </p:spPr>
+      </p:sp>
+      <p:sp>
+        <p:nvSpPr>
+          <p:cNvPr id="3" name="Jegyzetek helye 2"/>
           <p:cNvSpPr>
             <a:spLocks noGrp="1"/>
           </p:cNvSpPr>
           <p:nvPr>
-            <p:ph type="body"/>
+            <p:ph type="body" idx="1"/>
           </p:nvPr>
         </p:nvSpPr>
-        <p:spPr>
-          <a:xfrm>
-            <a:off x="914400" y="3257640"/>
-            <a:ext cx="7314840" cy="3085920"/>
-          </a:xfrm>
-          <a:prstGeom prst="rect">
-            <a:avLst/>
-          </a:prstGeom>
-        </p:spPr>
+        <p:spPr/>
         <p:txBody>
           <a:bodyPr/>
           <a:lstStyle/>
           <a:p>
             <a:r>
-              <a:rPr lang="hu-HU" sz="1200" b="0" strike="noStrike" spc="-1" dirty="0">
-                <a:latin typeface="Arial"/>
-              </a:rPr>
-              <a:t>Természetesen ha egy cella például számra illeszkedő reguláris kifejezés tartalmaz az nem feltétlenül jelenti azt hogy az az Összeg oszlopban helyezkedik el. Mivel az lehet Tranzakció szám azonosító, Egyenleg oszlop is. </a:t>
-            </a:r>
-          </a:p>
-          <a:p>
-            <a:r>
-              <a:rPr lang="hu-HU" sz="1200" b="0" strike="noStrike" spc="-1" dirty="0">
-                <a:latin typeface="Arial"/>
-              </a:rPr>
-              <a:t>Vagy ha egy reguláris kifejezés illeszkedik egy bankszámla formájára (</a:t>
-            </a:r>
-            <a:r>
-              <a:rPr lang="hu-HU" sz="1200" b="0" strike="noStrike" spc="-1" dirty="0" err="1">
-                <a:latin typeface="Arial"/>
-              </a:rPr>
-              <a:t>xxxxxxxx-xxxxxxxx</a:t>
-            </a:r>
-            <a:r>
-              <a:rPr lang="hu-HU" sz="1200" b="0" strike="noStrike" spc="-1" dirty="0">
-                <a:latin typeface="Arial"/>
-              </a:rPr>
-              <a:t> vagy </a:t>
-            </a:r>
-            <a:r>
-              <a:rPr lang="hu-HU" sz="1200" b="0" strike="noStrike" spc="-1" dirty="0" err="1">
-                <a:latin typeface="Arial"/>
-              </a:rPr>
-              <a:t>xxxxxxxx-xxxxxxxx-xxxxxxxx</a:t>
-            </a:r>
-            <a:r>
-              <a:rPr lang="hu-HU" sz="1200" b="0" strike="noStrike" spc="-1" dirty="0">
-                <a:latin typeface="Arial"/>
-              </a:rPr>
-              <a:t>) az lehet Ellenoldali bankszáma is.</a:t>
-            </a:r>
-          </a:p>
-          <a:p>
-            <a:r>
-              <a:rPr lang="hu-HU" sz="1200" b="0" strike="noStrike" spc="-1" dirty="0" smtClean="0">
-                <a:latin typeface="+mn-lt"/>
-              </a:rPr>
-              <a:t>Az oszlopot azonosító cellák (oszlopot nevei) sorát előbb meg kell „találnunk” a programunk számára.</a:t>
-            </a:r>
-          </a:p>
-          <a:p>
-            <a:r>
-              <a:rPr lang="hu-HU" sz="1200" b="0" strike="noStrike" spc="-1" dirty="0" smtClean="0">
-                <a:latin typeface="+mn-lt"/>
-              </a:rPr>
-              <a:t>Mivel minden export fájl esetében ez a legtöbb oszloppal rendelkező sorban helyezkedik el így egyszerű dolgunk van (maximum keresés oszlopok számát nézve)</a:t>
-            </a:r>
-          </a:p>
-          <a:p>
-            <a:endParaRPr lang="hu-HU" sz="1200" b="0" strike="noStrike" spc="-1" dirty="0">
-              <a:latin typeface="Arial"/>
-            </a:endParaRPr>
-          </a:p>
-        </p:txBody>
-      </p:sp>
-      <p:sp>
-        <p:nvSpPr>
-          <p:cNvPr id="230" name="TextShape 2"/>
-          <p:cNvSpPr txBox="1"/>
-          <p:nvPr/>
-        </p:nvSpPr>
-        <p:spPr>
-          <a:xfrm>
-            <a:off x="5179320" y="6513840"/>
-            <a:ext cx="3962160" cy="342720"/>
-          </a:xfrm>
-          <a:prstGeom prst="rect">
-            <a:avLst/>
-          </a:prstGeom>
-          <a:noFill/>
-          <a:ln>
-            <a:noFill/>
-          </a:ln>
-        </p:spPr>
-        <p:txBody>
-          <a:bodyPr anchor="b"/>
-          <a:lstStyle/>
-          <a:p>
-            <a:pPr algn="r">
-              <a:lnSpc>
-                <a:spcPct val="100000"/>
-              </a:lnSpc>
-            </a:pPr>
-            <a:fld id="{DF5D6EFF-F8EB-4BD0-8404-A32D42168B7B}" type="slidenum">
-              <a:rPr lang="hu-HU" sz="1200" b="0" strike="noStrike" spc="-1">
-                <a:solidFill>
-                  <a:srgbClr val="000000"/>
-                </a:solidFill>
-                <a:latin typeface="+mn-lt"/>
-                <a:ea typeface="+mn-ea"/>
-              </a:rPr>
-              <a:pPr algn="r">
-                <a:lnSpc>
-                  <a:spcPct val="100000"/>
-                </a:lnSpc>
-              </a:pPr>
+              <a:rPr lang="hu-HU" dirty="0" smtClean="0"/>
+              <a:t>Grafikus felülethez</a:t>
+            </a:r>
+            <a:r>
+              <a:rPr lang="hu-HU" baseline="0" dirty="0" smtClean="0"/>
+              <a:t> használt:</a:t>
+            </a:r>
+          </a:p>
+          <a:p>
+            <a:r>
+              <a:rPr lang="hu-HU" baseline="0" dirty="0" smtClean="0"/>
+              <a:t>WPF egy felület amit az XAML által lehet szerkeszteni, olyan mint a HTML-hez a css, elkünönítni a grafikus és a programozó tevékenységeket.</a:t>
+            </a:r>
+          </a:p>
+          <a:p>
+            <a:r>
+              <a:rPr lang="hu-HU" baseline="0" dirty="0" smtClean="0"/>
+              <a:t>Data Bindig – megjelenített adatok összekötése a programban lévő értékekkel.</a:t>
+            </a:r>
+            <a:endParaRPr lang="hu-HU" dirty="0"/>
+          </a:p>
+        </p:txBody>
+      </p:sp>
+      <p:sp>
+        <p:nvSpPr>
+          <p:cNvPr id="4" name="Dia számának helye 3"/>
+          <p:cNvSpPr>
+            <a:spLocks noGrp="1"/>
+          </p:cNvSpPr>
+          <p:nvPr>
+            <p:ph type="sldNum" idx="10"/>
+          </p:nvPr>
+        </p:nvSpPr>
+        <p:spPr/>
+        <p:txBody>
+          <a:bodyPr/>
+          <a:lstStyle/>
+          <a:p>
+            <a:pPr algn="r"/>
+            <a:fld id="{BB8C64FC-982A-4A80-B5B3-8CFDF6E6714B}" type="slidenum">
+              <a:rPr lang="hu-HU" sz="1400" b="0" strike="noStrike" spc="-1" smtClean="0">
+                <a:latin typeface="Times New Roman"/>
+              </a:rPr>
+              <a:pPr algn="r"/>
               <a:t>11</a:t>
             </a:fld>
-            <a:endParaRPr lang="hu-HU" sz="1200" b="0" strike="noStrike" spc="-1">
+            <a:endParaRPr lang="hu-HU" sz="1400" b="0" strike="noStrike" spc="-1">
               <a:latin typeface="Times New Roman"/>
             </a:endParaRPr>
           </a:p>
@@ -743,7 +731,7 @@
     </p:spTree>
     <p:extLst>
       <p:ext uri="{BB962C8B-B14F-4D97-AF65-F5344CB8AC3E}">
-        <p14:creationId xmlns:p14="http://schemas.microsoft.com/office/powerpoint/2010/main" val="880426060"/>
+        <p14:creationId xmlns:p14="http://schemas.microsoft.com/office/powerpoint/2010/main" val="422688041"/>
       </p:ext>
     </p:extLst>
   </p:cSld>
@@ -772,7 +760,7 @@
       </p:grpSpPr>
       <p:sp>
         <p:nvSpPr>
-          <p:cNvPr id="231" name="PlaceHolder 1"/>
+          <p:cNvPr id="229" name="PlaceHolder 1"/>
           <p:cNvSpPr>
             <a:spLocks noGrp="1"/>
           </p:cNvSpPr>
@@ -794,38 +782,62 @@
           <a:lstStyle/>
           <a:p>
             <a:r>
-              <a:rPr lang="hu-HU" sz="2000" b="0" strike="noStrike" spc="-1" dirty="0">
+              <a:rPr lang="hu-HU" sz="1200" b="0" strike="noStrike" spc="-1" dirty="0">
                 <a:latin typeface="Arial"/>
               </a:rPr>
+              <a:t>Természetesen ha egy cella például számra illeszkedő reguláris kifejezés tartalmaz az nem feltétlenül jelenti azt hogy az az Összeg oszlopban helyezkedik el. Mivel az lehet Tranzakció szám azonosító, Egyenleg oszlop is. </a:t>
+            </a:r>
+          </a:p>
+          <a:p>
+            <a:r>
+              <a:rPr lang="hu-HU" sz="1200" b="0" strike="noStrike" spc="-1" dirty="0">
+                <a:latin typeface="Arial"/>
+              </a:rPr>
+              <a:t>Vagy ha egy reguláris kifejezés illeszkedik egy bankszámla formájára (</a:t>
+            </a:r>
+            <a:r>
+              <a:rPr lang="hu-HU" sz="1200" b="0" strike="noStrike" spc="-1" dirty="0" err="1">
+                <a:latin typeface="Arial"/>
+              </a:rPr>
+              <a:t>xxxxxxxx-xxxxxxxx</a:t>
+            </a:r>
+            <a:r>
+              <a:rPr lang="hu-HU" sz="1200" b="0" strike="noStrike" spc="-1" dirty="0">
+                <a:latin typeface="Arial"/>
+              </a:rPr>
+              <a:t> vagy </a:t>
+            </a:r>
+            <a:r>
+              <a:rPr lang="hu-HU" sz="1200" b="0" strike="noStrike" spc="-1" dirty="0" err="1">
+                <a:latin typeface="Arial"/>
+              </a:rPr>
+              <a:t>xxxxxxxx-xxxxxxxx-xxxxxxxx</a:t>
+            </a:r>
+            <a:r>
+              <a:rPr lang="hu-HU" sz="1200" b="0" strike="noStrike" spc="-1" dirty="0">
+                <a:latin typeface="Arial"/>
+              </a:rPr>
+              <a:t>) az lehet Ellenoldali bankszáma is.</a:t>
+            </a:r>
+          </a:p>
+          <a:p>
+            <a:r>
+              <a:rPr lang="hu-HU" sz="1200" b="0" strike="noStrike" spc="-1" dirty="0" smtClean="0">
+                <a:latin typeface="+mn-lt"/>
+              </a:rPr>
               <a:t>Az oszlopot azonosító cellák (oszlopot nevei) sorát előbb meg kell „találnunk” a programunk számára.</a:t>
             </a:r>
           </a:p>
           <a:p>
             <a:r>
-              <a:rPr lang="hu-HU" sz="2000" b="0" strike="noStrike" spc="-1" dirty="0">
-                <a:latin typeface="Arial"/>
+              <a:rPr lang="hu-HU" sz="1200" b="0" strike="noStrike" spc="-1" dirty="0" smtClean="0">
+                <a:latin typeface="+mn-lt"/>
               </a:rPr>
               <a:t>Mivel minden export fájl esetében ez a legtöbb oszloppal rendelkező sorban helyezkedik el így egyszerű dolgunk van (maximum keresés oszlopok számát nézve)</a:t>
             </a:r>
           </a:p>
           <a:p>
-            <a:r>
-              <a:rPr lang="hu-HU" sz="2000" b="0" strike="noStrike" spc="-1" dirty="0">
-                <a:latin typeface="Arial"/>
-              </a:rPr>
-              <a:t>Fontos hogy figyelnünk kell az üres cellákra, még cella egyesítésnél úgy „látszódhat” hogy minden egyesített cella ugyan azon értékkel rendelkezik , valójában csak az egyik cella tartalmaz értéket, a többi üres.</a:t>
-            </a:r>
-          </a:p>
-          <a:p>
-            <a:r>
-              <a:rPr lang="hu-HU" sz="2000" b="0" strike="noStrike" spc="-1" dirty="0">
-                <a:latin typeface="Arial"/>
-              </a:rPr>
-              <a:t>Természetesen az esetleges üres sorokra is figyelnünk kell.</a:t>
-            </a:r>
-          </a:p>
-          <a:p>
-            <a:endParaRPr lang="hu-HU" sz="2000" b="0" strike="noStrike" spc="-1" dirty="0">
+            <a:endParaRPr lang="hu-HU" sz="1200" b="0" strike="noStrike" spc="-1" dirty="0">
               <a:latin typeface="Arial"/>
             </a:endParaRPr>
           </a:p>
@@ -833,7 +845,7 @@
       </p:sp>
       <p:sp>
         <p:nvSpPr>
-          <p:cNvPr id="232" name="TextShape 2"/>
+          <p:cNvPr id="230" name="TextShape 2"/>
           <p:cNvSpPr txBox="1"/>
           <p:nvPr/>
         </p:nvSpPr>
@@ -859,7 +871,7 @@
                 <a:spcPct val="100000"/>
               </a:lnSpc>
             </a:pPr>
-            <a:fld id="{232F1420-44B4-4F4F-81E0-662CF8ECF5C7}" type="slidenum">
+            <a:fld id="{DF5D6EFF-F8EB-4BD0-8404-A32D42168B7B}" type="slidenum">
               <a:rPr lang="hu-HU" sz="1200" b="0" strike="noStrike" spc="-1">
                 <a:solidFill>
                   <a:srgbClr val="000000"/>
@@ -872,7 +884,7 @@
                   <a:spcPct val="100000"/>
                 </a:lnSpc>
               </a:pPr>
-              <a:t>13</a:t>
+              <a:t>12</a:t>
             </a:fld>
             <a:endParaRPr lang="hu-HU" sz="1200" b="0" strike="noStrike" spc="-1">
               <a:latin typeface="Times New Roman"/>
@@ -883,7 +895,7 @@
     </p:spTree>
     <p:extLst>
       <p:ext uri="{BB962C8B-B14F-4D97-AF65-F5344CB8AC3E}">
-        <p14:creationId xmlns:p14="http://schemas.microsoft.com/office/powerpoint/2010/main" val="3197196270"/>
+        <p14:creationId xmlns:p14="http://schemas.microsoft.com/office/powerpoint/2010/main" val="880426060"/>
       </p:ext>
     </p:extLst>
   </p:cSld>
@@ -933,94 +945,38 @@
           <a:bodyPr/>
           <a:lstStyle/>
           <a:p>
-            <a:pPr marL="0" marR="0" indent="0" algn="l" defTabSz="914400" rtl="0" eaLnBrk="1" fontAlgn="auto" latinLnBrk="0" hangingPunct="1">
-              <a:lnSpc>
-                <a:spcPct val="100000"/>
-              </a:lnSpc>
-              <a:spcBef>
-                <a:spcPts val="0"/>
-              </a:spcBef>
-              <a:spcAft>
-                <a:spcPts val="0"/>
-              </a:spcAft>
-              <a:buClrTx/>
-              <a:buSzTx/>
-              <a:buFontTx/>
-              <a:buNone/>
-              <a:tabLst/>
-              <a:defRPr/>
-            </a:pPr>
-            <a:r>
-              <a:rPr lang="hu-HU" sz="2000" dirty="0" smtClean="0"/>
-              <a:t>A program indulásnál beolvassa a már adatbázisban lévő tranzakciókat és ezeket felhasználónként elkülönítve feltöltjük az Adatbázis menübe. </a:t>
-            </a:r>
-            <a:endParaRPr lang="hu-HU" sz="2000" b="0" strike="noStrike" spc="-1" dirty="0" smtClean="0">
-              <a:latin typeface="Arial"/>
-            </a:endParaRPr>
-          </a:p>
-          <a:p>
-            <a:r>
-              <a:rPr lang="hu-HU" sz="2000" b="0" strike="noStrike" spc="-1" dirty="0" smtClean="0">
+            <a:r>
+              <a:rPr lang="hu-HU" sz="2000" b="0" strike="noStrike" spc="-1" dirty="0">
                 <a:latin typeface="Arial"/>
               </a:rPr>
-              <a:t>Oszlopok:</a:t>
-            </a:r>
-          </a:p>
-          <a:p>
-            <a:pPr marL="457200" indent="-457200">
-              <a:buAutoNum type="arabicPeriod"/>
-            </a:pPr>
-            <a:r>
-              <a:rPr lang="hu-HU" sz="2000" b="0" strike="noStrike" spc="-1" baseline="0" dirty="0" smtClean="0">
+              <a:t>Az oszlopot azonosító cellák (oszlopot nevei) sorát előbb meg kell „találnunk” a programunk számára.</a:t>
+            </a:r>
+          </a:p>
+          <a:p>
+            <a:r>
+              <a:rPr lang="hu-HU" sz="2000" b="0" strike="noStrike" spc="-1" dirty="0">
                 <a:latin typeface="Arial"/>
               </a:rPr>
-              <a:t>Tranzakció </a:t>
-            </a:r>
-            <a:r>
-              <a:rPr lang="hu-HU" sz="2000" b="0" strike="noStrike" spc="-1" baseline="0" dirty="0" err="1" smtClean="0">
+              <a:t>Mivel minden export fájl esetében ez a legtöbb oszloppal rendelkező sorban helyezkedik el így egyszerű dolgunk van (maximum keresés oszlopok számát nézve)</a:t>
+            </a:r>
+          </a:p>
+          <a:p>
+            <a:r>
+              <a:rPr lang="hu-HU" sz="2000" b="0" strike="noStrike" spc="-1" dirty="0">
                 <a:latin typeface="Arial"/>
               </a:rPr>
-              <a:t>végbementelének</a:t>
-            </a:r>
-            <a:r>
-              <a:rPr lang="hu-HU" sz="2000" b="0" strike="noStrike" spc="-1" baseline="0" dirty="0" smtClean="0">
+              <a:t>Fontos hogy figyelnünk kell az üres cellákra, még cella egyesítésnél úgy „látszódhat” hogy minden egyesített cella ugyan azon értékkel rendelkezik , valójában csak az egyik cella tartalmaz értéket, a többi üres.</a:t>
+            </a:r>
+          </a:p>
+          <a:p>
+            <a:r>
+              <a:rPr lang="hu-HU" sz="2000" b="0" strike="noStrike" spc="-1" dirty="0">
                 <a:latin typeface="Arial"/>
               </a:rPr>
-              <a:t> dátuma</a:t>
-            </a:r>
-          </a:p>
-          <a:p>
-            <a:pPr marL="457200" indent="-457200">
-              <a:buAutoNum type="arabicPeriod"/>
-            </a:pPr>
-            <a:r>
-              <a:rPr lang="hu-HU" sz="2000" b="0" strike="noStrike" spc="-1" baseline="0" dirty="0" smtClean="0">
-                <a:latin typeface="Arial"/>
-              </a:rPr>
-              <a:t>Tranzakció leírása</a:t>
-            </a:r>
-          </a:p>
-          <a:p>
-            <a:pPr marL="457200" indent="-457200">
-              <a:buAutoNum type="arabicPeriod"/>
-            </a:pPr>
-            <a:r>
-              <a:rPr lang="hu-HU" sz="2000" b="0" strike="noStrike" spc="-1" baseline="0" dirty="0" smtClean="0">
-                <a:latin typeface="Arial"/>
-              </a:rPr>
-              <a:t>Tranzakció ára</a:t>
-            </a:r>
-          </a:p>
-          <a:p>
-            <a:pPr marL="457200" indent="-457200">
-              <a:buAutoNum type="arabicPeriod"/>
-            </a:pPr>
-            <a:r>
-              <a:rPr lang="hu-HU" sz="2000" b="0" strike="noStrike" spc="-1" baseline="0" dirty="0" smtClean="0">
-                <a:latin typeface="Arial"/>
-              </a:rPr>
-              <a:t>Tranzakció importálásának ideje</a:t>
-            </a:r>
+              <a:t>Természetesen az esetleges üres sorokra is figyelnünk kell.</a:t>
+            </a:r>
+          </a:p>
+          <a:p>
             <a:endParaRPr lang="hu-HU" sz="2000" b="0" strike="noStrike" spc="-1" dirty="0">
               <a:latin typeface="Arial"/>
             </a:endParaRPr>
@@ -1068,7 +1024,7 @@
                   <a:spcPct val="100000"/>
                 </a:lnSpc>
               </a:pPr>
-              <a:t>14</a:t>
+              <a:t>13</a:t>
             </a:fld>
             <a:endParaRPr lang="hu-HU" sz="1200" b="0" strike="noStrike" spc="-1">
               <a:latin typeface="Times New Roman"/>
@@ -1079,7 +1035,7 @@
     </p:spTree>
     <p:extLst>
       <p:ext uri="{BB962C8B-B14F-4D97-AF65-F5344CB8AC3E}">
-        <p14:creationId xmlns:p14="http://schemas.microsoft.com/office/powerpoint/2010/main" val="150739120"/>
+        <p14:creationId xmlns:p14="http://schemas.microsoft.com/office/powerpoint/2010/main" val="3197196270"/>
       </p:ext>
     </p:extLst>
   </p:cSld>
@@ -1129,41 +1085,58 @@
           <a:bodyPr/>
           <a:lstStyle/>
           <a:p>
+            <a:pPr marL="0" marR="0" indent="0" algn="l" defTabSz="914400" rtl="0" eaLnBrk="1" fontAlgn="auto" latinLnBrk="0" hangingPunct="1">
+              <a:lnSpc>
+                <a:spcPct val="100000"/>
+              </a:lnSpc>
+              <a:spcBef>
+                <a:spcPts val="0"/>
+              </a:spcBef>
+              <a:spcAft>
+                <a:spcPts val="0"/>
+              </a:spcAft>
+              <a:buClrTx/>
+              <a:buSzTx/>
+              <a:buFontTx/>
+              <a:buNone/>
+              <a:tabLst/>
+              <a:defRPr/>
+            </a:pPr>
+            <a:r>
+              <a:rPr lang="hu-HU" sz="2000" dirty="0" smtClean="0"/>
+              <a:t>A program indulásnál beolvassa a már adatbázisban lévő tranzakciókat és ezeket felhasználónként elkülönítve feltöltjük az Adatbázis menübe. </a:t>
+            </a:r>
+            <a:endParaRPr lang="hu-HU" sz="2000" b="0" strike="noStrike" spc="-1" dirty="0" smtClean="0">
+              <a:latin typeface="Arial"/>
+            </a:endParaRPr>
+          </a:p>
+          <a:p>
             <a:r>
               <a:rPr lang="hu-HU" sz="2000" b="0" strike="noStrike" spc="-1" dirty="0" smtClean="0">
                 <a:latin typeface="Arial"/>
               </a:rPr>
-              <a:t>Alkalmazott technológiák :</a:t>
-            </a:r>
+              <a:t>Oszlopok:</a:t>
+            </a:r>
+          </a:p>
+          <a:p>
+            <a:pPr marL="457200" indent="-457200">
+              <a:buAutoNum type="arabicPeriod"/>
+            </a:pPr>
             <a:r>
               <a:rPr lang="hu-HU" sz="2000" b="0" strike="noStrike" spc="-1" baseline="0" dirty="0" smtClean="0">
                 <a:latin typeface="Arial"/>
               </a:rPr>
-              <a:t> Visual Studio,C#,XAML,Databinding,GitHub,Trello,</a:t>
-            </a:r>
-            <a:r>
-              <a:rPr lang="hu-HU" sz="2000" b="0" strike="noStrike" spc="-1" baseline="0" dirty="0" err="1" smtClean="0">
-                <a:latin typeface="Arial"/>
-              </a:rPr>
-              <a:t>Pencil</a:t>
-            </a:r>
-            <a:endParaRPr lang="hu-HU" sz="2000" b="0" strike="noStrike" spc="-1" dirty="0" smtClean="0">
-              <a:latin typeface="Arial"/>
-            </a:endParaRPr>
-          </a:p>
-          <a:p>
-            <a:r>
-              <a:rPr lang="hu-HU" sz="2000" b="0" strike="noStrike" spc="-1" dirty="0" smtClean="0">
-                <a:latin typeface="Arial"/>
-              </a:rPr>
-              <a:t>Láthatóak</a:t>
+              <a:t>Tranzakció </a:t>
             </a:r>
             <a:r>
               <a:rPr lang="hu-HU" sz="2000" b="0" strike="noStrike" spc="-1" baseline="0" dirty="0" smtClean="0">
                 <a:latin typeface="Arial"/>
               </a:rPr>
-              <a:t> a felhasználó adatai</a:t>
-            </a:r>
+              <a:t>végbemenetelének dátuma</a:t>
+            </a:r>
+            <a:endParaRPr lang="hu-HU" sz="2000" b="0" strike="noStrike" spc="-1" baseline="0" dirty="0" smtClean="0">
+              <a:latin typeface="Arial"/>
+            </a:endParaRPr>
           </a:p>
           <a:p>
             <a:pPr marL="457200" indent="-457200">
@@ -1173,7 +1146,7 @@
               <a:rPr lang="hu-HU" sz="2000" b="0" strike="noStrike" spc="-1" baseline="0" dirty="0" smtClean="0">
                 <a:latin typeface="Arial"/>
               </a:rPr>
-              <a:t>Tranzakciók száma a adatbázisban.</a:t>
+              <a:t>Tranzakció leírása</a:t>
             </a:r>
           </a:p>
           <a:p>
@@ -1184,7 +1157,7 @@
               <a:rPr lang="hu-HU" sz="2000" b="0" strike="noStrike" spc="-1" baseline="0" dirty="0" smtClean="0">
                 <a:latin typeface="Arial"/>
               </a:rPr>
-              <a:t>Utolsó importálás ideje (Ahol tényleg importált be új tranzakciót, az ismétlődő tranzakciók kiszűrésénél nem frissül ez a dátum)</a:t>
+              <a:t>Tranzakció ára</a:t>
             </a:r>
           </a:p>
           <a:p>
@@ -1195,30 +1168,7 @@
               <a:rPr lang="hu-HU" sz="2000" b="0" strike="noStrike" spc="-1" baseline="0" dirty="0" smtClean="0">
                 <a:latin typeface="Arial"/>
               </a:rPr>
-              <a:t>Importálás szükségessége (Ha harminc nap eltelt az utolsó új tranzakció beimportálása óta, Zöld (nem szükséges), Piros(Erősen ajánlott) – megjelenik egy piros pipa a Harang felett a jobb felső sarokban)</a:t>
-            </a:r>
-          </a:p>
-          <a:p>
-            <a:pPr marL="457200" indent="-457200">
-              <a:buAutoNum type="arabicPeriod"/>
-            </a:pPr>
-            <a:r>
-              <a:rPr lang="hu-HU" sz="2000" b="0" strike="noStrike" spc="-1" baseline="0" dirty="0" smtClean="0">
-                <a:latin typeface="Arial"/>
-              </a:rPr>
-              <a:t>Ismétlődés gyanús tranzakcióknál 2 </a:t>
-            </a:r>
-            <a:r>
-              <a:rPr lang="hu-HU" sz="2000" b="0" strike="noStrike" spc="-1" baseline="0" dirty="0" err="1" smtClean="0">
-                <a:latin typeface="Arial"/>
-              </a:rPr>
-              <a:t>chechbox</a:t>
-            </a:r>
-            <a:r>
-              <a:rPr lang="hu-HU" sz="2000" b="0" strike="noStrike" spc="-1" baseline="0" dirty="0" smtClean="0">
-                <a:latin typeface="Arial"/>
-              </a:rPr>
-              <a:t> –Mindig kérdezzen rá, Sose kérdezzen rá. (Egyszerre nyilván csak egyet enged bepipálni).</a:t>
+              <a:t>Tranzakció importálásának ideje</a:t>
             </a:r>
             <a:endParaRPr lang="hu-HU" sz="2000" b="0" strike="noStrike" spc="-1" dirty="0">
               <a:latin typeface="Arial"/>
@@ -1267,7 +1217,7 @@
                   <a:spcPct val="100000"/>
                 </a:lnSpc>
               </a:pPr>
-              <a:t>15</a:t>
+              <a:t>14</a:t>
             </a:fld>
             <a:endParaRPr lang="hu-HU" sz="1200" b="0" strike="noStrike" spc="-1">
               <a:latin typeface="Times New Roman"/>
@@ -1278,7 +1228,7 @@
     </p:spTree>
     <p:extLst>
       <p:ext uri="{BB962C8B-B14F-4D97-AF65-F5344CB8AC3E}">
-        <p14:creationId xmlns:p14="http://schemas.microsoft.com/office/powerpoint/2010/main" val="4024243761"/>
+        <p14:creationId xmlns:p14="http://schemas.microsoft.com/office/powerpoint/2010/main" val="150739120"/>
       </p:ext>
     </p:extLst>
   </p:cSld>
@@ -1307,6 +1257,188 @@
       </p:grpSpPr>
       <p:sp>
         <p:nvSpPr>
+          <p:cNvPr id="231" name="PlaceHolder 1"/>
+          <p:cNvSpPr>
+            <a:spLocks noGrp="1"/>
+          </p:cNvSpPr>
+          <p:nvPr>
+            <p:ph type="body"/>
+          </p:nvPr>
+        </p:nvSpPr>
+        <p:spPr>
+          <a:xfrm>
+            <a:off x="914400" y="3257640"/>
+            <a:ext cx="7314840" cy="3085920"/>
+          </a:xfrm>
+          <a:prstGeom prst="rect">
+            <a:avLst/>
+          </a:prstGeom>
+        </p:spPr>
+        <p:txBody>
+          <a:bodyPr/>
+          <a:lstStyle/>
+          <a:p>
+            <a:r>
+              <a:rPr lang="hu-HU" sz="2000" b="0" strike="noStrike" spc="-1" dirty="0" smtClean="0">
+                <a:latin typeface="Arial"/>
+              </a:rPr>
+              <a:t>Láthatóak</a:t>
+            </a:r>
+            <a:r>
+              <a:rPr lang="hu-HU" sz="2000" b="0" strike="noStrike" spc="-1" baseline="0" dirty="0" smtClean="0">
+                <a:latin typeface="Arial"/>
+              </a:rPr>
+              <a:t> </a:t>
+            </a:r>
+            <a:r>
+              <a:rPr lang="hu-HU" sz="2000" b="0" strike="noStrike" spc="-1" baseline="0" dirty="0" smtClean="0">
+                <a:latin typeface="Arial"/>
+              </a:rPr>
+              <a:t>a felhasználó adatai</a:t>
+            </a:r>
+          </a:p>
+          <a:p>
+            <a:pPr marL="457200" indent="-457200">
+              <a:buAutoNum type="arabicPeriod"/>
+            </a:pPr>
+            <a:r>
+              <a:rPr lang="hu-HU" sz="2000" b="0" strike="noStrike" spc="-1" baseline="0" dirty="0" smtClean="0">
+                <a:latin typeface="Arial"/>
+              </a:rPr>
+              <a:t>Tranzakciók száma a adatbázisban.</a:t>
+            </a:r>
+          </a:p>
+          <a:p>
+            <a:pPr marL="457200" indent="-457200">
+              <a:buAutoNum type="arabicPeriod"/>
+            </a:pPr>
+            <a:r>
+              <a:rPr lang="hu-HU" sz="2000" b="0" strike="noStrike" spc="-1" baseline="0" dirty="0" smtClean="0">
+                <a:latin typeface="Arial"/>
+              </a:rPr>
+              <a:t>Utolsó importálás ideje (Ahol tényleg importált be új tranzakciót, az ismétlődő tranzakciók kiszűrésénél nem frissül ez a dátum)</a:t>
+            </a:r>
+          </a:p>
+          <a:p>
+            <a:pPr marL="457200" indent="-457200">
+              <a:buAutoNum type="arabicPeriod"/>
+            </a:pPr>
+            <a:r>
+              <a:rPr lang="hu-HU" sz="2000" b="0" strike="noStrike" spc="-1" baseline="0" dirty="0" smtClean="0">
+                <a:latin typeface="Arial"/>
+              </a:rPr>
+              <a:t>Importálás szükségessége (Ha harminc nap eltelt az utolsó új tranzakció beimportálása óta, Zöld (nem szükséges), Piros(Erősen ajánlott) – megjelenik egy piros pipa a Harang felett a jobb felső sarokban)</a:t>
+            </a:r>
+          </a:p>
+          <a:p>
+            <a:pPr marL="457200" indent="-457200">
+              <a:buAutoNum type="arabicPeriod"/>
+            </a:pPr>
+            <a:r>
+              <a:rPr lang="hu-HU" sz="2000" b="0" strike="noStrike" spc="-1" baseline="0" dirty="0" smtClean="0">
+                <a:latin typeface="Arial"/>
+              </a:rPr>
+              <a:t>Ismétlődés gyanús tranzakcióknál 2 </a:t>
+            </a:r>
+            <a:r>
+              <a:rPr lang="hu-HU" sz="2000" b="0" strike="noStrike" spc="-1" baseline="0" dirty="0" err="1" smtClean="0">
+                <a:latin typeface="Arial"/>
+              </a:rPr>
+              <a:t>chechbox</a:t>
+            </a:r>
+            <a:r>
+              <a:rPr lang="hu-HU" sz="2000" b="0" strike="noStrike" spc="-1" baseline="0" dirty="0" smtClean="0">
+                <a:latin typeface="Arial"/>
+              </a:rPr>
+              <a:t> –Mindig kérdezzen rá, Sose kérdezzen rá. (Egyszerre nyilván csak egyet enged bepipálni).</a:t>
+            </a:r>
+            <a:endParaRPr lang="hu-HU" sz="2000" b="0" strike="noStrike" spc="-1" dirty="0">
+              <a:latin typeface="Arial"/>
+            </a:endParaRPr>
+          </a:p>
+        </p:txBody>
+      </p:sp>
+      <p:sp>
+        <p:nvSpPr>
+          <p:cNvPr id="232" name="TextShape 2"/>
+          <p:cNvSpPr txBox="1"/>
+          <p:nvPr/>
+        </p:nvSpPr>
+        <p:spPr>
+          <a:xfrm>
+            <a:off x="5179320" y="6513840"/>
+            <a:ext cx="3962160" cy="342720"/>
+          </a:xfrm>
+          <a:prstGeom prst="rect">
+            <a:avLst/>
+          </a:prstGeom>
+          <a:noFill/>
+          <a:ln>
+            <a:noFill/>
+          </a:ln>
+        </p:spPr>
+        <p:txBody>
+          <a:bodyPr anchor="b"/>
+          <a:lstStyle/>
+          <a:p>
+            <a:pPr algn="r">
+              <a:lnSpc>
+                <a:spcPct val="100000"/>
+              </a:lnSpc>
+            </a:pPr>
+            <a:fld id="{232F1420-44B4-4F4F-81E0-662CF8ECF5C7}" type="slidenum">
+              <a:rPr lang="hu-HU" sz="1200" b="0" strike="noStrike" spc="-1">
+                <a:solidFill>
+                  <a:srgbClr val="000000"/>
+                </a:solidFill>
+                <a:latin typeface="+mn-lt"/>
+                <a:ea typeface="+mn-ea"/>
+              </a:rPr>
+              <a:pPr algn="r">
+                <a:lnSpc>
+                  <a:spcPct val="100000"/>
+                </a:lnSpc>
+              </a:pPr>
+              <a:t>15</a:t>
+            </a:fld>
+            <a:endParaRPr lang="hu-HU" sz="1200" b="0" strike="noStrike" spc="-1">
+              <a:latin typeface="Times New Roman"/>
+            </a:endParaRPr>
+          </a:p>
+        </p:txBody>
+      </p:sp>
+    </p:spTree>
+    <p:extLst>
+      <p:ext uri="{BB962C8B-B14F-4D97-AF65-F5344CB8AC3E}">
+        <p14:creationId xmlns:p14="http://schemas.microsoft.com/office/powerpoint/2010/main" val="4024243761"/>
+      </p:ext>
+    </p:extLst>
+  </p:cSld>
+  <p:clrMapOvr>
+    <a:masterClrMapping/>
+  </p:clrMapOvr>
+</p:notes>
+</file>
+
+<file path=ppt/notesSlides/notesSlide15.xml><?xml version="1.0" encoding="utf-8"?>
+<p:notes xmlns:a="http://schemas.openxmlformats.org/drawingml/2006/main" xmlns:r="http://schemas.openxmlformats.org/officeDocument/2006/relationships" xmlns:p="http://schemas.openxmlformats.org/presentationml/2006/main">
+  <p:cSld>
+    <p:spTree>
+      <p:nvGrpSpPr>
+        <p:cNvPr id="1" name=""/>
+        <p:cNvGrpSpPr/>
+        <p:nvPr/>
+      </p:nvGrpSpPr>
+      <p:grpSpPr>
+        <a:xfrm>
+          <a:off x="0" y="0"/>
+          <a:ext cx="0" cy="0"/>
+          <a:chOff x="0" y="0"/>
+          <a:chExt cx="0" cy="0"/>
+        </a:xfrm>
+      </p:grpSpPr>
+      <p:sp>
+        <p:nvSpPr>
           <p:cNvPr id="235" name="PlaceHolder 1"/>
           <p:cNvSpPr>
             <a:spLocks noGrp="1"/>
@@ -1328,23 +1460,26 @@
           <a:bodyPr/>
           <a:lstStyle/>
           <a:p>
-            <a:pPr marL="285750" indent="-285750" algn="just"/>
-            <a:r>
-              <a:rPr lang="hu-HU" sz="2000" dirty="0" smtClean="0"/>
-              <a:t>A már importált, adatbázisban lévő adatok feldolgozása és statisztika készítése a felhasználó számára</a:t>
-            </a:r>
-          </a:p>
-          <a:p>
-            <a:pPr marL="285750" indent="-285750"/>
-            <a:r>
-              <a:rPr lang="hu-HU" sz="2000" dirty="0" smtClean="0"/>
-              <a:t>Ezen adatok megjelenítése egy táblázatban.</a:t>
-            </a:r>
-          </a:p>
-          <a:p>
-            <a:endParaRPr lang="hu-HU" sz="2000" b="0" strike="noStrike" spc="-1" dirty="0">
-              <a:latin typeface="Arial"/>
-            </a:endParaRPr>
+            <a:r>
+              <a:rPr lang="hu-HU" sz="2000" b="0" strike="noStrike" spc="-1" dirty="0" smtClean="0">
+                <a:latin typeface="Arial"/>
+              </a:rPr>
+              <a:t>C#</a:t>
+            </a:r>
+            <a:r>
+              <a:rPr lang="hu-HU" sz="2000" b="0" strike="noStrike" spc="-1" baseline="0" dirty="0" smtClean="0">
+                <a:latin typeface="Arial"/>
+              </a:rPr>
+              <a:t> </a:t>
+            </a:r>
+          </a:p>
+          <a:p>
+            <a:r>
+              <a:rPr lang="hu-HU" sz="2000" b="0" strike="noStrike" spc="-1" baseline="0" dirty="0" smtClean="0">
+                <a:latin typeface="Arial"/>
+              </a:rPr>
+              <a:t>XAML WPF Data Binding</a:t>
+            </a:r>
           </a:p>
         </p:txBody>
       </p:sp>
@@ -1410,7 +1545,7 @@
 </p:notes>
 </file>
 
-<file path=ppt/notesSlides/notesSlide15.xml><?xml version="1.0" encoding="utf-8"?>
+<file path=ppt/notesSlides/notesSlide16.xml><?xml version="1.0" encoding="utf-8"?>
 <p:notes xmlns:a="http://schemas.openxmlformats.org/drawingml/2006/main" xmlns:r="http://schemas.openxmlformats.org/officeDocument/2006/relationships" xmlns:p="http://schemas.openxmlformats.org/presentationml/2006/main">
   <p:cSld>
     <p:spTree>
@@ -1558,182 +1693,46 @@
           <a:bodyPr/>
           <a:lstStyle/>
           <a:p>
-            <a:r>
-              <a:rPr lang="hu-HU" sz="2000" b="0" strike="noStrike" spc="-1" dirty="0" smtClean="0">
-                <a:latin typeface="Arial"/>
-              </a:rPr>
-              <a:t>Sajnos </a:t>
-            </a:r>
-            <a:r>
-              <a:rPr lang="hu-HU" sz="2000" b="0" strike="noStrike" spc="-1" dirty="0">
-                <a:latin typeface="Arial"/>
-              </a:rPr>
-              <a:t>mindegyik </a:t>
-            </a:r>
-            <a:r>
-              <a:rPr lang="hu-HU" sz="2000" b="0" strike="noStrike" spc="-1" dirty="0" err="1">
-                <a:latin typeface="Arial"/>
-              </a:rPr>
-              <a:t>excel</a:t>
-            </a:r>
-            <a:r>
-              <a:rPr lang="hu-HU" sz="2000" b="0" strike="noStrike" spc="-1" dirty="0">
-                <a:latin typeface="Arial"/>
-              </a:rPr>
-              <a:t> fájlnak más az elrendezése, adatok formátuma.</a:t>
-            </a:r>
-          </a:p>
-          <a:p>
-            <a:r>
-              <a:rPr lang="hu-HU" sz="2000" b="0" strike="noStrike" spc="-1" dirty="0">
-                <a:latin typeface="Arial"/>
-              </a:rPr>
-              <a:t>(esetleg meg lehet említeni hogy a pénzügyi szoftverek főként Amerikában működnek ahol egységesítve van ez a rendszer)</a:t>
-            </a:r>
-          </a:p>
-          <a:p>
-            <a:r>
-              <a:rPr lang="hu-HU" sz="2000" b="0" strike="noStrike" spc="-1" dirty="0">
-                <a:latin typeface="Arial"/>
-              </a:rPr>
-              <a:t>Egyenleg oszlop esetleges hiány – eddig csak egy példa volt rá, de ezzel is számolni kell</a:t>
-            </a:r>
-          </a:p>
-          <a:p>
-            <a:r>
-              <a:rPr lang="hu-HU" sz="1200" b="0" strike="noStrike" spc="-1" dirty="0">
-                <a:latin typeface="Arial"/>
-              </a:rPr>
-              <a:t>Tranzakció leírása – melyiket akarja a felhasználó ?(Tranzakció típusa, Leírás, </a:t>
-            </a:r>
+            <a:pPr algn="l"/>
             <a:r>
               <a:rPr lang="hu-HU" sz="1200" b="0" strike="noStrike" spc="-1" dirty="0" smtClean="0">
                 <a:latin typeface="Arial"/>
               </a:rPr>
-              <a:t>Közlemény)</a:t>
-            </a:r>
-          </a:p>
-          <a:p>
-            <a:pPr marL="514440" indent="-456840">
-              <a:lnSpc>
-                <a:spcPct val="100000"/>
-              </a:lnSpc>
-              <a:spcBef>
-                <a:spcPts val="479"/>
-              </a:spcBef>
-              <a:buClr>
-                <a:srgbClr val="000000"/>
-              </a:buClr>
-              <a:buFont typeface="Arial"/>
-              <a:buChar char="•"/>
-            </a:pPr>
-            <a:r>
-              <a:rPr lang="hu-HU" sz="2400" b="0" strike="noStrike" spc="-1" dirty="0" smtClean="0">
-                <a:solidFill>
-                  <a:srgbClr val="000000"/>
-                </a:solidFill>
-                <a:latin typeface="Calibri"/>
-              </a:rPr>
-              <a:t>Példák:</a:t>
-            </a:r>
-          </a:p>
-          <a:p>
-            <a:pPr marL="743040" lvl="1" indent="-285480">
-              <a:lnSpc>
-                <a:spcPct val="100000"/>
-              </a:lnSpc>
-              <a:spcBef>
-                <a:spcPts val="400"/>
-              </a:spcBef>
-              <a:buClr>
-                <a:srgbClr val="000000"/>
-              </a:buClr>
-              <a:buFont typeface="Arial"/>
-              <a:buChar char="–"/>
-            </a:pPr>
-            <a:r>
-              <a:rPr lang="hu-HU" sz="2000" b="0" strike="noStrike" spc="-1" dirty="0" smtClean="0">
-                <a:solidFill>
-                  <a:srgbClr val="000000"/>
-                </a:solidFill>
-                <a:latin typeface="Calibri"/>
-              </a:rPr>
-              <a:t>Tranzakció Összege vagy Jóváírás,Terhelés</a:t>
-            </a:r>
-          </a:p>
-          <a:p>
-            <a:pPr marL="743040" lvl="1" indent="-285480">
-              <a:lnSpc>
-                <a:spcPct val="100000"/>
-              </a:lnSpc>
-              <a:spcBef>
-                <a:spcPts val="400"/>
-              </a:spcBef>
-              <a:buClr>
-                <a:srgbClr val="000000"/>
-              </a:buClr>
-              <a:buFont typeface="Arial"/>
-              <a:buChar char="–"/>
-            </a:pPr>
-            <a:r>
-              <a:rPr lang="hu-HU" sz="2000" b="0" strike="noStrike" spc="-1" dirty="0" smtClean="0">
-                <a:solidFill>
-                  <a:srgbClr val="000000"/>
-                </a:solidFill>
-                <a:latin typeface="Calibri"/>
-              </a:rPr>
-              <a:t>Cellák egyesítése, esetleges üres sorok</a:t>
-            </a:r>
-          </a:p>
-          <a:p>
-            <a:pPr marL="743040" lvl="1" indent="-285480">
-              <a:lnSpc>
-                <a:spcPct val="100000"/>
-              </a:lnSpc>
-              <a:spcBef>
-                <a:spcPts val="400"/>
-              </a:spcBef>
-              <a:buClr>
-                <a:srgbClr val="000000"/>
-              </a:buClr>
-              <a:buFont typeface="Arial"/>
-              <a:buChar char="–"/>
-            </a:pPr>
-            <a:r>
-              <a:rPr lang="hu-HU" sz="2000" b="0" strike="noStrike" spc="-1" dirty="0" smtClean="0">
-                <a:solidFill>
-                  <a:srgbClr val="000000"/>
-                </a:solidFill>
-                <a:latin typeface="Calibri"/>
-              </a:rPr>
-              <a:t>Több tranzakció leírására szolgáló oszlop.</a:t>
-            </a:r>
-          </a:p>
-          <a:p>
-            <a:pPr marL="743040" lvl="1" indent="-285480">
-              <a:lnSpc>
-                <a:spcPct val="100000"/>
-              </a:lnSpc>
-              <a:spcBef>
-                <a:spcPts val="400"/>
-              </a:spcBef>
-              <a:buClr>
-                <a:srgbClr val="000000"/>
-              </a:buClr>
-              <a:buFont typeface="Arial"/>
-              <a:buChar char="–"/>
-            </a:pPr>
-            <a:r>
-              <a:rPr lang="hu-HU" sz="2000" b="0" strike="noStrike" spc="-1" dirty="0" smtClean="0">
-                <a:solidFill>
-                  <a:srgbClr val="000000"/>
-                </a:solidFill>
-                <a:latin typeface="Calibri"/>
-              </a:rPr>
-              <a:t>Fájlonként külön sorban kezdődnek a tranzakciók.</a:t>
-            </a:r>
-          </a:p>
-          <a:p>
+              <a:t>Feri</a:t>
+            </a:r>
+            <a:r>
+              <a:rPr lang="hu-HU" sz="1200" b="0" strike="noStrike" spc="-1" baseline="0" dirty="0" smtClean="0">
+                <a:latin typeface="Arial"/>
+              </a:rPr>
+              <a:t> -&gt; 1 fiók -&gt; 1 letöltés -&gt; gyors áttekintés.</a:t>
+            </a:r>
+          </a:p>
+          <a:p>
+            <a:pPr algn="l"/>
+            <a:r>
+              <a:rPr lang="hu-HU" sz="1200" b="0" strike="noStrike" spc="-1" baseline="0" dirty="0" smtClean="0">
+                <a:latin typeface="Arial"/>
+              </a:rPr>
+              <a:t>Béla -&gt; 3 fiók -&gt; 3 letöltés (mindnek más a formátuma) -&gt; lassú áttekintés</a:t>
+            </a:r>
+          </a:p>
+          <a:p>
+            <a:pPr algn="l"/>
+            <a:r>
+              <a:rPr lang="hu-HU" sz="1200" b="0" strike="noStrike" spc="-1" baseline="0" dirty="0" smtClean="0">
+                <a:latin typeface="Arial"/>
+              </a:rPr>
+              <a:t>Ezt a lassú folyamatot szeretném megkönnyíteni, ezzel időt spórolva meg az embereknek.</a:t>
+            </a:r>
+          </a:p>
+          <a:p>
+            <a:pPr algn="l"/>
+            <a:r>
+              <a:rPr lang="hu-HU" sz="1200" b="0" strike="noStrike" spc="-1" baseline="0" dirty="0" smtClean="0">
+                <a:latin typeface="Arial"/>
+              </a:rPr>
+              <a:t>Mivel sokan inkább a rövidebb utat választják és nem követik nyomon a tranzakcióikat.</a:t>
+            </a:r>
             <a:endParaRPr lang="hu-HU" sz="1200" b="0" strike="noStrike" spc="-1" dirty="0">
               <a:latin typeface="Arial"/>
             </a:endParaRPr>
@@ -1985,7 +1984,88 @@
               <a:rPr lang="hu-HU" sz="2000" b="0" strike="noStrike" spc="-1" dirty="0">
                 <a:latin typeface="Arial"/>
               </a:rPr>
-              <a:t>A fenti ábrán az FHB bank által kiállított tranzakciós előzményeket láthatjuk. Észre vehetjük hogy véletlenszerűen üres sorokat tartalmaz, három tranzakció leíró oszlopot tartalmaz (Közlemény, Tranzakció típusa, Leírás).</a:t>
+              <a:t>A fenti ábrán az FHB bank által kiállított tranzakciós előzményeket láthatjuk. Észre vehetjük hogy véletlenszerűen üres sorokat </a:t>
+            </a:r>
+            <a:r>
+              <a:rPr lang="hu-HU" sz="2000" b="0" strike="noStrike" spc="-1" dirty="0" smtClean="0">
+                <a:solidFill>
+                  <a:srgbClr val="000000"/>
+                </a:solidFill>
+                <a:latin typeface="Calibri"/>
+              </a:rPr>
+              <a:t>FHB </a:t>
+            </a:r>
+            <a:r>
+              <a:rPr lang="hu-HU" sz="2000" b="0" strike="noStrike" spc="-1" dirty="0" err="1" smtClean="0">
+                <a:solidFill>
+                  <a:srgbClr val="000000"/>
+                </a:solidFill>
+                <a:latin typeface="Calibri"/>
+              </a:rPr>
+              <a:t>Bank</a:t>
+            </a:r>
+            <a:r>
+              <a:rPr lang="hu-HU" sz="2000" b="0" strike="noStrike" spc="-1" baseline="0" dirty="0" err="1" smtClean="0">
+                <a:solidFill>
+                  <a:srgbClr val="000000"/>
+                </a:solidFill>
+                <a:latin typeface="Calibri"/>
+              </a:rPr>
+              <a:t>-t</a:t>
+            </a:r>
+            <a:r>
+              <a:rPr lang="hu-HU" sz="2000" b="0" strike="noStrike" spc="-1" dirty="0" err="1" smtClean="0">
+                <a:solidFill>
+                  <a:srgbClr val="000000"/>
+                </a:solidFill>
+                <a:latin typeface="Calibri"/>
+              </a:rPr>
+              <a:t>ól</a:t>
+            </a:r>
+            <a:r>
+              <a:rPr lang="hu-HU" sz="2000" b="0" strike="noStrike" spc="-1" dirty="0" smtClean="0">
+                <a:solidFill>
+                  <a:srgbClr val="000000"/>
+                </a:solidFill>
+                <a:latin typeface="Calibri"/>
+              </a:rPr>
+              <a:t> </a:t>
+            </a:r>
+            <a:r>
+              <a:rPr lang="hu-HU" sz="2000" b="0" strike="noStrike" spc="-1" dirty="0" smtClean="0">
+                <a:solidFill>
+                  <a:srgbClr val="000000"/>
+                </a:solidFill>
+                <a:latin typeface="Calibri"/>
+              </a:rPr>
+              <a:t>letölthető számlatörténet, </a:t>
+            </a:r>
+            <a:r>
+              <a:rPr lang="hu-HU" sz="2000" b="0" strike="noStrike" spc="-1" dirty="0" smtClean="0">
+                <a:solidFill>
+                  <a:srgbClr val="000000"/>
+                </a:solidFill>
+                <a:latin typeface="Calibri"/>
+              </a:rPr>
+              <a:t>rendelkezik az </a:t>
+            </a:r>
+            <a:r>
+              <a:rPr lang="hu-HU" sz="2000" b="0" strike="noStrike" spc="-1" dirty="0" smtClean="0">
+                <a:solidFill>
+                  <a:srgbClr val="000000"/>
+                </a:solidFill>
+                <a:latin typeface="Calibri"/>
+              </a:rPr>
+              <a:t>egyik </a:t>
+            </a:r>
+            <a:r>
+              <a:rPr lang="hu-HU" sz="2000" b="0" strike="noStrike" spc="-1" dirty="0" smtClean="0">
+                <a:solidFill>
+                  <a:srgbClr val="000000"/>
+                </a:solidFill>
+                <a:latin typeface="Calibri"/>
+              </a:rPr>
+              <a:t>legbarátságtalanabb formátummal.</a:t>
             </a:r>
           </a:p>
           <a:p>
@@ -2007,57 +2087,16 @@
               <a:defRPr/>
             </a:pPr>
             <a:r>
-              <a:rPr lang="hu-HU" sz="2000" b="0" strike="noStrike" spc="-1" dirty="0" smtClean="0">
-                <a:solidFill>
-                  <a:srgbClr val="000000"/>
-                </a:solidFill>
-                <a:latin typeface="Calibri"/>
-              </a:rPr>
-              <a:t>FHB </a:t>
-            </a:r>
-            <a:r>
-              <a:rPr lang="hu-HU" sz="2000" b="0" strike="noStrike" spc="-1" dirty="0" err="1" smtClean="0">
-                <a:solidFill>
-                  <a:srgbClr val="000000"/>
-                </a:solidFill>
-                <a:latin typeface="Calibri"/>
-              </a:rPr>
-              <a:t>Bank-ból</a:t>
-            </a:r>
-            <a:r>
-              <a:rPr lang="hu-HU" sz="2000" b="0" strike="noStrike" spc="-1" dirty="0" smtClean="0">
-                <a:solidFill>
-                  <a:srgbClr val="000000"/>
-                </a:solidFill>
-                <a:latin typeface="Calibri"/>
-              </a:rPr>
-              <a:t> letölthető számlatörténet, az egyik legbarátságtalanabb.</a:t>
-            </a:r>
-          </a:p>
-          <a:p>
-            <a:pPr>
-              <a:lnSpc>
-                <a:spcPct val="100000"/>
-              </a:lnSpc>
-            </a:pPr>
-            <a:r>
-              <a:rPr lang="hu-HU" sz="2000" b="0" strike="noStrike" spc="-1" dirty="0" smtClean="0">
-                <a:latin typeface="+mn-lt"/>
-              </a:rPr>
-              <a:t>Valamint csak véletlenszerűen van kitöltve az Egyenleg cella tartalma.</a:t>
-            </a:r>
-          </a:p>
-          <a:p>
-            <a:pPr>
-              <a:lnSpc>
-                <a:spcPct val="100000"/>
-              </a:lnSpc>
-            </a:pPr>
-            <a:r>
               <a:rPr lang="hu-HU" sz="3600" b="0" strike="noStrike" spc="-1" dirty="0" smtClean="0">
                 <a:latin typeface="+mn-lt"/>
               </a:rPr>
-              <a:t>Még a fióktulajdonos számára is nehezen átlátható ez a fájl.</a:t>
+              <a:t>Még </a:t>
+            </a:r>
+            <a:r>
+              <a:rPr lang="hu-HU" sz="3600" b="0" strike="noStrike" spc="-1" dirty="0" smtClean="0">
+                <a:latin typeface="+mn-lt"/>
+              </a:rPr>
+              <a:t>a fióktulajdonos számára is nehezen átlátható ez a fájl.</a:t>
             </a:r>
           </a:p>
           <a:p>
@@ -2688,47 +2727,10 @@
           <a:lstStyle/>
           <a:p>
             <a:r>
-              <a:rPr lang="hu-HU" sz="2000" b="0" strike="noStrike" spc="-1" dirty="0">
-                <a:latin typeface="Arial"/>
-              </a:rPr>
-              <a:t>Láthatjuk a 4 adatot ami alapján azonosítani lehet egy tranzakciót, mennyi tranzakció lesz importálva és milyen adatokkal</a:t>
-            </a:r>
-            <a:r>
               <a:rPr lang="hu-HU" sz="2000" b="0" strike="noStrike" spc="-1" dirty="0" smtClean="0">
                 <a:latin typeface="Arial"/>
               </a:rPr>
-              <a:t>.</a:t>
-            </a:r>
-          </a:p>
-          <a:p>
-            <a:r>
-              <a:rPr lang="hu-HU" sz="2000" b="0" strike="noStrike" spc="-1" dirty="0" smtClean="0">
-                <a:latin typeface="Arial"/>
-              </a:rPr>
-              <a:t>Először</a:t>
-            </a:r>
-            <a:r>
-              <a:rPr lang="hu-HU" sz="2000" b="0" strike="noStrike" spc="-1" baseline="0" dirty="0" smtClean="0">
-                <a:latin typeface="Arial"/>
-              </a:rPr>
-              <a:t> kép a </a:t>
-            </a:r>
-            <a:r>
-              <a:rPr lang="hu-HU" sz="2000" b="0" strike="noStrike" spc="-1" baseline="0" dirty="0" err="1" smtClean="0">
-                <a:latin typeface="Arial"/>
-              </a:rPr>
-              <a:t>YNABról</a:t>
-            </a:r>
-            <a:endParaRPr lang="hu-HU" sz="2000" b="0" strike="noStrike" spc="-1" baseline="0" dirty="0">
-              <a:latin typeface="Arial"/>
-            </a:endParaRPr>
-          </a:p>
-          <a:p>
-            <a:r>
-              <a:rPr lang="hu-HU" sz="2000" b="0" strike="noStrike" spc="-1" baseline="0" dirty="0" smtClean="0">
-                <a:latin typeface="Arial"/>
-              </a:rPr>
-              <a:t>A Többi alkalmazás</a:t>
+              <a:t>Láthatjuk a 4 adatot ami alapján azonosítani lehet egy tranzakciót, mennyi tranzakció lesz importálva és milyen adatokkal.</a:t>
             </a:r>
           </a:p>
         </p:txBody>
@@ -2836,48 +2838,30 @@
           <a:lstStyle/>
           <a:p>
             <a:r>
-              <a:rPr lang="hu-HU" sz="2000" b="0" strike="noStrike" spc="-1" dirty="0">
-                <a:latin typeface="Arial"/>
-              </a:rPr>
-              <a:t>Láthatjuk a 4 adatot ami alapján azonosítani lehet egy tranzakciót, mennyi tranzakció lesz importálva és milyen adatokkal</a:t>
-            </a:r>
-            <a:r>
-              <a:rPr lang="hu-HU" sz="2000" b="0" strike="noStrike" spc="-1" dirty="0" smtClean="0">
-                <a:latin typeface="Arial"/>
-              </a:rPr>
-              <a:t>.</a:t>
-            </a:r>
-          </a:p>
-          <a:p>
-            <a:r>
-              <a:rPr lang="hu-HU" sz="2000" b="0" strike="noStrike" spc="-1" dirty="0" smtClean="0">
-                <a:latin typeface="Arial"/>
-              </a:rPr>
-              <a:t>Először</a:t>
-            </a:r>
-            <a:r>
               <a:rPr lang="hu-HU" sz="2000" b="0" strike="noStrike" spc="-1" baseline="0" dirty="0" smtClean="0">
                 <a:latin typeface="Arial"/>
               </a:rPr>
-              <a:t> kép a </a:t>
-            </a:r>
-            <a:r>
-              <a:rPr lang="hu-HU" sz="2000" b="0" strike="noStrike" spc="-1" baseline="0" dirty="0" err="1" smtClean="0">
-                <a:latin typeface="Arial"/>
-              </a:rPr>
-              <a:t>YNABról</a:t>
-            </a:r>
-            <a:endParaRPr lang="hu-HU" sz="2000" b="0" strike="noStrike" spc="-1" baseline="0" dirty="0">
-              <a:latin typeface="Arial"/>
-            </a:endParaRPr>
+              <a:t>Mindegyik rendelkezik univerzális beolvasóval.</a:t>
+            </a:r>
           </a:p>
           <a:p>
             <a:r>
               <a:rPr lang="hu-HU" sz="2000" b="0" strike="noStrike" spc="-1" baseline="0" dirty="0" smtClean="0">
                 <a:latin typeface="Arial"/>
               </a:rPr>
-              <a:t>A Többi alkalmazás</a:t>
-            </a:r>
+              <a:t>Mindegyiknek van fizetős funkciói, de van próbaidőszak többségben.</a:t>
+            </a:r>
+          </a:p>
+          <a:p>
+            <a:r>
+              <a:rPr lang="hu-HU" sz="2000" b="0" strike="noStrike" spc="-1" baseline="0" dirty="0" smtClean="0">
+                <a:latin typeface="Arial"/>
+              </a:rPr>
+              <a:t>Befektetéseket viszont csak kettő tud kezelni.</a:t>
+            </a:r>
+            <a:endParaRPr lang="hu-HU" sz="2000" b="0" strike="noStrike" spc="-1" baseline="0" dirty="0" smtClean="0">
+              <a:latin typeface="Arial"/>
+            </a:endParaRPr>
           </a:p>
         </p:txBody>
       </p:sp>
@@ -3237,7 +3221,7 @@
               </a:lnSpc>
             </a:pPr>
             <a:r>
-              <a:rPr lang="hu-HU" sz="2000" b="0" strike="noStrike" spc="-1">
+              <a:rPr lang="hu-HU" sz="2000" b="0" strike="noStrike" spc="-1" dirty="0">
                 <a:latin typeface="Arial"/>
               </a:rPr>
               <a:t>1.	Valahol 8-8-8 , valahol 8-8 , valahol a végén HUF</a:t>
@@ -3250,10 +3234,22 @@
               </a:lnSpc>
             </a:pPr>
             <a:r>
-              <a:rPr lang="hu-HU" sz="2000" b="0" strike="noStrike" spc="-1">
+              <a:rPr lang="hu-HU" sz="2000" b="0" strike="noStrike" spc="-1" dirty="0">
                 <a:latin typeface="Arial"/>
               </a:rPr>
-              <a:t>2. 	2012-12-10, 2012/12/10 , 2012- 08- 11     kötőjel,pont,spacekkel elválasztva</a:t>
+              <a:t>2. 	2012-12-10, 2012/12/10 , 2012- 08- 11     kötőjel,pont,</a:t>
+            </a:r>
+            <a:r>
+              <a:rPr lang="hu-HU" sz="2000" b="0" strike="noStrike" spc="-1" dirty="0" err="1">
+                <a:latin typeface="Arial"/>
+              </a:rPr>
+              <a:t>spacekkel</a:t>
+            </a:r>
+            <a:r>
+              <a:rPr lang="hu-HU" sz="2000" b="0" strike="noStrike" spc="-1" dirty="0">
+                <a:latin typeface="Arial"/>
+              </a:rPr>
+              <a:t> elválasztva</a:t>
             </a:r>
           </a:p>
           <a:p>
@@ -3263,7 +3259,7 @@
               </a:lnSpc>
             </a:pPr>
             <a:r>
-              <a:rPr lang="hu-HU" sz="2000" b="0" strike="noStrike" spc="-1">
+              <a:rPr lang="hu-HU" sz="2000" b="0" strike="noStrike" spc="-1" dirty="0">
                 <a:latin typeface="Arial"/>
               </a:rPr>
               <a:t>3.	Jóváírás,Terhelés</a:t>
@@ -3276,7 +3272,7 @@
               </a:lnSpc>
             </a:pPr>
             <a:r>
-              <a:rPr lang="hu-HU" sz="2000" b="0" strike="noStrike" spc="-1">
+              <a:rPr lang="hu-HU" sz="2000" b="0" strike="noStrike" spc="-1" dirty="0">
                 <a:latin typeface="Arial"/>
               </a:rPr>
               <a:t>3.	Felhasználó dönthesse el melyiket importálja</a:t>
@@ -7937,7 +7933,7 @@
             </a:endParaRPr>
           </a:p>
           <a:p>
-            <a:pPr marL="685800" lvl="1" indent="-285480">
+            <a:pPr marL="743220" lvl="1" indent="-342900">
               <a:lnSpc>
                 <a:spcPct val="100000"/>
               </a:lnSpc>
@@ -7947,8 +7943,8 @@
               <a:buClr>
                 <a:srgbClr val="000000"/>
               </a:buClr>
-              <a:buFont typeface="Arial"/>
-              <a:buChar char="–"/>
+              <a:buFont typeface="Arial" panose="020B0604020202020204" pitchFamily="34" charset="0"/>
+              <a:buChar char="•"/>
             </a:pPr>
             <a:r>
               <a:rPr lang="hu-HU" sz="2400" b="0" strike="noStrike" spc="-1" dirty="0">
@@ -7959,46 +7955,6 @@
               </a:rPr>
               <a:t>legtöbb fájlban erre több megfelelő oszlop is van</a:t>
             </a:r>
-          </a:p>
-        </p:txBody>
-      </p:sp>
-      <p:sp>
-        <p:nvSpPr>
-          <p:cNvPr id="184" name="TextShape 3"/>
-          <p:cNvSpPr txBox="1"/>
-          <p:nvPr/>
-        </p:nvSpPr>
-        <p:spPr>
-          <a:xfrm>
-            <a:off x="7010640" y="6580800"/>
-            <a:ext cx="2133360" cy="220680"/>
-          </a:xfrm>
-          <a:prstGeom prst="rect">
-            <a:avLst/>
-          </a:prstGeom>
-          <a:noFill/>
-          <a:ln>
-            <a:noFill/>
-          </a:ln>
-        </p:spPr>
-        <p:txBody>
-          <a:bodyPr anchor="ctr"/>
-          <a:lstStyle/>
-          <a:p>
-            <a:pPr algn="r">
-              <a:lnSpc>
-                <a:spcPct val="100000"/>
-              </a:lnSpc>
-            </a:pPr>
-            <a:r>
-              <a:rPr lang="hu-HU" sz="1600" b="0" strike="noStrike" spc="-1" dirty="0" smtClean="0">
-                <a:latin typeface="Calibri"/>
-              </a:rPr>
-              <a:t>9/15</a:t>
-            </a:r>
-            <a:endParaRPr lang="hu-HU" sz="1600" b="0" strike="noStrike" spc="-1" dirty="0">
-              <a:latin typeface="Times New Roman"/>
-            </a:endParaRPr>
           </a:p>
         </p:txBody>
       </p:sp>
@@ -8110,6 +8066,52 @@
             </a:r>
             <a:endParaRPr lang="hu-HU" b="0" strike="noStrike" spc="-1" dirty="0">
               <a:latin typeface="Arial"/>
+            </a:endParaRPr>
+          </a:p>
+        </p:txBody>
+      </p:sp>
+      <p:sp>
+        <p:nvSpPr>
+          <p:cNvPr id="10" name="TextShape 2"/>
+          <p:cNvSpPr txBox="1"/>
+          <p:nvPr/>
+        </p:nvSpPr>
+        <p:spPr>
+          <a:xfrm>
+            <a:off x="6975000" y="6580800"/>
+            <a:ext cx="2133360" cy="220680"/>
+          </a:xfrm>
+          <a:prstGeom prst="rect">
+            <a:avLst/>
+          </a:prstGeom>
+          <a:noFill/>
+          <a:ln>
+            <a:noFill/>
+          </a:ln>
+        </p:spPr>
+        <p:txBody>
+          <a:bodyPr anchor="ctr"/>
+          <a:lstStyle/>
+          <a:p>
+            <a:pPr algn="r">
+              <a:lnSpc>
+                <a:spcPct val="100000"/>
+              </a:lnSpc>
+            </a:pPr>
+            <a:r>
+              <a:rPr lang="hu-HU" sz="1600" spc="-1" dirty="0">
+                <a:latin typeface="Calibri"/>
+              </a:rPr>
+              <a:t>9</a:t>
+            </a:r>
+            <a:r>
+              <a:rPr lang="hu-HU" sz="1600" b="0" strike="noStrike" spc="-1" dirty="0" smtClean="0">
+                <a:latin typeface="Calibri"/>
+              </a:rPr>
+              <a:t>/16</a:t>
+            </a:r>
+            <a:endParaRPr lang="hu-HU" sz="1600" b="0" strike="noStrike" spc="-1" dirty="0">
+              <a:latin typeface="Times New Roman"/>
             </a:endParaRPr>
           </a:p>
         </p:txBody>
@@ -8171,6 +8173,577 @@
       </p:grpSpPr>
       <p:sp>
         <p:nvSpPr>
+          <p:cNvPr id="4" name="CustomShape 3"/>
+          <p:cNvSpPr/>
+          <p:nvPr/>
+        </p:nvSpPr>
+        <p:spPr>
+          <a:xfrm>
+            <a:off x="0" y="6524280"/>
+            <a:ext cx="9144000" cy="333720"/>
+          </a:xfrm>
+          <a:prstGeom prst="rect">
+            <a:avLst/>
+          </a:prstGeom>
+          <a:noFill/>
+          <a:ln>
+            <a:noFill/>
+          </a:ln>
+        </p:spPr>
+        <p:style>
+          <a:lnRef idx="0">
+            <a:scrgbClr r="0" g="0" b="0"/>
+          </a:lnRef>
+          <a:fillRef idx="0">
+            <a:scrgbClr r="0" g="0" b="0"/>
+          </a:fillRef>
+          <a:effectRef idx="0">
+            <a:scrgbClr r="0" g="0" b="0"/>
+          </a:effectRef>
+          <a:fontRef idx="minor"/>
+        </p:style>
+        <p:txBody>
+          <a:bodyPr lIns="90000" tIns="45000" rIns="90000" bIns="45000"/>
+          <a:lstStyle/>
+          <a:p>
+            <a:pPr>
+              <a:lnSpc>
+                <a:spcPct val="100000"/>
+              </a:lnSpc>
+            </a:pPr>
+            <a:r>
+              <a:rPr lang="hu-HU" b="0" strike="noStrike" spc="-1" dirty="0" smtClean="0">
+                <a:latin typeface="Calibri"/>
+              </a:rPr>
+              <a:t>Tóth </a:t>
+            </a:r>
+            <a:r>
+              <a:rPr lang="hu-HU" b="0" strike="noStrike" spc="-1" dirty="0" smtClean="0">
+                <a:latin typeface="Calibri"/>
+              </a:rPr>
+              <a:t>Patrik </a:t>
+            </a:r>
+            <a:r>
+              <a:rPr lang="hu-HU" spc="-1" dirty="0">
+                <a:latin typeface="Calibri"/>
+              </a:rPr>
+              <a:t>Csaba : Személyes Pénzügyi nyilvántartáshoz Importáló megvalósítása </a:t>
+            </a:r>
+            <a:endParaRPr lang="hu-HU" b="0" strike="noStrike" spc="-1" dirty="0">
+              <a:latin typeface="Arial"/>
+            </a:endParaRPr>
+          </a:p>
+        </p:txBody>
+      </p:sp>
+      <p:sp>
+        <p:nvSpPr>
+          <p:cNvPr id="5" name="CustomShape 4"/>
+          <p:cNvSpPr/>
+          <p:nvPr/>
+        </p:nvSpPr>
+        <p:spPr>
+          <a:xfrm>
+            <a:off x="73080" y="0"/>
+            <a:ext cx="9035280" cy="333720"/>
+          </a:xfrm>
+          <a:prstGeom prst="rect">
+            <a:avLst/>
+          </a:prstGeom>
+          <a:noFill/>
+          <a:ln>
+            <a:noFill/>
+          </a:ln>
+        </p:spPr>
+        <p:style>
+          <a:lnRef idx="0">
+            <a:scrgbClr r="0" g="0" b="0"/>
+          </a:lnRef>
+          <a:fillRef idx="0">
+            <a:scrgbClr r="0" g="0" b="0"/>
+          </a:fillRef>
+          <a:effectRef idx="0">
+            <a:scrgbClr r="0" g="0" b="0"/>
+          </a:effectRef>
+          <a:fontRef idx="minor"/>
+        </p:style>
+        <p:txBody>
+          <a:bodyPr lIns="90000" tIns="45000" rIns="90000" bIns="45000"/>
+          <a:lstStyle/>
+          <a:p>
+            <a:pPr>
+              <a:lnSpc>
+                <a:spcPct val="100000"/>
+              </a:lnSpc>
+            </a:pPr>
+            <a:r>
+              <a:rPr lang="hu-HU" b="0" strike="noStrike" spc="-1" dirty="0" smtClean="0">
+                <a:latin typeface="Calibri"/>
+              </a:rPr>
+              <a:t>Megvalósítás</a:t>
+            </a:r>
+            <a:endParaRPr lang="hu-HU" b="0" strike="noStrike" spc="-1" dirty="0">
+              <a:latin typeface="Arial"/>
+            </a:endParaRPr>
+          </a:p>
+        </p:txBody>
+      </p:sp>
+      <p:sp>
+        <p:nvSpPr>
+          <p:cNvPr id="7" name="TextShape 1"/>
+          <p:cNvSpPr txBox="1"/>
+          <p:nvPr/>
+        </p:nvSpPr>
+        <p:spPr>
+          <a:xfrm>
+            <a:off x="-35640" y="-11008"/>
+            <a:ext cx="9144000" cy="1340280"/>
+          </a:xfrm>
+          <a:prstGeom prst="rect">
+            <a:avLst/>
+          </a:prstGeom>
+          <a:noFill/>
+          <a:ln>
+            <a:noFill/>
+          </a:ln>
+        </p:spPr>
+        <p:txBody>
+          <a:bodyPr anchor="ctr">
+            <a:noAutofit/>
+          </a:bodyPr>
+          <a:lstStyle/>
+          <a:p>
+            <a:pPr algn="ctr">
+              <a:lnSpc>
+                <a:spcPct val="100000"/>
+              </a:lnSpc>
+            </a:pPr>
+            <a:r>
+              <a:rPr lang="hu-HU" sz="4000" spc="-1" dirty="0" smtClean="0">
+                <a:solidFill>
+                  <a:srgbClr val="000000"/>
+                </a:solidFill>
+                <a:latin typeface="Calibri"/>
+              </a:rPr>
+              <a:t>Használt technológiák</a:t>
+            </a:r>
+          </a:p>
+        </p:txBody>
+      </p:sp>
+      <p:pic>
+        <p:nvPicPr>
+          <p:cNvPr id="8" name="Kép 7"/>
+          <p:cNvPicPr>
+            <a:picLocks noChangeAspect="1"/>
+          </p:cNvPicPr>
+          <p:nvPr/>
+        </p:nvPicPr>
+        <p:blipFill>
+          <a:blip r:embed="rId3" cstate="print">
+            <a:extLst>
+              <a:ext uri="{28A0092B-C50C-407E-A947-70E740481C1C}">
+                <a14:useLocalDpi xmlns:a14="http://schemas.microsoft.com/office/drawing/2010/main" val="0"/>
+              </a:ext>
+            </a:extLst>
+          </a:blip>
+          <a:stretch>
+            <a:fillRect/>
+          </a:stretch>
+        </p:blipFill>
+        <p:spPr>
+          <a:xfrm>
+            <a:off x="4235343" y="1329272"/>
+            <a:ext cx="2068085" cy="1080000"/>
+          </a:xfrm>
+          <a:prstGeom prst="rect">
+            <a:avLst/>
+          </a:prstGeom>
+        </p:spPr>
+      </p:pic>
+      <p:pic>
+        <p:nvPicPr>
+          <p:cNvPr id="9" name="Kép 8"/>
+          <p:cNvPicPr>
+            <a:picLocks noChangeAspect="1"/>
+          </p:cNvPicPr>
+          <p:nvPr/>
+        </p:nvPicPr>
+        <p:blipFill>
+          <a:blip r:embed="rId4" cstate="print">
+            <a:extLst>
+              <a:ext uri="{28A0092B-C50C-407E-A947-70E740481C1C}">
+                <a14:useLocalDpi xmlns:a14="http://schemas.microsoft.com/office/drawing/2010/main" val="0"/>
+              </a:ext>
+            </a:extLst>
+          </a:blip>
+          <a:stretch>
+            <a:fillRect/>
+          </a:stretch>
+        </p:blipFill>
+        <p:spPr>
+          <a:xfrm>
+            <a:off x="4212231" y="2091218"/>
+            <a:ext cx="1080000" cy="1080000"/>
+          </a:xfrm>
+          <a:prstGeom prst="rect">
+            <a:avLst/>
+          </a:prstGeom>
+        </p:spPr>
+      </p:pic>
+      <p:pic>
+        <p:nvPicPr>
+          <p:cNvPr id="10" name="Kép 9"/>
+          <p:cNvPicPr>
+            <a:picLocks noChangeAspect="1"/>
+          </p:cNvPicPr>
+          <p:nvPr/>
+        </p:nvPicPr>
+        <p:blipFill>
+          <a:blip r:embed="rId5" cstate="print">
+            <a:extLst>
+              <a:ext uri="{28A0092B-C50C-407E-A947-70E740481C1C}">
+                <a14:useLocalDpi xmlns:a14="http://schemas.microsoft.com/office/drawing/2010/main" val="0"/>
+              </a:ext>
+            </a:extLst>
+          </a:blip>
+          <a:stretch>
+            <a:fillRect/>
+          </a:stretch>
+        </p:blipFill>
+        <p:spPr>
+          <a:xfrm>
+            <a:off x="4212231" y="4332424"/>
+            <a:ext cx="1377991" cy="360000"/>
+          </a:xfrm>
+          <a:prstGeom prst="rect">
+            <a:avLst/>
+          </a:prstGeom>
+        </p:spPr>
+      </p:pic>
+      <p:pic>
+        <p:nvPicPr>
+          <p:cNvPr id="11" name="Kép 10"/>
+          <p:cNvPicPr>
+            <a:picLocks noChangeAspect="1"/>
+          </p:cNvPicPr>
+          <p:nvPr/>
+        </p:nvPicPr>
+        <p:blipFill>
+          <a:blip r:embed="rId6" cstate="print">
+            <a:extLst>
+              <a:ext uri="{28A0092B-C50C-407E-A947-70E740481C1C}">
+                <a14:useLocalDpi xmlns:a14="http://schemas.microsoft.com/office/drawing/2010/main" val="0"/>
+              </a:ext>
+            </a:extLst>
+          </a:blip>
+          <a:stretch>
+            <a:fillRect/>
+          </a:stretch>
+        </p:blipFill>
+        <p:spPr>
+          <a:xfrm>
+            <a:off x="3894287" y="2997925"/>
+            <a:ext cx="1715888" cy="1080000"/>
+          </a:xfrm>
+          <a:prstGeom prst="rect">
+            <a:avLst/>
+          </a:prstGeom>
+        </p:spPr>
+      </p:pic>
+      <p:sp>
+        <p:nvSpPr>
+          <p:cNvPr id="12" name="Szövegdoboz 11"/>
+          <p:cNvSpPr txBox="1"/>
+          <p:nvPr/>
+        </p:nvSpPr>
+        <p:spPr>
+          <a:xfrm>
+            <a:off x="5621094" y="3200709"/>
+            <a:ext cx="3483242" cy="369332"/>
+          </a:xfrm>
+          <a:prstGeom prst="rect">
+            <a:avLst/>
+          </a:prstGeom>
+          <a:noFill/>
+        </p:spPr>
+        <p:txBody>
+          <a:bodyPr wrap="square" rtlCol="0">
+            <a:spAutoFit/>
+          </a:bodyPr>
+          <a:lstStyle/>
+          <a:p>
+            <a:r>
+              <a:rPr lang="hu-HU" dirty="0" smtClean="0"/>
+              <a:t>Windows Form App (WPF)</a:t>
+            </a:r>
+            <a:endParaRPr lang="hu-HU" dirty="0"/>
+          </a:p>
+        </p:txBody>
+      </p:sp>
+      <p:sp>
+        <p:nvSpPr>
+          <p:cNvPr id="13" name="Szövegdoboz 12"/>
+          <p:cNvSpPr txBox="1"/>
+          <p:nvPr/>
+        </p:nvSpPr>
+        <p:spPr>
+          <a:xfrm>
+            <a:off x="5658614" y="3556718"/>
+            <a:ext cx="3483242" cy="369332"/>
+          </a:xfrm>
+          <a:prstGeom prst="rect">
+            <a:avLst/>
+          </a:prstGeom>
+          <a:noFill/>
+        </p:spPr>
+        <p:txBody>
+          <a:bodyPr wrap="square" rtlCol="0">
+            <a:spAutoFit/>
+          </a:bodyPr>
+          <a:lstStyle/>
+          <a:p>
+            <a:r>
+              <a:rPr lang="hu-HU" dirty="0" smtClean="0"/>
+              <a:t>Data Binding</a:t>
+            </a:r>
+            <a:endParaRPr lang="hu-HU" dirty="0"/>
+          </a:p>
+        </p:txBody>
+      </p:sp>
+      <p:pic>
+        <p:nvPicPr>
+          <p:cNvPr id="14" name="Kép 13"/>
+          <p:cNvPicPr>
+            <a:picLocks noChangeAspect="1"/>
+          </p:cNvPicPr>
+          <p:nvPr/>
+        </p:nvPicPr>
+        <p:blipFill>
+          <a:blip r:embed="rId7" cstate="print">
+            <a:extLst>
+              <a:ext uri="{28A0092B-C50C-407E-A947-70E740481C1C}">
+                <a14:useLocalDpi xmlns:a14="http://schemas.microsoft.com/office/drawing/2010/main" val="0"/>
+              </a:ext>
+            </a:extLst>
+          </a:blip>
+          <a:stretch>
+            <a:fillRect/>
+          </a:stretch>
+        </p:blipFill>
+        <p:spPr>
+          <a:xfrm>
+            <a:off x="4392231" y="4941248"/>
+            <a:ext cx="720000" cy="720000"/>
+          </a:xfrm>
+          <a:prstGeom prst="rect">
+            <a:avLst/>
+          </a:prstGeom>
+        </p:spPr>
+      </p:pic>
+      <p:sp>
+        <p:nvSpPr>
+          <p:cNvPr id="15" name="Szövegdoboz 14"/>
+          <p:cNvSpPr txBox="1"/>
+          <p:nvPr/>
+        </p:nvSpPr>
+        <p:spPr>
+          <a:xfrm>
+            <a:off x="291258" y="1691266"/>
+            <a:ext cx="3848694" cy="4062651"/>
+          </a:xfrm>
+          <a:prstGeom prst="rect">
+            <a:avLst/>
+          </a:prstGeom>
+          <a:noFill/>
+        </p:spPr>
+        <p:txBody>
+          <a:bodyPr wrap="square" rtlCol="0">
+            <a:spAutoFit/>
+          </a:bodyPr>
+          <a:lstStyle/>
+          <a:p>
+            <a:pPr marL="285750" indent="-285750">
+              <a:buFont typeface="Arial" panose="020B0604020202020204" pitchFamily="34" charset="0"/>
+              <a:buChar char="•"/>
+            </a:pPr>
+            <a:r>
+              <a:rPr lang="hu-HU" sz="2400" dirty="0" smtClean="0"/>
+              <a:t>Fejlesztői környezet:</a:t>
+            </a:r>
+          </a:p>
+          <a:p>
+            <a:pPr marL="285750" indent="-285750">
+              <a:buFont typeface="Arial" panose="020B0604020202020204" pitchFamily="34" charset="0"/>
+              <a:buChar char="•"/>
+            </a:pPr>
+            <a:endParaRPr lang="hu-HU" sz="2400" dirty="0" smtClean="0"/>
+          </a:p>
+          <a:p>
+            <a:pPr marL="285750" indent="-285750">
+              <a:buFont typeface="Arial" panose="020B0604020202020204" pitchFamily="34" charset="0"/>
+              <a:buChar char="•"/>
+            </a:pPr>
+            <a:r>
+              <a:rPr lang="hu-HU" sz="2400" dirty="0"/>
+              <a:t>Programozási nyelv</a:t>
+            </a:r>
+            <a:r>
+              <a:rPr lang="hu-HU" sz="2400" dirty="0" smtClean="0"/>
+              <a:t>:</a:t>
+            </a:r>
+          </a:p>
+          <a:p>
+            <a:pPr marL="285750" indent="-285750">
+              <a:buFont typeface="Arial" panose="020B0604020202020204" pitchFamily="34" charset="0"/>
+              <a:buChar char="•"/>
+            </a:pPr>
+            <a:endParaRPr lang="hu-HU" sz="2400" dirty="0" smtClean="0"/>
+          </a:p>
+          <a:p>
+            <a:pPr marL="285750" indent="-285750">
+              <a:buFont typeface="Arial" panose="020B0604020202020204" pitchFamily="34" charset="0"/>
+              <a:buChar char="•"/>
+            </a:pPr>
+            <a:r>
+              <a:rPr lang="hu-HU" sz="2400" dirty="0"/>
+              <a:t>Grafikus felülethez használt </a:t>
+            </a:r>
+            <a:r>
+              <a:rPr lang="hu-HU" sz="2400" dirty="0" smtClean="0"/>
+              <a:t>komponensek:</a:t>
+            </a:r>
+          </a:p>
+          <a:p>
+            <a:pPr marL="285750" indent="-285750">
+              <a:buFont typeface="Arial" panose="020B0604020202020204" pitchFamily="34" charset="0"/>
+              <a:buChar char="•"/>
+            </a:pPr>
+            <a:endParaRPr lang="hu-HU" sz="2400" dirty="0" smtClean="0"/>
+          </a:p>
+          <a:p>
+            <a:pPr marL="285750" indent="-285750">
+              <a:buFont typeface="Arial" panose="020B0604020202020204" pitchFamily="34" charset="0"/>
+              <a:buChar char="•"/>
+            </a:pPr>
+            <a:r>
+              <a:rPr lang="hu-HU" sz="2400" dirty="0" smtClean="0"/>
+              <a:t>Verziókezelő szoftver:</a:t>
+            </a:r>
+          </a:p>
+          <a:p>
+            <a:pPr marL="285750" indent="-285750">
+              <a:buFont typeface="Arial" panose="020B0604020202020204" pitchFamily="34" charset="0"/>
+              <a:buChar char="•"/>
+            </a:pPr>
+            <a:endParaRPr lang="hu-HU" sz="2400" dirty="0" smtClean="0"/>
+          </a:p>
+          <a:p>
+            <a:pPr marL="285750" indent="-285750">
+              <a:buFont typeface="Arial" panose="020B0604020202020204" pitchFamily="34" charset="0"/>
+              <a:buChar char="•"/>
+            </a:pPr>
+            <a:r>
+              <a:rPr lang="hu-HU" sz="2400" dirty="0" smtClean="0"/>
+              <a:t>Képernyőtervek:</a:t>
+            </a:r>
+            <a:endParaRPr lang="hu-HU" sz="2400" dirty="0"/>
+          </a:p>
+          <a:p>
+            <a:r>
+              <a:rPr lang="hu-HU" dirty="0" smtClean="0"/>
+              <a:t> </a:t>
+            </a:r>
+            <a:endParaRPr lang="hu-HU" dirty="0"/>
+          </a:p>
+        </p:txBody>
+      </p:sp>
+      <p:sp>
+        <p:nvSpPr>
+          <p:cNvPr id="18" name="TextShape 2"/>
+          <p:cNvSpPr txBox="1"/>
+          <p:nvPr/>
+        </p:nvSpPr>
+        <p:spPr>
+          <a:xfrm>
+            <a:off x="6975000" y="6580800"/>
+            <a:ext cx="2133360" cy="220680"/>
+          </a:xfrm>
+          <a:prstGeom prst="rect">
+            <a:avLst/>
+          </a:prstGeom>
+          <a:noFill/>
+          <a:ln>
+            <a:noFill/>
+          </a:ln>
+        </p:spPr>
+        <p:txBody>
+          <a:bodyPr anchor="ctr"/>
+          <a:lstStyle/>
+          <a:p>
+            <a:pPr algn="r">
+              <a:lnSpc>
+                <a:spcPct val="100000"/>
+              </a:lnSpc>
+            </a:pPr>
+            <a:r>
+              <a:rPr lang="hu-HU" sz="1600" spc="-1" dirty="0" smtClean="0">
+                <a:latin typeface="Calibri"/>
+              </a:rPr>
+              <a:t>10</a:t>
+            </a:r>
+            <a:r>
+              <a:rPr lang="hu-HU" sz="1600" b="0" strike="noStrike" spc="-1" dirty="0" smtClean="0">
+                <a:latin typeface="Calibri"/>
+              </a:rPr>
+              <a:t>/16</a:t>
+            </a:r>
+            <a:endParaRPr lang="hu-HU" sz="1600" b="0" strike="noStrike" spc="-1" dirty="0">
+              <a:latin typeface="Times New Roman"/>
+            </a:endParaRPr>
+          </a:p>
+        </p:txBody>
+      </p:sp>
+    </p:spTree>
+    <p:extLst>
+      <p:ext uri="{BB962C8B-B14F-4D97-AF65-F5344CB8AC3E}">
+        <p14:creationId xmlns:p14="http://schemas.microsoft.com/office/powerpoint/2010/main" val="1500581509"/>
+      </p:ext>
+    </p:extLst>
+  </p:cSld>
+  <p:clrMapOvr>
+    <a:masterClrMapping/>
+  </p:clrMapOvr>
+  <p:transition>
+    <p:fade/>
+  </p:transition>
+  <p:timing>
+    <p:tnLst>
+      <p:par>
+        <p:cTn id="1" dur="indefinite" restart="never" nodeType="tmRoot"/>
+      </p:par>
+    </p:tnLst>
+  </p:timing>
+</p:sld>
+</file>
+
+<file path=ppt/slides/slide12.xml><?xml version="1.0" encoding="utf-8"?>
+<p:sld xmlns:a="http://schemas.openxmlformats.org/drawingml/2006/main" xmlns:r="http://schemas.openxmlformats.org/officeDocument/2006/relationships" xmlns:p="http://schemas.openxmlformats.org/presentationml/2006/main">
+  <p:cSld>
+    <p:spTree>
+      <p:nvGrpSpPr>
+        <p:cNvPr id="1" name=""/>
+        <p:cNvGrpSpPr/>
+        <p:nvPr/>
+      </p:nvGrpSpPr>
+      <p:grpSpPr>
+        <a:xfrm>
+          <a:off x="0" y="0"/>
+          <a:ext cx="0" cy="0"/>
+          <a:chOff x="0" y="0"/>
+          <a:chExt cx="0" cy="0"/>
+        </a:xfrm>
+      </p:grpSpPr>
+      <p:sp>
+        <p:nvSpPr>
           <p:cNvPr id="188" name="TextShape 2"/>
           <p:cNvSpPr txBox="1"/>
           <p:nvPr/>
@@ -8317,22 +8890,13 @@
               <a:buChar char="•"/>
             </a:pPr>
             <a:r>
-              <a:rPr lang="hu-HU" sz="2400" b="0" strike="noStrike" spc="-1" dirty="0" err="1" smtClean="0">
-                <a:solidFill>
-                  <a:srgbClr val="000000"/>
-                </a:solidFill>
-                <a:latin typeface="Calibri"/>
-              </a:rPr>
-              <a:t>ella</a:t>
-            </a:r>
-            <a:r>
               <a:rPr lang="hu-HU" sz="2400" b="0" strike="noStrike" spc="-1" dirty="0" smtClean="0">
                 <a:solidFill>
                   <a:srgbClr val="000000"/>
                 </a:solidFill>
                 <a:latin typeface="Calibri"/>
               </a:rPr>
-              <a:t> </a:t>
+              <a:t>cella </a:t>
             </a:r>
             <a:r>
               <a:rPr lang="hu-HU" sz="2400" b="0" strike="noStrike" spc="-1" dirty="0">
@@ -8453,52 +9017,6 @@
       </p:sp>
       <p:sp>
         <p:nvSpPr>
-          <p:cNvPr id="189" name="TextShape 3"/>
-          <p:cNvSpPr txBox="1"/>
-          <p:nvPr/>
-        </p:nvSpPr>
-        <p:spPr>
-          <a:xfrm>
-            <a:off x="7010640" y="6577920"/>
-            <a:ext cx="2133360" cy="220680"/>
-          </a:xfrm>
-          <a:prstGeom prst="rect">
-            <a:avLst/>
-          </a:prstGeom>
-          <a:noFill/>
-          <a:ln>
-            <a:noFill/>
-          </a:ln>
-        </p:spPr>
-        <p:txBody>
-          <a:bodyPr anchor="ctr"/>
-          <a:lstStyle/>
-          <a:p>
-            <a:pPr algn="r">
-              <a:lnSpc>
-                <a:spcPct val="100000"/>
-              </a:lnSpc>
-            </a:pPr>
-            <a:r>
-              <a:rPr lang="hu-HU" sz="1600" spc="-1" dirty="0" smtClean="0">
-                <a:latin typeface="Calibri"/>
-              </a:rPr>
-              <a:t>10</a:t>
-            </a:r>
-            <a:r>
-              <a:rPr lang="hu-HU" sz="1600" b="0" strike="noStrike" spc="-1" dirty="0" smtClean="0">
-                <a:latin typeface="Calibri"/>
-              </a:rPr>
-              <a:t>/15</a:t>
-            </a:r>
-            <a:endParaRPr lang="hu-HU" sz="1600" b="0" strike="noStrike" spc="-1" dirty="0">
-              <a:latin typeface="Times New Roman"/>
-            </a:endParaRPr>
-          </a:p>
-        </p:txBody>
-      </p:sp>
-      <p:sp>
-        <p:nvSpPr>
           <p:cNvPr id="190" name="CustomShape 4"/>
           <p:cNvSpPr/>
           <p:nvPr/>
@@ -8657,6 +9175,52 @@
             </a:r>
             <a:endParaRPr lang="hu-HU" b="0" strike="noStrike" spc="-1" dirty="0">
               <a:latin typeface="Arial"/>
+            </a:endParaRPr>
+          </a:p>
+        </p:txBody>
+      </p:sp>
+      <p:sp>
+        <p:nvSpPr>
+          <p:cNvPr id="10" name="TextShape 2"/>
+          <p:cNvSpPr txBox="1"/>
+          <p:nvPr/>
+        </p:nvSpPr>
+        <p:spPr>
+          <a:xfrm>
+            <a:off x="6975000" y="6580800"/>
+            <a:ext cx="2133360" cy="220680"/>
+          </a:xfrm>
+          <a:prstGeom prst="rect">
+            <a:avLst/>
+          </a:prstGeom>
+          <a:noFill/>
+          <a:ln>
+            <a:noFill/>
+          </a:ln>
+        </p:spPr>
+        <p:txBody>
+          <a:bodyPr anchor="ctr"/>
+          <a:lstStyle/>
+          <a:p>
+            <a:pPr algn="r">
+              <a:lnSpc>
+                <a:spcPct val="100000"/>
+              </a:lnSpc>
+            </a:pPr>
+            <a:r>
+              <a:rPr lang="hu-HU" sz="1600" spc="-1" dirty="0" smtClean="0">
+                <a:latin typeface="Calibri"/>
+              </a:rPr>
+              <a:t>11</a:t>
+            </a:r>
+            <a:r>
+              <a:rPr lang="hu-HU" sz="1600" b="0" strike="noStrike" spc="-1" dirty="0" smtClean="0">
+                <a:latin typeface="Calibri"/>
+              </a:rPr>
+              <a:t>/16</a:t>
+            </a:r>
+            <a:endParaRPr lang="hu-HU" sz="1600" b="0" strike="noStrike" spc="-1" dirty="0">
+              <a:latin typeface="Times New Roman"/>
             </a:endParaRPr>
           </a:p>
         </p:txBody>
@@ -8699,531 +9263,6 @@
 </p:sld>
 </file>
 
-<file path=ppt/slides/slide12.xml><?xml version="1.0" encoding="utf-8"?>
-<p:sld xmlns:a="http://schemas.openxmlformats.org/drawingml/2006/main" xmlns:r="http://schemas.openxmlformats.org/officeDocument/2006/relationships" xmlns:p="http://schemas.openxmlformats.org/presentationml/2006/main">
-  <p:cSld>
-    <p:spTree>
-      <p:nvGrpSpPr>
-        <p:cNvPr id="1" name=""/>
-        <p:cNvGrpSpPr/>
-        <p:nvPr/>
-      </p:nvGrpSpPr>
-      <p:grpSpPr>
-        <a:xfrm>
-          <a:off x="0" y="0"/>
-          <a:ext cx="0" cy="0"/>
-          <a:chOff x="0" y="0"/>
-          <a:chExt cx="0" cy="0"/>
-        </a:xfrm>
-      </p:grpSpPr>
-      <p:sp>
-        <p:nvSpPr>
-          <p:cNvPr id="4" name="CustomShape 3"/>
-          <p:cNvSpPr/>
-          <p:nvPr/>
-        </p:nvSpPr>
-        <p:spPr>
-          <a:xfrm>
-            <a:off x="0" y="6524280"/>
-            <a:ext cx="9144000" cy="333720"/>
-          </a:xfrm>
-          <a:prstGeom prst="rect">
-            <a:avLst/>
-          </a:prstGeom>
-          <a:noFill/>
-          <a:ln>
-            <a:noFill/>
-          </a:ln>
-        </p:spPr>
-        <p:style>
-          <a:lnRef idx="0">
-            <a:scrgbClr r="0" g="0" b="0"/>
-          </a:lnRef>
-          <a:fillRef idx="0">
-            <a:scrgbClr r="0" g="0" b="0"/>
-          </a:fillRef>
-          <a:effectRef idx="0">
-            <a:scrgbClr r="0" g="0" b="0"/>
-          </a:effectRef>
-          <a:fontRef idx="minor"/>
-        </p:style>
-        <p:txBody>
-          <a:bodyPr lIns="90000" tIns="45000" rIns="90000" bIns="45000"/>
-          <a:lstStyle/>
-          <a:p>
-            <a:pPr>
-              <a:lnSpc>
-                <a:spcPct val="100000"/>
-              </a:lnSpc>
-            </a:pPr>
-            <a:r>
-              <a:rPr lang="hu-HU" b="0" strike="noStrike" spc="-1" dirty="0" smtClean="0">
-                <a:latin typeface="Calibri"/>
-              </a:rPr>
-              <a:t>Tóth </a:t>
-            </a:r>
-            <a:r>
-              <a:rPr lang="hu-HU" b="0" strike="noStrike" spc="-1" dirty="0" smtClean="0">
-                <a:latin typeface="Calibri"/>
-              </a:rPr>
-              <a:t>Patrik </a:t>
-            </a:r>
-            <a:r>
-              <a:rPr lang="hu-HU" spc="-1" dirty="0">
-                <a:latin typeface="Calibri"/>
-              </a:rPr>
-              <a:t>Csaba : Személyes Pénzügyi nyilvántartáshoz Importáló megvalósítása </a:t>
-            </a:r>
-            <a:endParaRPr lang="hu-HU" b="0" strike="noStrike" spc="-1" dirty="0">
-              <a:latin typeface="Arial"/>
-            </a:endParaRPr>
-          </a:p>
-        </p:txBody>
-      </p:sp>
-      <p:sp>
-        <p:nvSpPr>
-          <p:cNvPr id="5" name="CustomShape 4"/>
-          <p:cNvSpPr/>
-          <p:nvPr/>
-        </p:nvSpPr>
-        <p:spPr>
-          <a:xfrm>
-            <a:off x="73080" y="0"/>
-            <a:ext cx="9035280" cy="333720"/>
-          </a:xfrm>
-          <a:prstGeom prst="rect">
-            <a:avLst/>
-          </a:prstGeom>
-          <a:noFill/>
-          <a:ln>
-            <a:noFill/>
-          </a:ln>
-        </p:spPr>
-        <p:style>
-          <a:lnRef idx="0">
-            <a:scrgbClr r="0" g="0" b="0"/>
-          </a:lnRef>
-          <a:fillRef idx="0">
-            <a:scrgbClr r="0" g="0" b="0"/>
-          </a:fillRef>
-          <a:effectRef idx="0">
-            <a:scrgbClr r="0" g="0" b="0"/>
-          </a:effectRef>
-          <a:fontRef idx="minor"/>
-        </p:style>
-        <p:txBody>
-          <a:bodyPr lIns="90000" tIns="45000" rIns="90000" bIns="45000"/>
-          <a:lstStyle/>
-          <a:p>
-            <a:pPr>
-              <a:lnSpc>
-                <a:spcPct val="100000"/>
-              </a:lnSpc>
-            </a:pPr>
-            <a:r>
-              <a:rPr lang="hu-HU" b="0" strike="noStrike" spc="-1" dirty="0" smtClean="0">
-                <a:latin typeface="Calibri"/>
-              </a:rPr>
-              <a:t>Megvalósítás</a:t>
-            </a:r>
-            <a:endParaRPr lang="hu-HU" b="0" strike="noStrike" spc="-1" dirty="0">
-              <a:latin typeface="Arial"/>
-            </a:endParaRPr>
-          </a:p>
-        </p:txBody>
-      </p:sp>
-      <p:sp>
-        <p:nvSpPr>
-          <p:cNvPr id="7" name="TextShape 1"/>
-          <p:cNvSpPr txBox="1"/>
-          <p:nvPr/>
-        </p:nvSpPr>
-        <p:spPr>
-          <a:xfrm>
-            <a:off x="-35640" y="-11008"/>
-            <a:ext cx="9144000" cy="1340280"/>
-          </a:xfrm>
-          <a:prstGeom prst="rect">
-            <a:avLst/>
-          </a:prstGeom>
-          <a:noFill/>
-          <a:ln>
-            <a:noFill/>
-          </a:ln>
-        </p:spPr>
-        <p:txBody>
-          <a:bodyPr anchor="ctr">
-            <a:noAutofit/>
-          </a:bodyPr>
-          <a:lstStyle/>
-          <a:p>
-            <a:pPr algn="ctr">
-              <a:lnSpc>
-                <a:spcPct val="100000"/>
-              </a:lnSpc>
-            </a:pPr>
-            <a:r>
-              <a:rPr lang="hu-HU" sz="4000" spc="-1" dirty="0" smtClean="0">
-                <a:solidFill>
-                  <a:srgbClr val="000000"/>
-                </a:solidFill>
-                <a:latin typeface="Calibri"/>
-              </a:rPr>
-              <a:t>Használt technológiák</a:t>
-            </a:r>
-          </a:p>
-        </p:txBody>
-      </p:sp>
-      <p:pic>
-        <p:nvPicPr>
-          <p:cNvPr id="8" name="Kép 7"/>
-          <p:cNvPicPr>
-            <a:picLocks noChangeAspect="1"/>
-          </p:cNvPicPr>
-          <p:nvPr/>
-        </p:nvPicPr>
-        <p:blipFill>
-          <a:blip r:embed="rId2" cstate="print">
-            <a:extLst>
-              <a:ext uri="{28A0092B-C50C-407E-A947-70E740481C1C}">
-                <a14:useLocalDpi xmlns:a14="http://schemas.microsoft.com/office/drawing/2010/main" val="0"/>
-              </a:ext>
-            </a:extLst>
-          </a:blip>
-          <a:stretch>
-            <a:fillRect/>
-          </a:stretch>
-        </p:blipFill>
-        <p:spPr>
-          <a:xfrm>
-            <a:off x="4235343" y="1329272"/>
-            <a:ext cx="2068085" cy="1080000"/>
-          </a:xfrm>
-          <a:prstGeom prst="rect">
-            <a:avLst/>
-          </a:prstGeom>
-        </p:spPr>
-      </p:pic>
-      <p:pic>
-        <p:nvPicPr>
-          <p:cNvPr id="9" name="Kép 8"/>
-          <p:cNvPicPr>
-            <a:picLocks noChangeAspect="1"/>
-          </p:cNvPicPr>
-          <p:nvPr/>
-        </p:nvPicPr>
-        <p:blipFill>
-          <a:blip r:embed="rId3" cstate="print">
-            <a:extLst>
-              <a:ext uri="{28A0092B-C50C-407E-A947-70E740481C1C}">
-                <a14:useLocalDpi xmlns:a14="http://schemas.microsoft.com/office/drawing/2010/main" val="0"/>
-              </a:ext>
-            </a:extLst>
-          </a:blip>
-          <a:stretch>
-            <a:fillRect/>
-          </a:stretch>
-        </p:blipFill>
-        <p:spPr>
-          <a:xfrm>
-            <a:off x="4212231" y="2091218"/>
-            <a:ext cx="1080000" cy="1080000"/>
-          </a:xfrm>
-          <a:prstGeom prst="rect">
-            <a:avLst/>
-          </a:prstGeom>
-        </p:spPr>
-      </p:pic>
-      <p:pic>
-        <p:nvPicPr>
-          <p:cNvPr id="10" name="Kép 9"/>
-          <p:cNvPicPr>
-            <a:picLocks noChangeAspect="1"/>
-          </p:cNvPicPr>
-          <p:nvPr/>
-        </p:nvPicPr>
-        <p:blipFill>
-          <a:blip r:embed="rId4" cstate="print">
-            <a:extLst>
-              <a:ext uri="{28A0092B-C50C-407E-A947-70E740481C1C}">
-                <a14:useLocalDpi xmlns:a14="http://schemas.microsoft.com/office/drawing/2010/main" val="0"/>
-              </a:ext>
-            </a:extLst>
-          </a:blip>
-          <a:stretch>
-            <a:fillRect/>
-          </a:stretch>
-        </p:blipFill>
-        <p:spPr>
-          <a:xfrm>
-            <a:off x="4212231" y="4332424"/>
-            <a:ext cx="1377991" cy="360000"/>
-          </a:xfrm>
-          <a:prstGeom prst="rect">
-            <a:avLst/>
-          </a:prstGeom>
-        </p:spPr>
-      </p:pic>
-      <p:pic>
-        <p:nvPicPr>
-          <p:cNvPr id="11" name="Kép 10"/>
-          <p:cNvPicPr>
-            <a:picLocks noChangeAspect="1"/>
-          </p:cNvPicPr>
-          <p:nvPr/>
-        </p:nvPicPr>
-        <p:blipFill>
-          <a:blip r:embed="rId5" cstate="print">
-            <a:extLst>
-              <a:ext uri="{28A0092B-C50C-407E-A947-70E740481C1C}">
-                <a14:useLocalDpi xmlns:a14="http://schemas.microsoft.com/office/drawing/2010/main" val="0"/>
-              </a:ext>
-            </a:extLst>
-          </a:blip>
-          <a:stretch>
-            <a:fillRect/>
-          </a:stretch>
-        </p:blipFill>
-        <p:spPr>
-          <a:xfrm>
-            <a:off x="3894287" y="2997925"/>
-            <a:ext cx="1715888" cy="1080000"/>
-          </a:xfrm>
-          <a:prstGeom prst="rect">
-            <a:avLst/>
-          </a:prstGeom>
-        </p:spPr>
-      </p:pic>
-      <p:sp>
-        <p:nvSpPr>
-          <p:cNvPr id="12" name="Szövegdoboz 11"/>
-          <p:cNvSpPr txBox="1"/>
-          <p:nvPr/>
-        </p:nvSpPr>
-        <p:spPr>
-          <a:xfrm>
-            <a:off x="5621094" y="3200709"/>
-            <a:ext cx="3483242" cy="369332"/>
-          </a:xfrm>
-          <a:prstGeom prst="rect">
-            <a:avLst/>
-          </a:prstGeom>
-          <a:noFill/>
-        </p:spPr>
-        <p:txBody>
-          <a:bodyPr wrap="square" rtlCol="0">
-            <a:spAutoFit/>
-          </a:bodyPr>
-          <a:lstStyle/>
-          <a:p>
-            <a:r>
-              <a:rPr lang="hu-HU" dirty="0" smtClean="0"/>
-              <a:t>Windows Form App (WPF)</a:t>
-            </a:r>
-            <a:endParaRPr lang="hu-HU" dirty="0"/>
-          </a:p>
-        </p:txBody>
-      </p:sp>
-      <p:sp>
-        <p:nvSpPr>
-          <p:cNvPr id="13" name="Szövegdoboz 12"/>
-          <p:cNvSpPr txBox="1"/>
-          <p:nvPr/>
-        </p:nvSpPr>
-        <p:spPr>
-          <a:xfrm>
-            <a:off x="5658614" y="3556718"/>
-            <a:ext cx="3483242" cy="369332"/>
-          </a:xfrm>
-          <a:prstGeom prst="rect">
-            <a:avLst/>
-          </a:prstGeom>
-          <a:noFill/>
-        </p:spPr>
-        <p:txBody>
-          <a:bodyPr wrap="square" rtlCol="0">
-            <a:spAutoFit/>
-          </a:bodyPr>
-          <a:lstStyle/>
-          <a:p>
-            <a:r>
-              <a:rPr lang="hu-HU" dirty="0" smtClean="0"/>
-              <a:t>Data Binding</a:t>
-            </a:r>
-            <a:endParaRPr lang="hu-HU" dirty="0"/>
-          </a:p>
-        </p:txBody>
-      </p:sp>
-      <p:pic>
-        <p:nvPicPr>
-          <p:cNvPr id="14" name="Kép 13"/>
-          <p:cNvPicPr>
-            <a:picLocks noChangeAspect="1"/>
-          </p:cNvPicPr>
-          <p:nvPr/>
-        </p:nvPicPr>
-        <p:blipFill>
-          <a:blip r:embed="rId6" cstate="print">
-            <a:extLst>
-              <a:ext uri="{28A0092B-C50C-407E-A947-70E740481C1C}">
-                <a14:useLocalDpi xmlns:a14="http://schemas.microsoft.com/office/drawing/2010/main" val="0"/>
-              </a:ext>
-            </a:extLst>
-          </a:blip>
-          <a:stretch>
-            <a:fillRect/>
-          </a:stretch>
-        </p:blipFill>
-        <p:spPr>
-          <a:xfrm>
-            <a:off x="4392231" y="4941248"/>
-            <a:ext cx="720000" cy="720000"/>
-          </a:xfrm>
-          <a:prstGeom prst="rect">
-            <a:avLst/>
-          </a:prstGeom>
-        </p:spPr>
-      </p:pic>
-      <p:sp>
-        <p:nvSpPr>
-          <p:cNvPr id="15" name="Szövegdoboz 14"/>
-          <p:cNvSpPr txBox="1"/>
-          <p:nvPr/>
-        </p:nvSpPr>
-        <p:spPr>
-          <a:xfrm>
-            <a:off x="291258" y="1691266"/>
-            <a:ext cx="3848694" cy="4062651"/>
-          </a:xfrm>
-          <a:prstGeom prst="rect">
-            <a:avLst/>
-          </a:prstGeom>
-          <a:noFill/>
-        </p:spPr>
-        <p:txBody>
-          <a:bodyPr wrap="square" rtlCol="0">
-            <a:spAutoFit/>
-          </a:bodyPr>
-          <a:lstStyle/>
-          <a:p>
-            <a:pPr marL="285750" indent="-285750">
-              <a:buFont typeface="Arial" panose="020B0604020202020204" pitchFamily="34" charset="0"/>
-              <a:buChar char="•"/>
-            </a:pPr>
-            <a:r>
-              <a:rPr lang="hu-HU" sz="2400" dirty="0" smtClean="0"/>
-              <a:t>Fejlesztői környezet:</a:t>
-            </a:r>
-          </a:p>
-          <a:p>
-            <a:pPr marL="285750" indent="-285750">
-              <a:buFont typeface="Arial" panose="020B0604020202020204" pitchFamily="34" charset="0"/>
-              <a:buChar char="•"/>
-            </a:pPr>
-            <a:endParaRPr lang="hu-HU" sz="2400" dirty="0" smtClean="0"/>
-          </a:p>
-          <a:p>
-            <a:pPr marL="285750" indent="-285750">
-              <a:buFont typeface="Arial" panose="020B0604020202020204" pitchFamily="34" charset="0"/>
-              <a:buChar char="•"/>
-            </a:pPr>
-            <a:r>
-              <a:rPr lang="hu-HU" sz="2400" dirty="0"/>
-              <a:t>Programozási nyelv</a:t>
-            </a:r>
-            <a:r>
-              <a:rPr lang="hu-HU" sz="2400" dirty="0" smtClean="0"/>
-              <a:t>:</a:t>
-            </a:r>
-          </a:p>
-          <a:p>
-            <a:pPr marL="285750" indent="-285750">
-              <a:buFont typeface="Arial" panose="020B0604020202020204" pitchFamily="34" charset="0"/>
-              <a:buChar char="•"/>
-            </a:pPr>
-            <a:endParaRPr lang="hu-HU" sz="2400" dirty="0" smtClean="0"/>
-          </a:p>
-          <a:p>
-            <a:pPr marL="285750" indent="-285750">
-              <a:buFont typeface="Arial" panose="020B0604020202020204" pitchFamily="34" charset="0"/>
-              <a:buChar char="•"/>
-            </a:pPr>
-            <a:r>
-              <a:rPr lang="hu-HU" sz="2400" dirty="0"/>
-              <a:t>Grafikus felülethez használt </a:t>
-            </a:r>
-            <a:r>
-              <a:rPr lang="hu-HU" sz="2400" dirty="0" smtClean="0"/>
-              <a:t>komponensek:</a:t>
-            </a:r>
-          </a:p>
-          <a:p>
-            <a:pPr marL="285750" indent="-285750">
-              <a:buFont typeface="Arial" panose="020B0604020202020204" pitchFamily="34" charset="0"/>
-              <a:buChar char="•"/>
-            </a:pPr>
-            <a:endParaRPr lang="hu-HU" sz="2400" dirty="0" smtClean="0"/>
-          </a:p>
-          <a:p>
-            <a:pPr marL="285750" indent="-285750">
-              <a:buFont typeface="Arial" panose="020B0604020202020204" pitchFamily="34" charset="0"/>
-              <a:buChar char="•"/>
-            </a:pPr>
-            <a:r>
-              <a:rPr lang="hu-HU" sz="2400" dirty="0" smtClean="0"/>
-              <a:t>Verziókezelő szoftver:</a:t>
-            </a:r>
-          </a:p>
-          <a:p>
-            <a:pPr marL="285750" indent="-285750">
-              <a:buFont typeface="Arial" panose="020B0604020202020204" pitchFamily="34" charset="0"/>
-              <a:buChar char="•"/>
-            </a:pPr>
-            <a:endParaRPr lang="hu-HU" sz="2400" dirty="0" smtClean="0"/>
-          </a:p>
-          <a:p>
-            <a:pPr marL="285750" indent="-285750">
-              <a:buFont typeface="Arial" panose="020B0604020202020204" pitchFamily="34" charset="0"/>
-              <a:buChar char="•"/>
-            </a:pPr>
-            <a:r>
-              <a:rPr lang="hu-HU" sz="2400" dirty="0" smtClean="0"/>
-              <a:t>Képernyőtervek:</a:t>
-            </a:r>
-            <a:endParaRPr lang="hu-HU" sz="2400" dirty="0"/>
-          </a:p>
-          <a:p>
-            <a:r>
-              <a:rPr lang="hu-HU" dirty="0" smtClean="0"/>
-              <a:t> </a:t>
-            </a:r>
-            <a:endParaRPr lang="hu-HU" dirty="0"/>
-          </a:p>
-        </p:txBody>
-      </p:sp>
-    </p:spTree>
-    <p:extLst>
-      <p:ext uri="{BB962C8B-B14F-4D97-AF65-F5344CB8AC3E}">
-        <p14:creationId xmlns:p14="http://schemas.microsoft.com/office/powerpoint/2010/main" val="1500581509"/>
-      </p:ext>
-    </p:extLst>
-  </p:cSld>
-  <p:clrMapOvr>
-    <a:masterClrMapping/>
-  </p:clrMapOvr>
-  <p:transition>
-    <p:fade/>
-  </p:transition>
-  <p:timing>
-    <p:tnLst>
-      <p:par>
-        <p:cTn id="1" dur="indefinite" restart="never" nodeType="tmRoot"/>
-      </p:par>
-    </p:tnLst>
-  </p:timing>
-</p:sld>
-</file>
-
 <file path=ppt/slides/slide13.xml><?xml version="1.0" encoding="utf-8"?>
 <p:sld xmlns:a="http://schemas.openxmlformats.org/drawingml/2006/main" xmlns:r="http://schemas.openxmlformats.org/officeDocument/2006/relationships" xmlns:p="http://schemas.openxmlformats.org/presentationml/2006/main">
   <p:cSld>
@@ -9243,46 +9282,6 @@
       </p:grpSpPr>
       <p:sp>
         <p:nvSpPr>
-          <p:cNvPr id="193" name="TextShape 2"/>
-          <p:cNvSpPr txBox="1"/>
-          <p:nvPr/>
-        </p:nvSpPr>
-        <p:spPr>
-          <a:xfrm>
-            <a:off x="7010640" y="6577920"/>
-            <a:ext cx="2133360" cy="220680"/>
-          </a:xfrm>
-          <a:prstGeom prst="rect">
-            <a:avLst/>
-          </a:prstGeom>
-          <a:noFill/>
-          <a:ln>
-            <a:noFill/>
-          </a:ln>
-        </p:spPr>
-        <p:txBody>
-          <a:bodyPr anchor="ctr"/>
-          <a:lstStyle/>
-          <a:p>
-            <a:pPr algn="r">
-              <a:lnSpc>
-                <a:spcPct val="100000"/>
-              </a:lnSpc>
-            </a:pPr>
-            <a:r>
-              <a:rPr lang="hu-HU" sz="1600" b="0" strike="noStrike" spc="-1" dirty="0" smtClean="0">
-                <a:latin typeface="Calibri"/>
-              </a:rPr>
-              <a:t>11/15</a:t>
-            </a:r>
-            <a:endParaRPr lang="hu-HU" sz="1600" b="0" strike="noStrike" spc="-1" dirty="0">
-              <a:latin typeface="Times New Roman"/>
-            </a:endParaRPr>
-          </a:p>
-        </p:txBody>
-      </p:sp>
-      <p:sp>
-        <p:nvSpPr>
           <p:cNvPr id="194" name="CustomShape 3"/>
           <p:cNvSpPr/>
           <p:nvPr/>
@@ -9525,6 +9524,52 @@
             </a:r>
             <a:endParaRPr lang="hu-HU" b="0" strike="noStrike" spc="-1" dirty="0">
               <a:latin typeface="Arial"/>
+            </a:endParaRPr>
+          </a:p>
+        </p:txBody>
+      </p:sp>
+      <p:sp>
+        <p:nvSpPr>
+          <p:cNvPr id="12" name="TextShape 2"/>
+          <p:cNvSpPr txBox="1"/>
+          <p:nvPr/>
+        </p:nvSpPr>
+        <p:spPr>
+          <a:xfrm>
+            <a:off x="6975000" y="6580800"/>
+            <a:ext cx="2133360" cy="220680"/>
+          </a:xfrm>
+          <a:prstGeom prst="rect">
+            <a:avLst/>
+          </a:prstGeom>
+          <a:noFill/>
+          <a:ln>
+            <a:noFill/>
+          </a:ln>
+        </p:spPr>
+        <p:txBody>
+          <a:bodyPr anchor="ctr"/>
+          <a:lstStyle/>
+          <a:p>
+            <a:pPr algn="r">
+              <a:lnSpc>
+                <a:spcPct val="100000"/>
+              </a:lnSpc>
+            </a:pPr>
+            <a:r>
+              <a:rPr lang="hu-HU" sz="1600" spc="-1" dirty="0" smtClean="0">
+                <a:latin typeface="Calibri"/>
+              </a:rPr>
+              <a:t>12</a:t>
+            </a:r>
+            <a:r>
+              <a:rPr lang="hu-HU" sz="1600" b="0" strike="noStrike" spc="-1" dirty="0" smtClean="0">
+                <a:latin typeface="Calibri"/>
+              </a:rPr>
+              <a:t>/16</a:t>
+            </a:r>
+            <a:endParaRPr lang="hu-HU" sz="1600" b="0" strike="noStrike" spc="-1" dirty="0">
+              <a:latin typeface="Times New Roman"/>
             </a:endParaRPr>
           </a:p>
         </p:txBody>
@@ -9586,46 +9631,6 @@
       </p:grpSpPr>
       <p:sp>
         <p:nvSpPr>
-          <p:cNvPr id="193" name="TextShape 2"/>
-          <p:cNvSpPr txBox="1"/>
-          <p:nvPr/>
-        </p:nvSpPr>
-        <p:spPr>
-          <a:xfrm>
-            <a:off x="7010640" y="6580800"/>
-            <a:ext cx="2133360" cy="220680"/>
-          </a:xfrm>
-          <a:prstGeom prst="rect">
-            <a:avLst/>
-          </a:prstGeom>
-          <a:noFill/>
-          <a:ln>
-            <a:noFill/>
-          </a:ln>
-        </p:spPr>
-        <p:txBody>
-          <a:bodyPr anchor="ctr"/>
-          <a:lstStyle/>
-          <a:p>
-            <a:pPr algn="r">
-              <a:lnSpc>
-                <a:spcPct val="100000"/>
-              </a:lnSpc>
-            </a:pPr>
-            <a:r>
-              <a:rPr lang="hu-HU" sz="1600" b="0" strike="noStrike" spc="-1" dirty="0" smtClean="0">
-                <a:latin typeface="Calibri"/>
-              </a:rPr>
-              <a:t>12/15</a:t>
-            </a:r>
-            <a:endParaRPr lang="hu-HU" sz="1600" b="0" strike="noStrike" spc="-1" dirty="0">
-              <a:latin typeface="Times New Roman"/>
-            </a:endParaRPr>
-          </a:p>
-        </p:txBody>
-      </p:sp>
-      <p:sp>
-        <p:nvSpPr>
           <p:cNvPr id="194" name="CustomShape 3"/>
           <p:cNvSpPr/>
           <p:nvPr/>
@@ -9808,6 +9813,52 @@
             </a:r>
             <a:endParaRPr lang="hu-HU" b="0" strike="noStrike" spc="-1" dirty="0">
               <a:latin typeface="Arial"/>
+            </a:endParaRPr>
+          </a:p>
+        </p:txBody>
+      </p:sp>
+      <p:sp>
+        <p:nvSpPr>
+          <p:cNvPr id="8" name="TextShape 2"/>
+          <p:cNvSpPr txBox="1"/>
+          <p:nvPr/>
+        </p:nvSpPr>
+        <p:spPr>
+          <a:xfrm>
+            <a:off x="6975000" y="6580800"/>
+            <a:ext cx="2133360" cy="220680"/>
+          </a:xfrm>
+          <a:prstGeom prst="rect">
+            <a:avLst/>
+          </a:prstGeom>
+          <a:noFill/>
+          <a:ln>
+            <a:noFill/>
+          </a:ln>
+        </p:spPr>
+        <p:txBody>
+          <a:bodyPr anchor="ctr"/>
+          <a:lstStyle/>
+          <a:p>
+            <a:pPr algn="r">
+              <a:lnSpc>
+                <a:spcPct val="100000"/>
+              </a:lnSpc>
+            </a:pPr>
+            <a:r>
+              <a:rPr lang="hu-HU" sz="1600" spc="-1" dirty="0" smtClean="0">
+                <a:latin typeface="Calibri"/>
+              </a:rPr>
+              <a:t>13</a:t>
+            </a:r>
+            <a:r>
+              <a:rPr lang="hu-HU" sz="1600" b="0" strike="noStrike" spc="-1" dirty="0" smtClean="0">
+                <a:latin typeface="Calibri"/>
+              </a:rPr>
+              <a:t>/16</a:t>
+            </a:r>
+            <a:endParaRPr lang="hu-HU" sz="1600" b="0" strike="noStrike" spc="-1" dirty="0">
+              <a:latin typeface="Times New Roman"/>
             </a:endParaRPr>
           </a:p>
         </p:txBody>
@@ -9869,49 +9920,6 @@
       </p:grpSpPr>
       <p:sp>
         <p:nvSpPr>
-          <p:cNvPr id="193" name="TextShape 2"/>
-          <p:cNvSpPr txBox="1"/>
-          <p:nvPr/>
-        </p:nvSpPr>
-        <p:spPr>
-          <a:xfrm>
-            <a:off x="7010640" y="6580800"/>
-            <a:ext cx="2133360" cy="220680"/>
-          </a:xfrm>
-          <a:prstGeom prst="rect">
-            <a:avLst/>
-          </a:prstGeom>
-          <a:noFill/>
-          <a:ln>
-            <a:noFill/>
-          </a:ln>
-        </p:spPr>
-        <p:txBody>
-          <a:bodyPr anchor="ctr"/>
-          <a:lstStyle/>
-          <a:p>
-            <a:pPr algn="r">
-              <a:lnSpc>
-                <a:spcPct val="100000"/>
-              </a:lnSpc>
-            </a:pPr>
-            <a:r>
-              <a:rPr lang="hu-HU" sz="1600" spc="-1" dirty="0" smtClean="0">
-                <a:latin typeface="Calibri"/>
-              </a:rPr>
-              <a:t>13</a:t>
-            </a:r>
-            <a:r>
-              <a:rPr lang="hu-HU" sz="1600" b="0" strike="noStrike" spc="-1" dirty="0" smtClean="0">
-                <a:latin typeface="Calibri"/>
-              </a:rPr>
-              <a:t>/15</a:t>
-            </a:r>
-          </a:p>
-        </p:txBody>
-      </p:sp>
-      <p:sp>
-        <p:nvSpPr>
           <p:cNvPr id="194" name="CustomShape 3"/>
           <p:cNvSpPr/>
           <p:nvPr/>
@@ -10094,6 +10102,52 @@
             </a:r>
             <a:endParaRPr lang="hu-HU" b="0" strike="noStrike" spc="-1" dirty="0">
               <a:latin typeface="Arial"/>
+            </a:endParaRPr>
+          </a:p>
+        </p:txBody>
+      </p:sp>
+      <p:sp>
+        <p:nvSpPr>
+          <p:cNvPr id="8" name="TextShape 2"/>
+          <p:cNvSpPr txBox="1"/>
+          <p:nvPr/>
+        </p:nvSpPr>
+        <p:spPr>
+          <a:xfrm>
+            <a:off x="6975000" y="6580800"/>
+            <a:ext cx="2133360" cy="220680"/>
+          </a:xfrm>
+          <a:prstGeom prst="rect">
+            <a:avLst/>
+          </a:prstGeom>
+          <a:noFill/>
+          <a:ln>
+            <a:noFill/>
+          </a:ln>
+        </p:spPr>
+        <p:txBody>
+          <a:bodyPr anchor="ctr"/>
+          <a:lstStyle/>
+          <a:p>
+            <a:pPr algn="r">
+              <a:lnSpc>
+                <a:spcPct val="100000"/>
+              </a:lnSpc>
+            </a:pPr>
+            <a:r>
+              <a:rPr lang="hu-HU" sz="1600" spc="-1" dirty="0" smtClean="0">
+                <a:latin typeface="Calibri"/>
+              </a:rPr>
+              <a:t>14</a:t>
+            </a:r>
+            <a:r>
+              <a:rPr lang="hu-HU" sz="1600" b="0" strike="noStrike" spc="-1" dirty="0" smtClean="0">
+                <a:latin typeface="Calibri"/>
+              </a:rPr>
+              <a:t>/16</a:t>
+            </a:r>
+            <a:endParaRPr lang="hu-HU" sz="1600" b="0" strike="noStrike" spc="-1" dirty="0">
+              <a:latin typeface="Times New Roman"/>
             </a:endParaRPr>
           </a:p>
         </p:txBody>
@@ -10192,49 +10246,6 @@
       </p:sp>
       <p:sp>
         <p:nvSpPr>
-          <p:cNvPr id="202" name="TextShape 2"/>
-          <p:cNvSpPr txBox="1"/>
-          <p:nvPr/>
-        </p:nvSpPr>
-        <p:spPr>
-          <a:xfrm>
-            <a:off x="7010640" y="6580800"/>
-            <a:ext cx="2133360" cy="220680"/>
-          </a:xfrm>
-          <a:prstGeom prst="rect">
-            <a:avLst/>
-          </a:prstGeom>
-          <a:noFill/>
-          <a:ln>
-            <a:noFill/>
-          </a:ln>
-        </p:spPr>
-        <p:txBody>
-          <a:bodyPr anchor="ctr"/>
-          <a:lstStyle/>
-          <a:p>
-            <a:pPr algn="r">
-              <a:lnSpc>
-                <a:spcPct val="100000"/>
-              </a:lnSpc>
-            </a:pPr>
-            <a:r>
-              <a:rPr lang="hu-HU" sz="1600" spc="-1" dirty="0" smtClean="0">
-                <a:latin typeface="Calibri"/>
-              </a:rPr>
-              <a:t>14</a:t>
-            </a:r>
-            <a:r>
-              <a:rPr lang="hu-HU" sz="1600" b="0" strike="noStrike" spc="-1" dirty="0" smtClean="0">
-                <a:latin typeface="Calibri"/>
-              </a:rPr>
-              <a:t>/15</a:t>
-            </a:r>
-          </a:p>
-        </p:txBody>
-      </p:sp>
-      <p:sp>
-        <p:nvSpPr>
           <p:cNvPr id="5" name="Szövegdoboz 4"/>
           <p:cNvSpPr txBox="1"/>
           <p:nvPr/>
@@ -10826,6 +10837,52 @@
               <a:t>Data Binding</a:t>
             </a:r>
             <a:endParaRPr lang="hu-HU" dirty="0"/>
+          </a:p>
+        </p:txBody>
+      </p:sp>
+      <p:sp>
+        <p:nvSpPr>
+          <p:cNvPr id="33" name="TextShape 2"/>
+          <p:cNvSpPr txBox="1"/>
+          <p:nvPr/>
+        </p:nvSpPr>
+        <p:spPr>
+          <a:xfrm>
+            <a:off x="6975000" y="6580800"/>
+            <a:ext cx="2133360" cy="220680"/>
+          </a:xfrm>
+          <a:prstGeom prst="rect">
+            <a:avLst/>
+          </a:prstGeom>
+          <a:noFill/>
+          <a:ln>
+            <a:noFill/>
+          </a:ln>
+        </p:spPr>
+        <p:txBody>
+          <a:bodyPr anchor="ctr"/>
+          <a:lstStyle/>
+          <a:p>
+            <a:pPr algn="r">
+              <a:lnSpc>
+                <a:spcPct val="100000"/>
+              </a:lnSpc>
+            </a:pPr>
+            <a:r>
+              <a:rPr lang="hu-HU" sz="1600" spc="-1" dirty="0" smtClean="0">
+                <a:latin typeface="Calibri"/>
+              </a:rPr>
+              <a:t>15</a:t>
+            </a:r>
+            <a:r>
+              <a:rPr lang="hu-HU" sz="1600" b="0" strike="noStrike" spc="-1" dirty="0" smtClean="0">
+                <a:latin typeface="Calibri"/>
+              </a:rPr>
+              <a:t>/16</a:t>
+            </a:r>
+            <a:endParaRPr lang="hu-HU" sz="1600" b="0" strike="noStrike" spc="-1" dirty="0">
+              <a:latin typeface="Times New Roman"/>
+            </a:endParaRPr>
           </a:p>
         </p:txBody>
       </p:sp>
@@ -11054,52 +11111,6 @@
       </p:sp>
       <p:sp>
         <p:nvSpPr>
-          <p:cNvPr id="206" name="TextShape 3"/>
-          <p:cNvSpPr txBox="1"/>
-          <p:nvPr/>
-        </p:nvSpPr>
-        <p:spPr>
-          <a:xfrm>
-            <a:off x="7010640" y="6580800"/>
-            <a:ext cx="2133360" cy="220680"/>
-          </a:xfrm>
-          <a:prstGeom prst="rect">
-            <a:avLst/>
-          </a:prstGeom>
-          <a:noFill/>
-          <a:ln>
-            <a:noFill/>
-          </a:ln>
-        </p:spPr>
-        <p:txBody>
-          <a:bodyPr anchor="ctr"/>
-          <a:lstStyle/>
-          <a:p>
-            <a:pPr algn="r">
-              <a:lnSpc>
-                <a:spcPct val="100000"/>
-              </a:lnSpc>
-            </a:pPr>
-            <a:r>
-              <a:rPr lang="hu-HU" sz="1600" b="0" strike="noStrike" spc="-1" dirty="0" smtClean="0">
-                <a:latin typeface="Calibri"/>
-              </a:rPr>
-              <a:t>15/</a:t>
-            </a:r>
-            <a:r>
-              <a:rPr lang="hu-HU" sz="1600" b="0" strike="noStrike" spc="-1" dirty="0" err="1" smtClean="0">
-                <a:latin typeface="Calibri"/>
-              </a:rPr>
-              <a:t>15</a:t>
-            </a:r>
-            <a:endParaRPr lang="hu-HU" sz="1600" b="0" strike="noStrike" spc="-1" dirty="0">
-              <a:latin typeface="Times New Roman"/>
-            </a:endParaRPr>
-          </a:p>
-        </p:txBody>
-      </p:sp>
-      <p:sp>
-        <p:nvSpPr>
           <p:cNvPr id="8" name="TextShape 1"/>
           <p:cNvSpPr txBox="1"/>
           <p:nvPr/>
@@ -11206,6 +11217,58 @@
             </a:r>
             <a:endParaRPr lang="hu-HU" b="0" strike="noStrike" spc="-1" dirty="0">
               <a:latin typeface="Arial"/>
+            </a:endParaRPr>
+          </a:p>
+        </p:txBody>
+      </p:sp>
+      <p:sp>
+        <p:nvSpPr>
+          <p:cNvPr id="10" name="TextShape 2"/>
+          <p:cNvSpPr txBox="1"/>
+          <p:nvPr/>
+        </p:nvSpPr>
+        <p:spPr>
+          <a:xfrm>
+            <a:off x="6975000" y="6580800"/>
+            <a:ext cx="2133360" cy="220680"/>
+          </a:xfrm>
+          <a:prstGeom prst="rect">
+            <a:avLst/>
+          </a:prstGeom>
+          <a:noFill/>
+          <a:ln>
+            <a:noFill/>
+          </a:ln>
+        </p:spPr>
+        <p:txBody>
+          <a:bodyPr anchor="ctr"/>
+          <a:lstStyle/>
+          <a:p>
+            <a:pPr algn="r">
+              <a:lnSpc>
+                <a:spcPct val="100000"/>
+              </a:lnSpc>
+            </a:pPr>
+            <a:r>
+              <a:rPr lang="hu-HU" sz="1600" spc="-1" dirty="0" smtClean="0">
+                <a:latin typeface="Calibri"/>
+              </a:rPr>
+              <a:t>16</a:t>
+            </a:r>
+            <a:r>
+              <a:rPr lang="hu-HU" sz="1600" b="0" strike="noStrike" spc="-1" dirty="0" smtClean="0">
+                <a:latin typeface="Calibri"/>
+              </a:rPr>
+              <a:t>/</a:t>
+            </a:r>
+            <a:r>
+              <a:rPr lang="hu-HU" sz="1600" b="0" strike="noStrike" spc="-1" dirty="0" err="1" smtClean="0">
+                <a:latin typeface="Calibri"/>
+              </a:rPr>
+              <a:t>16</a:t>
+            </a:r>
+            <a:endParaRPr lang="hu-HU" sz="1600" b="0" strike="noStrike" spc="-1" dirty="0">
+              <a:latin typeface="Times New Roman"/>
             </a:endParaRPr>
           </a:p>
         </p:txBody>
@@ -11504,7 +11567,31 @@
                 </a:solidFill>
                 <a:latin typeface="Calibri"/>
               </a:rPr>
-              <a:t>Eredmények</a:t>
+              <a:t>Összefoglalás</a:t>
+            </a:r>
+          </a:p>
+          <a:p>
+            <a:pPr marL="343080" indent="-342720">
+              <a:lnSpc>
+                <a:spcPct val="100000"/>
+              </a:lnSpc>
+              <a:spcBef>
+                <a:spcPts val="641"/>
+              </a:spcBef>
+              <a:buClr>
+                <a:srgbClr val="000000"/>
+              </a:buClr>
+              <a:buFont typeface="Arial"/>
+              <a:buChar char="•"/>
+            </a:pPr>
+            <a:r>
+              <a:rPr lang="hu-HU" sz="3200" spc="-1" dirty="0" smtClean="0">
+                <a:solidFill>
+                  <a:srgbClr val="000000"/>
+                </a:solidFill>
+                <a:latin typeface="Calibri"/>
+              </a:rPr>
+              <a:t>Jövőbeli tervek</a:t>
             </a:r>
             <a:endParaRPr lang="hu-HU" sz="3200" b="0" strike="noStrike" spc="-1" dirty="0">
               <a:solidFill>
@@ -11649,7 +11736,7 @@
               <a:rPr lang="hu-HU" sz="1600" b="0" strike="noStrike" spc="-1" dirty="0" smtClean="0">
                 <a:latin typeface="Calibri"/>
               </a:rPr>
-              <a:t>/15</a:t>
+              <a:t>/16</a:t>
             </a:r>
             <a:endParaRPr lang="hu-HU" sz="1600" b="0" strike="noStrike" spc="-1" dirty="0">
               <a:latin typeface="Times New Roman"/>
@@ -12678,52 +12765,6 @@
           </a:prstGeom>
         </p:spPr>
       </p:pic>
-      <p:sp>
-        <p:nvSpPr>
-          <p:cNvPr id="37" name="TextShape 2"/>
-          <p:cNvSpPr txBox="1"/>
-          <p:nvPr/>
-        </p:nvSpPr>
-        <p:spPr>
-          <a:xfrm>
-            <a:off x="7010640" y="6637320"/>
-            <a:ext cx="2133360" cy="220680"/>
-          </a:xfrm>
-          <a:prstGeom prst="rect">
-            <a:avLst/>
-          </a:prstGeom>
-          <a:noFill/>
-          <a:ln>
-            <a:noFill/>
-          </a:ln>
-        </p:spPr>
-        <p:txBody>
-          <a:bodyPr anchor="ctr"/>
-          <a:lstStyle/>
-          <a:p>
-            <a:pPr algn="r">
-              <a:lnSpc>
-                <a:spcPct val="100000"/>
-              </a:lnSpc>
-            </a:pPr>
-            <a:r>
-              <a:rPr lang="hu-HU" sz="1600" spc="-1" dirty="0" smtClean="0">
-                <a:latin typeface="Calibri"/>
-              </a:rPr>
-              <a:t>2</a:t>
-            </a:r>
-            <a:r>
-              <a:rPr lang="hu-HU" sz="1600" b="0" strike="noStrike" spc="-1" dirty="0" smtClean="0">
-                <a:latin typeface="Calibri"/>
-              </a:rPr>
-              <a:t>/15</a:t>
-            </a:r>
-            <a:endParaRPr lang="hu-HU" sz="1600" b="0" strike="noStrike" spc="-1" dirty="0">
-              <a:latin typeface="Times New Roman"/>
-            </a:endParaRPr>
-          </a:p>
-        </p:txBody>
-      </p:sp>
       <p:pic>
         <p:nvPicPr>
           <p:cNvPr id="4" name="Kép 3"/>
@@ -12823,6 +12864,52 @@
                 <a:srgbClr val="000000"/>
               </a:solidFill>
               <a:latin typeface="Calibri"/>
+            </a:endParaRPr>
+          </a:p>
+        </p:txBody>
+      </p:sp>
+      <p:sp>
+        <p:nvSpPr>
+          <p:cNvPr id="39" name="TextShape 5"/>
+          <p:cNvSpPr txBox="1"/>
+          <p:nvPr/>
+        </p:nvSpPr>
+        <p:spPr>
+          <a:xfrm>
+            <a:off x="7005120" y="6580800"/>
+            <a:ext cx="2133360" cy="220680"/>
+          </a:xfrm>
+          <a:prstGeom prst="rect">
+            <a:avLst/>
+          </a:prstGeom>
+          <a:noFill/>
+          <a:ln>
+            <a:noFill/>
+          </a:ln>
+        </p:spPr>
+        <p:txBody>
+          <a:bodyPr anchor="ctr"/>
+          <a:lstStyle/>
+          <a:p>
+            <a:pPr algn="r">
+              <a:lnSpc>
+                <a:spcPct val="100000"/>
+              </a:lnSpc>
+            </a:pPr>
+            <a:r>
+              <a:rPr lang="hu-HU" sz="1600" spc="-1" dirty="0">
+                <a:latin typeface="Calibri"/>
+              </a:rPr>
+              <a:t>2</a:t>
+            </a:r>
+            <a:r>
+              <a:rPr lang="hu-HU" sz="1600" b="0" strike="noStrike" spc="-1" dirty="0" smtClean="0">
+                <a:latin typeface="Calibri"/>
+              </a:rPr>
+              <a:t>/16</a:t>
+            </a:r>
+            <a:endParaRPr lang="hu-HU" sz="1600" b="0" strike="noStrike" spc="-1" dirty="0">
+              <a:latin typeface="Times New Roman"/>
             </a:endParaRPr>
           </a:p>
         </p:txBody>
@@ -14765,7 +14852,7 @@
               <a:rPr lang="hu-HU" sz="1600" b="0" strike="noStrike" spc="-1" dirty="0" smtClean="0">
                 <a:latin typeface="Calibri"/>
               </a:rPr>
-              <a:t>/15</a:t>
+              <a:t>/16</a:t>
             </a:r>
             <a:endParaRPr lang="hu-HU" sz="1600" b="0" strike="noStrike" spc="-1" dirty="0">
               <a:latin typeface="Times New Roman"/>
@@ -15010,7 +15097,7 @@
         </p:blipFill>
         <p:spPr>
           <a:xfrm>
-            <a:off x="3605833" y="2352955"/>
+            <a:off x="1885620" y="2361339"/>
             <a:ext cx="5410200" cy="3086100"/>
           </a:xfrm>
           <a:prstGeom prst="rect">
@@ -15127,52 +15214,6 @@
           <a:chExt cx="0" cy="0"/>
         </a:xfrm>
       </p:grpSpPr>
-      <p:sp>
-        <p:nvSpPr>
-          <p:cNvPr id="172" name="TextShape 3"/>
-          <p:cNvSpPr txBox="1"/>
-          <p:nvPr/>
-        </p:nvSpPr>
-        <p:spPr>
-          <a:xfrm>
-            <a:off x="7030776" y="6580800"/>
-            <a:ext cx="2133360" cy="220680"/>
-          </a:xfrm>
-          <a:prstGeom prst="rect">
-            <a:avLst/>
-          </a:prstGeom>
-          <a:noFill/>
-          <a:ln>
-            <a:noFill/>
-          </a:ln>
-        </p:spPr>
-        <p:txBody>
-          <a:bodyPr anchor="ctr"/>
-          <a:lstStyle/>
-          <a:p>
-            <a:pPr algn="r">
-              <a:lnSpc>
-                <a:spcPct val="100000"/>
-              </a:lnSpc>
-            </a:pPr>
-            <a:r>
-              <a:rPr lang="hu-HU" sz="1600" spc="-1" dirty="0" smtClean="0">
-                <a:latin typeface="Calibri"/>
-              </a:rPr>
-              <a:t>4</a:t>
-            </a:r>
-            <a:r>
-              <a:rPr lang="hu-HU" sz="1600" b="0" strike="noStrike" spc="-1" dirty="0" smtClean="0">
-                <a:latin typeface="Calibri"/>
-              </a:rPr>
-              <a:t>/15</a:t>
-            </a:r>
-            <a:endParaRPr lang="hu-HU" sz="1600" b="0" strike="noStrike" spc="-1" dirty="0">
-              <a:latin typeface="Times New Roman"/>
-            </a:endParaRPr>
-          </a:p>
-        </p:txBody>
-      </p:sp>
       <p:pic>
         <p:nvPicPr>
           <p:cNvPr id="13" name="Kép 12" descr="Képkivágás.PNG"/>
@@ -15404,7 +15445,7 @@
         </p:blipFill>
         <p:spPr>
           <a:xfrm>
-            <a:off x="5173161" y="1395025"/>
+            <a:off x="2596648" y="1421104"/>
             <a:ext cx="3990975" cy="4048125"/>
           </a:xfrm>
           <a:prstGeom prst="rect">
@@ -15412,6 +15453,52 @@
           </a:prstGeom>
         </p:spPr>
       </p:pic>
+      <p:sp>
+        <p:nvSpPr>
+          <p:cNvPr id="12" name="TextShape 2"/>
+          <p:cNvSpPr txBox="1"/>
+          <p:nvPr/>
+        </p:nvSpPr>
+        <p:spPr>
+          <a:xfrm>
+            <a:off x="6975000" y="6580800"/>
+            <a:ext cx="2133360" cy="220680"/>
+          </a:xfrm>
+          <a:prstGeom prst="rect">
+            <a:avLst/>
+          </a:prstGeom>
+          <a:noFill/>
+          <a:ln>
+            <a:noFill/>
+          </a:ln>
+        </p:spPr>
+        <p:txBody>
+          <a:bodyPr anchor="ctr"/>
+          <a:lstStyle/>
+          <a:p>
+            <a:pPr algn="r">
+              <a:lnSpc>
+                <a:spcPct val="100000"/>
+              </a:lnSpc>
+            </a:pPr>
+            <a:r>
+              <a:rPr lang="hu-HU" sz="1600" spc="-1" dirty="0">
+                <a:latin typeface="Calibri"/>
+              </a:rPr>
+              <a:t>4</a:t>
+            </a:r>
+            <a:r>
+              <a:rPr lang="hu-HU" sz="1600" b="0" strike="noStrike" spc="-1" dirty="0" smtClean="0">
+                <a:latin typeface="Calibri"/>
+              </a:rPr>
+              <a:t>/16</a:t>
+            </a:r>
+            <a:endParaRPr lang="hu-HU" sz="1600" b="0" strike="noStrike" spc="-1" dirty="0">
+              <a:latin typeface="Times New Roman"/>
+            </a:endParaRPr>
+          </a:p>
+        </p:txBody>
+      </p:sp>
     </p:spTree>
   </p:cSld>
   <p:clrMapOvr>
@@ -15763,52 +15850,6 @@
       </p:sp>
       <p:sp>
         <p:nvSpPr>
-          <p:cNvPr id="139" name="TextShape 3"/>
-          <p:cNvSpPr txBox="1"/>
-          <p:nvPr/>
-        </p:nvSpPr>
-        <p:spPr>
-          <a:xfrm>
-            <a:off x="6984696" y="6580800"/>
-            <a:ext cx="2133360" cy="220680"/>
-          </a:xfrm>
-          <a:prstGeom prst="rect">
-            <a:avLst/>
-          </a:prstGeom>
-          <a:noFill/>
-          <a:ln>
-            <a:noFill/>
-          </a:ln>
-        </p:spPr>
-        <p:txBody>
-          <a:bodyPr anchor="ctr"/>
-          <a:lstStyle/>
-          <a:p>
-            <a:pPr algn="r">
-              <a:lnSpc>
-                <a:spcPct val="100000"/>
-              </a:lnSpc>
-            </a:pPr>
-            <a:r>
-              <a:rPr lang="hu-HU" sz="1600" spc="-1" dirty="0" smtClean="0">
-                <a:latin typeface="Calibri"/>
-              </a:rPr>
-              <a:t>5</a:t>
-            </a:r>
-            <a:r>
-              <a:rPr lang="hu-HU" sz="1600" b="0" strike="noStrike" spc="-1" dirty="0" smtClean="0">
-                <a:latin typeface="Calibri"/>
-              </a:rPr>
-              <a:t>/15</a:t>
-            </a:r>
-            <a:endParaRPr lang="hu-HU" sz="1600" b="0" strike="noStrike" spc="-1" dirty="0">
-              <a:latin typeface="Times New Roman"/>
-            </a:endParaRPr>
-          </a:p>
-        </p:txBody>
-      </p:sp>
-      <p:sp>
-        <p:nvSpPr>
           <p:cNvPr id="140" name="CustomShape 4"/>
           <p:cNvSpPr/>
           <p:nvPr/>
@@ -15913,6 +15954,52 @@
             </a:r>
             <a:endParaRPr lang="hu-HU" b="0" strike="noStrike" spc="-1" dirty="0">
               <a:latin typeface="Arial"/>
+            </a:endParaRPr>
+          </a:p>
+        </p:txBody>
+      </p:sp>
+      <p:sp>
+        <p:nvSpPr>
+          <p:cNvPr id="12" name="TextShape 2"/>
+          <p:cNvSpPr txBox="1"/>
+          <p:nvPr/>
+        </p:nvSpPr>
+        <p:spPr>
+          <a:xfrm>
+            <a:off x="6975000" y="6580800"/>
+            <a:ext cx="2133360" cy="220680"/>
+          </a:xfrm>
+          <a:prstGeom prst="rect">
+            <a:avLst/>
+          </a:prstGeom>
+          <a:noFill/>
+          <a:ln>
+            <a:noFill/>
+          </a:ln>
+        </p:spPr>
+        <p:txBody>
+          <a:bodyPr anchor="ctr"/>
+          <a:lstStyle/>
+          <a:p>
+            <a:pPr algn="r">
+              <a:lnSpc>
+                <a:spcPct val="100000"/>
+              </a:lnSpc>
+            </a:pPr>
+            <a:r>
+              <a:rPr lang="hu-HU" sz="1600" spc="-1" dirty="0">
+                <a:latin typeface="Calibri"/>
+              </a:rPr>
+              <a:t>5</a:t>
+            </a:r>
+            <a:r>
+              <a:rPr lang="hu-HU" sz="1600" b="0" strike="noStrike" spc="-1" dirty="0" smtClean="0">
+                <a:latin typeface="Calibri"/>
+              </a:rPr>
+              <a:t>/16</a:t>
+            </a:r>
+            <a:endParaRPr lang="hu-HU" sz="1600" b="0" strike="noStrike" spc="-1" dirty="0">
+              <a:latin typeface="Times New Roman"/>
             </a:endParaRPr>
           </a:p>
         </p:txBody>
@@ -16219,52 +16306,6 @@
           <a:chExt cx="0" cy="0"/>
         </a:xfrm>
       </p:grpSpPr>
-      <p:sp>
-        <p:nvSpPr>
-          <p:cNvPr id="144" name="TextShape 2"/>
-          <p:cNvSpPr txBox="1"/>
-          <p:nvPr/>
-        </p:nvSpPr>
-        <p:spPr>
-          <a:xfrm>
-            <a:off x="7013744" y="6582360"/>
-            <a:ext cx="2133360" cy="220680"/>
-          </a:xfrm>
-          <a:prstGeom prst="rect">
-            <a:avLst/>
-          </a:prstGeom>
-          <a:noFill/>
-          <a:ln>
-            <a:noFill/>
-          </a:ln>
-        </p:spPr>
-        <p:txBody>
-          <a:bodyPr anchor="ctr"/>
-          <a:lstStyle/>
-          <a:p>
-            <a:pPr algn="r">
-              <a:lnSpc>
-                <a:spcPct val="100000"/>
-              </a:lnSpc>
-            </a:pPr>
-            <a:r>
-              <a:rPr lang="hu-HU" sz="1600" spc="-1" dirty="0" smtClean="0">
-                <a:latin typeface="Calibri"/>
-              </a:rPr>
-              <a:t>6</a:t>
-            </a:r>
-            <a:r>
-              <a:rPr lang="hu-HU" sz="1600" b="0" strike="noStrike" spc="-1" dirty="0" smtClean="0">
-                <a:latin typeface="Calibri"/>
-              </a:rPr>
-              <a:t>/15</a:t>
-            </a:r>
-            <a:endParaRPr lang="hu-HU" sz="1600" b="0" strike="noStrike" spc="-1" dirty="0">
-              <a:latin typeface="Times New Roman"/>
-            </a:endParaRPr>
-          </a:p>
-        </p:txBody>
-      </p:sp>
       <p:pic>
         <p:nvPicPr>
           <p:cNvPr id="147" name="Tartalom helye 4"/>
@@ -16457,6 +16498,52 @@
             </a:r>
             <a:endParaRPr lang="hu-HU" b="0" strike="noStrike" spc="-1" dirty="0">
               <a:latin typeface="Arial"/>
+            </a:endParaRPr>
+          </a:p>
+        </p:txBody>
+      </p:sp>
+      <p:sp>
+        <p:nvSpPr>
+          <p:cNvPr id="14" name="TextShape 2"/>
+          <p:cNvSpPr txBox="1"/>
+          <p:nvPr/>
+        </p:nvSpPr>
+        <p:spPr>
+          <a:xfrm>
+            <a:off x="6975000" y="6580800"/>
+            <a:ext cx="2133360" cy="220680"/>
+          </a:xfrm>
+          <a:prstGeom prst="rect">
+            <a:avLst/>
+          </a:prstGeom>
+          <a:noFill/>
+          <a:ln>
+            <a:noFill/>
+          </a:ln>
+        </p:spPr>
+        <p:txBody>
+          <a:bodyPr anchor="ctr"/>
+          <a:lstStyle/>
+          <a:p>
+            <a:pPr algn="r">
+              <a:lnSpc>
+                <a:spcPct val="100000"/>
+              </a:lnSpc>
+            </a:pPr>
+            <a:r>
+              <a:rPr lang="hu-HU" sz="1600" spc="-1" dirty="0">
+                <a:latin typeface="Calibri"/>
+              </a:rPr>
+              <a:t>6</a:t>
+            </a:r>
+            <a:r>
+              <a:rPr lang="hu-HU" sz="1600" b="0" strike="noStrike" spc="-1" dirty="0" smtClean="0">
+                <a:latin typeface="Calibri"/>
+              </a:rPr>
+              <a:t>/16</a:t>
+            </a:r>
+            <a:endParaRPr lang="hu-HU" sz="1600" b="0" strike="noStrike" spc="-1" dirty="0">
+              <a:latin typeface="Times New Roman"/>
             </a:endParaRPr>
           </a:p>
         </p:txBody>
@@ -16498,52 +16585,6 @@
       </p:grpSpPr>
       <p:sp>
         <p:nvSpPr>
-          <p:cNvPr id="144" name="TextShape 2"/>
-          <p:cNvSpPr txBox="1"/>
-          <p:nvPr/>
-        </p:nvSpPr>
-        <p:spPr>
-          <a:xfrm>
-            <a:off x="6989376" y="6582660"/>
-            <a:ext cx="2133360" cy="220680"/>
-          </a:xfrm>
-          <a:prstGeom prst="rect">
-            <a:avLst/>
-          </a:prstGeom>
-          <a:noFill/>
-          <a:ln>
-            <a:noFill/>
-          </a:ln>
-        </p:spPr>
-        <p:txBody>
-          <a:bodyPr anchor="ctr"/>
-          <a:lstStyle/>
-          <a:p>
-            <a:pPr algn="r">
-              <a:lnSpc>
-                <a:spcPct val="100000"/>
-              </a:lnSpc>
-            </a:pPr>
-            <a:r>
-              <a:rPr lang="hu-HU" sz="1600" spc="-1" dirty="0" smtClean="0">
-                <a:latin typeface="Calibri"/>
-              </a:rPr>
-              <a:t>7</a:t>
-            </a:r>
-            <a:r>
-              <a:rPr lang="hu-HU" sz="1600" b="0" strike="noStrike" spc="-1" dirty="0" smtClean="0">
-                <a:latin typeface="Calibri"/>
-              </a:rPr>
-              <a:t>/15</a:t>
-            </a:r>
-            <a:endParaRPr lang="hu-HU" sz="1600" b="0" strike="noStrike" spc="-1" dirty="0">
-              <a:latin typeface="Times New Roman"/>
-            </a:endParaRPr>
-          </a:p>
-        </p:txBody>
-      </p:sp>
-      <p:sp>
-        <p:nvSpPr>
           <p:cNvPr id="145" name="CustomShape 3"/>
           <p:cNvSpPr/>
           <p:nvPr/>
@@ -17218,6 +17259,46 @@
             </a:r>
             <a:endParaRPr lang="hu-HU" b="0" strike="noStrike" spc="-1" dirty="0">
               <a:latin typeface="Arial"/>
+            </a:endParaRPr>
+          </a:p>
+        </p:txBody>
+      </p:sp>
+      <p:sp>
+        <p:nvSpPr>
+          <p:cNvPr id="29" name="TextShape 2"/>
+          <p:cNvSpPr txBox="1"/>
+          <p:nvPr/>
+        </p:nvSpPr>
+        <p:spPr>
+          <a:xfrm>
+            <a:off x="6975000" y="6580800"/>
+            <a:ext cx="2133360" cy="220680"/>
+          </a:xfrm>
+          <a:prstGeom prst="rect">
+            <a:avLst/>
+          </a:prstGeom>
+          <a:noFill/>
+          <a:ln>
+            <a:noFill/>
+          </a:ln>
+        </p:spPr>
+        <p:txBody>
+          <a:bodyPr anchor="ctr"/>
+          <a:lstStyle/>
+          <a:p>
+            <a:pPr algn="r">
+              <a:lnSpc>
+                <a:spcPct val="100000"/>
+              </a:lnSpc>
+            </a:pPr>
+            <a:r>
+              <a:rPr lang="hu-HU" sz="1600" b="0" strike="noStrike" spc="-1" dirty="0" smtClean="0">
+                <a:latin typeface="Calibri"/>
+              </a:rPr>
+              <a:t>7/16</a:t>
+            </a:r>
+            <a:endParaRPr lang="hu-HU" sz="1600" b="0" strike="noStrike" spc="-1" dirty="0">
+              <a:latin typeface="Times New Roman"/>
             </a:endParaRPr>
           </a:p>
         </p:txBody>
@@ -17608,52 +17689,6 @@
       </p:sp>
       <p:sp>
         <p:nvSpPr>
-          <p:cNvPr id="7" name="TextShape 3"/>
-          <p:cNvSpPr txBox="1"/>
-          <p:nvPr/>
-        </p:nvSpPr>
-        <p:spPr>
-          <a:xfrm>
-            <a:off x="7010640" y="6580800"/>
-            <a:ext cx="2133360" cy="220680"/>
-          </a:xfrm>
-          <a:prstGeom prst="rect">
-            <a:avLst/>
-          </a:prstGeom>
-          <a:noFill/>
-          <a:ln>
-            <a:noFill/>
-          </a:ln>
-        </p:spPr>
-        <p:txBody>
-          <a:bodyPr anchor="ctr"/>
-          <a:lstStyle/>
-          <a:p>
-            <a:pPr algn="r">
-              <a:lnSpc>
-                <a:spcPct val="100000"/>
-              </a:lnSpc>
-            </a:pPr>
-            <a:r>
-              <a:rPr lang="hu-HU" sz="1600" spc="-1" dirty="0" smtClean="0">
-                <a:latin typeface="Calibri"/>
-              </a:rPr>
-              <a:t>8</a:t>
-            </a:r>
-            <a:r>
-              <a:rPr lang="hu-HU" sz="1600" b="0" strike="noStrike" spc="-1" dirty="0" smtClean="0">
-                <a:latin typeface="Calibri"/>
-              </a:rPr>
-              <a:t>/15</a:t>
-            </a:r>
-            <a:endParaRPr lang="hu-HU" sz="1600" b="0" strike="noStrike" spc="-1" dirty="0">
-              <a:latin typeface="Times New Roman"/>
-            </a:endParaRPr>
-          </a:p>
-        </p:txBody>
-      </p:sp>
-      <p:sp>
-        <p:nvSpPr>
           <p:cNvPr id="9" name="CustomShape 3"/>
           <p:cNvSpPr/>
           <p:nvPr/>
@@ -17712,6 +17747,52 @@
             </a:r>
             <a:endParaRPr lang="hu-HU" b="0" strike="noStrike" spc="-1" dirty="0">
               <a:latin typeface="Arial"/>
+            </a:endParaRPr>
+          </a:p>
+        </p:txBody>
+      </p:sp>
+      <p:sp>
+        <p:nvSpPr>
+          <p:cNvPr id="11" name="TextShape 2"/>
+          <p:cNvSpPr txBox="1"/>
+          <p:nvPr/>
+        </p:nvSpPr>
+        <p:spPr>
+          <a:xfrm>
+            <a:off x="6975000" y="6580800"/>
+            <a:ext cx="2133360" cy="220680"/>
+          </a:xfrm>
+          <a:prstGeom prst="rect">
+            <a:avLst/>
+          </a:prstGeom>
+          <a:noFill/>
+          <a:ln>
+            <a:noFill/>
+          </a:ln>
+        </p:spPr>
+        <p:txBody>
+          <a:bodyPr anchor="ctr"/>
+          <a:lstStyle/>
+          <a:p>
+            <a:pPr algn="r">
+              <a:lnSpc>
+                <a:spcPct val="100000"/>
+              </a:lnSpc>
+            </a:pPr>
+            <a:r>
+              <a:rPr lang="hu-HU" sz="1600" spc="-1" dirty="0">
+                <a:latin typeface="Calibri"/>
+              </a:rPr>
+              <a:t>8</a:t>
+            </a:r>
+            <a:r>
+              <a:rPr lang="hu-HU" sz="1600" b="0" strike="noStrike" spc="-1" dirty="0" smtClean="0">
+                <a:latin typeface="Calibri"/>
+              </a:rPr>
+              <a:t>/16</a:t>
+            </a:r>
+            <a:endParaRPr lang="hu-HU" sz="1600" b="0" strike="noStrike" spc="-1" dirty="0">
+              <a:latin typeface="Times New Roman"/>
             </a:endParaRPr>
           </a:p>
         </p:txBody>
